--- a/0080_btn/rtl/schematic/crgen.pptx
+++ b/0080_btn/rtl/schematic/crgen.pptx
@@ -2,7 +2,7 @@
 <file path=ppt/presentation.xml><?xml version="1.0" encoding="utf-8"?>
 <p:presentation xmlns:a="http://schemas.openxmlformats.org/drawingml/2006/main" xmlns:r="http://schemas.openxmlformats.org/officeDocument/2006/relationships" xmlns:p="http://schemas.openxmlformats.org/presentationml/2006/main" saveSubsetFonts="1">
   <p:sldMasterIdLst>
-    <p:sldMasterId id="2147484489" r:id="rId1"/>
+    <p:sldMasterId id="2147484501" r:id="rId1"/>
   </p:sldMasterIdLst>
   <p:notesMasterIdLst>
     <p:notesMasterId r:id="rId3"/>
@@ -10,14 +10,14 @@
   <p:sldIdLst>
     <p:sldId id="262" r:id="rId2"/>
   </p:sldIdLst>
-  <p:sldSz cx="13716000" cy="10058400"/>
+  <p:sldSz cx="10058400" cy="6400800"/>
   <p:notesSz cx="6797675" cy="9926638"/>
   <p:defaultTextStyle>
     <a:defPPr>
       <a:defRPr lang="en-US"/>
     </a:defPPr>
-    <a:lvl1pPr marL="0" algn="l" defTabSz="1704758" rtl="0" eaLnBrk="1" latinLnBrk="0" hangingPunct="1">
-      <a:defRPr sz="3356" kern="1200">
+    <a:lvl1pPr marL="0" algn="l" defTabSz="1180204" rtl="0" eaLnBrk="1" latinLnBrk="0" hangingPunct="1">
+      <a:defRPr sz="2323" kern="1200">
         <a:solidFill>
           <a:schemeClr val="tx1"/>
         </a:solidFill>
@@ -26,8 +26,8 @@
         <a:cs typeface="+mn-cs"/>
       </a:defRPr>
     </a:lvl1pPr>
-    <a:lvl2pPr marL="852378" algn="l" defTabSz="1704758" rtl="0" eaLnBrk="1" latinLnBrk="0" hangingPunct="1">
-      <a:defRPr sz="3356" kern="1200">
+    <a:lvl2pPr marL="590101" algn="l" defTabSz="1180204" rtl="0" eaLnBrk="1" latinLnBrk="0" hangingPunct="1">
+      <a:defRPr sz="2323" kern="1200">
         <a:solidFill>
           <a:schemeClr val="tx1"/>
         </a:solidFill>
@@ -36,8 +36,8 @@
         <a:cs typeface="+mn-cs"/>
       </a:defRPr>
     </a:lvl2pPr>
-    <a:lvl3pPr marL="1704758" algn="l" defTabSz="1704758" rtl="0" eaLnBrk="1" latinLnBrk="0" hangingPunct="1">
-      <a:defRPr sz="3356" kern="1200">
+    <a:lvl3pPr marL="1180204" algn="l" defTabSz="1180204" rtl="0" eaLnBrk="1" latinLnBrk="0" hangingPunct="1">
+      <a:defRPr sz="2323" kern="1200">
         <a:solidFill>
           <a:schemeClr val="tx1"/>
         </a:solidFill>
@@ -46,8 +46,8 @@
         <a:cs typeface="+mn-cs"/>
       </a:defRPr>
     </a:lvl3pPr>
-    <a:lvl4pPr marL="2557138" algn="l" defTabSz="1704758" rtl="0" eaLnBrk="1" latinLnBrk="0" hangingPunct="1">
-      <a:defRPr sz="3356" kern="1200">
+    <a:lvl4pPr marL="1770307" algn="l" defTabSz="1180204" rtl="0" eaLnBrk="1" latinLnBrk="0" hangingPunct="1">
+      <a:defRPr sz="2323" kern="1200">
         <a:solidFill>
           <a:schemeClr val="tx1"/>
         </a:solidFill>
@@ -56,8 +56,8 @@
         <a:cs typeface="+mn-cs"/>
       </a:defRPr>
     </a:lvl4pPr>
-    <a:lvl5pPr marL="3409511" algn="l" defTabSz="1704758" rtl="0" eaLnBrk="1" latinLnBrk="0" hangingPunct="1">
-      <a:defRPr sz="3356" kern="1200">
+    <a:lvl5pPr marL="2360404" algn="l" defTabSz="1180204" rtl="0" eaLnBrk="1" latinLnBrk="0" hangingPunct="1">
+      <a:defRPr sz="2323" kern="1200">
         <a:solidFill>
           <a:schemeClr val="tx1"/>
         </a:solidFill>
@@ -66,8 +66,8 @@
         <a:cs typeface="+mn-cs"/>
       </a:defRPr>
     </a:lvl5pPr>
-    <a:lvl6pPr marL="4261893" algn="l" defTabSz="1704758" rtl="0" eaLnBrk="1" latinLnBrk="0" hangingPunct="1">
-      <a:defRPr sz="3356" kern="1200">
+    <a:lvl6pPr marL="2950509" algn="l" defTabSz="1180204" rtl="0" eaLnBrk="1" latinLnBrk="0" hangingPunct="1">
+      <a:defRPr sz="2323" kern="1200">
         <a:solidFill>
           <a:schemeClr val="tx1"/>
         </a:solidFill>
@@ -76,8 +76,8 @@
         <a:cs typeface="+mn-cs"/>
       </a:defRPr>
     </a:lvl6pPr>
-    <a:lvl7pPr marL="5114272" algn="l" defTabSz="1704758" rtl="0" eaLnBrk="1" latinLnBrk="0" hangingPunct="1">
-      <a:defRPr sz="3356" kern="1200">
+    <a:lvl7pPr marL="3540611" algn="l" defTabSz="1180204" rtl="0" eaLnBrk="1" latinLnBrk="0" hangingPunct="1">
+      <a:defRPr sz="2323" kern="1200">
         <a:solidFill>
           <a:schemeClr val="tx1"/>
         </a:solidFill>
@@ -86,8 +86,8 @@
         <a:cs typeface="+mn-cs"/>
       </a:defRPr>
     </a:lvl7pPr>
-    <a:lvl8pPr marL="5966651" algn="l" defTabSz="1704758" rtl="0" eaLnBrk="1" latinLnBrk="0" hangingPunct="1">
-      <a:defRPr sz="3356" kern="1200">
+    <a:lvl8pPr marL="4130712" algn="l" defTabSz="1180204" rtl="0" eaLnBrk="1" latinLnBrk="0" hangingPunct="1">
+      <a:defRPr sz="2323" kern="1200">
         <a:solidFill>
           <a:schemeClr val="tx1"/>
         </a:solidFill>
@@ -96,8 +96,8 @@
         <a:cs typeface="+mn-cs"/>
       </a:defRPr>
     </a:lvl8pPr>
-    <a:lvl9pPr marL="6819027" algn="l" defTabSz="1704758" rtl="0" eaLnBrk="1" latinLnBrk="0" hangingPunct="1">
-      <a:defRPr sz="3356" kern="1200">
+    <a:lvl9pPr marL="4720812" algn="l" defTabSz="1180204" rtl="0" eaLnBrk="1" latinLnBrk="0" hangingPunct="1">
+      <a:defRPr sz="2323" kern="1200">
         <a:solidFill>
           <a:schemeClr val="tx1"/>
         </a:solidFill>
@@ -197,7 +197,7 @@
           <a:p>
             <a:fld id="{B9E5BF02-4A65-43B2-AA51-912306618617}" type="datetimeFigureOut">
               <a:rPr lang="en-US" smtClean="0"/>
-              <a:t>10/2/2017</a:t>
+              <a:t>10/3/2017</a:t>
             </a:fld>
             <a:endParaRPr lang="en-US"/>
           </a:p>
@@ -215,8 +215,8 @@
         </p:nvSpPr>
         <p:spPr>
           <a:xfrm>
-            <a:off x="1114425" y="1241425"/>
-            <a:ext cx="4568825" cy="3349625"/>
+            <a:off x="768350" y="1241425"/>
+            <a:ext cx="5260975" cy="3349625"/>
           </a:xfrm>
           <a:prstGeom prst="rect">
             <a:avLst/>
@@ -371,8 +371,8 @@
   </p:cSld>
   <p:clrMap bg1="lt1" tx1="dk1" bg2="lt2" tx2="dk2" accent1="accent1" accent2="accent2" accent3="accent3" accent4="accent4" accent5="accent5" accent6="accent6" hlink="hlink" folHlink="folHlink"/>
   <p:notesStyle>
-    <a:lvl1pPr marL="0" algn="l" defTabSz="1704758" rtl="0" eaLnBrk="1" latinLnBrk="0" hangingPunct="1">
-      <a:defRPr sz="2237" kern="1200">
+    <a:lvl1pPr marL="0" algn="l" defTabSz="1180204" rtl="0" eaLnBrk="1" latinLnBrk="0" hangingPunct="1">
+      <a:defRPr sz="1549" kern="1200">
         <a:solidFill>
           <a:schemeClr val="tx1"/>
         </a:solidFill>
@@ -381,8 +381,8 @@
         <a:cs typeface="+mn-cs"/>
       </a:defRPr>
     </a:lvl1pPr>
-    <a:lvl2pPr marL="852378" algn="l" defTabSz="1704758" rtl="0" eaLnBrk="1" latinLnBrk="0" hangingPunct="1">
-      <a:defRPr sz="2237" kern="1200">
+    <a:lvl2pPr marL="590101" algn="l" defTabSz="1180204" rtl="0" eaLnBrk="1" latinLnBrk="0" hangingPunct="1">
+      <a:defRPr sz="1549" kern="1200">
         <a:solidFill>
           <a:schemeClr val="tx1"/>
         </a:solidFill>
@@ -391,8 +391,8 @@
         <a:cs typeface="+mn-cs"/>
       </a:defRPr>
     </a:lvl2pPr>
-    <a:lvl3pPr marL="1704758" algn="l" defTabSz="1704758" rtl="0" eaLnBrk="1" latinLnBrk="0" hangingPunct="1">
-      <a:defRPr sz="2237" kern="1200">
+    <a:lvl3pPr marL="1180204" algn="l" defTabSz="1180204" rtl="0" eaLnBrk="1" latinLnBrk="0" hangingPunct="1">
+      <a:defRPr sz="1549" kern="1200">
         <a:solidFill>
           <a:schemeClr val="tx1"/>
         </a:solidFill>
@@ -401,8 +401,8 @@
         <a:cs typeface="+mn-cs"/>
       </a:defRPr>
     </a:lvl3pPr>
-    <a:lvl4pPr marL="2557138" algn="l" defTabSz="1704758" rtl="0" eaLnBrk="1" latinLnBrk="0" hangingPunct="1">
-      <a:defRPr sz="2237" kern="1200">
+    <a:lvl4pPr marL="1770307" algn="l" defTabSz="1180204" rtl="0" eaLnBrk="1" latinLnBrk="0" hangingPunct="1">
+      <a:defRPr sz="1549" kern="1200">
         <a:solidFill>
           <a:schemeClr val="tx1"/>
         </a:solidFill>
@@ -411,8 +411,8 @@
         <a:cs typeface="+mn-cs"/>
       </a:defRPr>
     </a:lvl4pPr>
-    <a:lvl5pPr marL="3409511" algn="l" defTabSz="1704758" rtl="0" eaLnBrk="1" latinLnBrk="0" hangingPunct="1">
-      <a:defRPr sz="2237" kern="1200">
+    <a:lvl5pPr marL="2360404" algn="l" defTabSz="1180204" rtl="0" eaLnBrk="1" latinLnBrk="0" hangingPunct="1">
+      <a:defRPr sz="1549" kern="1200">
         <a:solidFill>
           <a:schemeClr val="tx1"/>
         </a:solidFill>
@@ -421,8 +421,8 @@
         <a:cs typeface="+mn-cs"/>
       </a:defRPr>
     </a:lvl5pPr>
-    <a:lvl6pPr marL="4261893" algn="l" defTabSz="1704758" rtl="0" eaLnBrk="1" latinLnBrk="0" hangingPunct="1">
-      <a:defRPr sz="2237" kern="1200">
+    <a:lvl6pPr marL="2950509" algn="l" defTabSz="1180204" rtl="0" eaLnBrk="1" latinLnBrk="0" hangingPunct="1">
+      <a:defRPr sz="1549" kern="1200">
         <a:solidFill>
           <a:schemeClr val="tx1"/>
         </a:solidFill>
@@ -431,8 +431,8 @@
         <a:cs typeface="+mn-cs"/>
       </a:defRPr>
     </a:lvl6pPr>
-    <a:lvl7pPr marL="5114272" algn="l" defTabSz="1704758" rtl="0" eaLnBrk="1" latinLnBrk="0" hangingPunct="1">
-      <a:defRPr sz="2237" kern="1200">
+    <a:lvl7pPr marL="3540611" algn="l" defTabSz="1180204" rtl="0" eaLnBrk="1" latinLnBrk="0" hangingPunct="1">
+      <a:defRPr sz="1549" kern="1200">
         <a:solidFill>
           <a:schemeClr val="tx1"/>
         </a:solidFill>
@@ -441,8 +441,8 @@
         <a:cs typeface="+mn-cs"/>
       </a:defRPr>
     </a:lvl7pPr>
-    <a:lvl8pPr marL="5966651" algn="l" defTabSz="1704758" rtl="0" eaLnBrk="1" latinLnBrk="0" hangingPunct="1">
-      <a:defRPr sz="2237" kern="1200">
+    <a:lvl8pPr marL="4130712" algn="l" defTabSz="1180204" rtl="0" eaLnBrk="1" latinLnBrk="0" hangingPunct="1">
+      <a:defRPr sz="1549" kern="1200">
         <a:solidFill>
           <a:schemeClr val="tx1"/>
         </a:solidFill>
@@ -451,8 +451,8 @@
         <a:cs typeface="+mn-cs"/>
       </a:defRPr>
     </a:lvl8pPr>
-    <a:lvl9pPr marL="6819027" algn="l" defTabSz="1704758" rtl="0" eaLnBrk="1" latinLnBrk="0" hangingPunct="1">
-      <a:defRPr sz="2237" kern="1200">
+    <a:lvl9pPr marL="4720812" algn="l" defTabSz="1180204" rtl="0" eaLnBrk="1" latinLnBrk="0" hangingPunct="1">
+      <a:defRPr sz="1549" kern="1200">
         <a:solidFill>
           <a:schemeClr val="tx1"/>
         </a:solidFill>
@@ -494,8 +494,8 @@
         </p:nvSpPr>
         <p:spPr>
           <a:xfrm>
-            <a:off x="1114425" y="1241425"/>
-            <a:ext cx="4568825" cy="3349625"/>
+            <a:off x="768350" y="1241425"/>
+            <a:ext cx="5260975" cy="3349625"/>
           </a:xfrm>
         </p:spPr>
       </p:sp>
@@ -583,15 +583,15 @@
         </p:nvSpPr>
         <p:spPr>
           <a:xfrm>
-            <a:off x="1028700" y="1646133"/>
-            <a:ext cx="11658600" cy="3501813"/>
+            <a:off x="1257300" y="1047539"/>
+            <a:ext cx="7543800" cy="2228427"/>
           </a:xfrm>
         </p:spPr>
         <p:txBody>
           <a:bodyPr anchor="b"/>
           <a:lstStyle>
             <a:lvl1pPr algn="ctr">
-              <a:defRPr sz="8800"/>
+              <a:defRPr sz="4950"/>
             </a:lvl1pPr>
           </a:lstStyle>
           <a:p>
@@ -615,8 +615,8 @@
         </p:nvSpPr>
         <p:spPr>
           <a:xfrm>
-            <a:off x="1714500" y="5282989"/>
-            <a:ext cx="10287000" cy="2428451"/>
+            <a:off x="1257300" y="3361902"/>
+            <a:ext cx="7543800" cy="1545378"/>
           </a:xfrm>
         </p:spPr>
         <p:txBody>
@@ -624,39 +624,39 @@
           <a:lstStyle>
             <a:lvl1pPr marL="0" indent="0" algn="ctr">
               <a:buNone/>
-              <a:defRPr sz="3520"/>
+              <a:defRPr sz="1980"/>
             </a:lvl1pPr>
-            <a:lvl2pPr marL="670575" indent="0" algn="ctr">
+            <a:lvl2pPr marL="377190" indent="0" algn="ctr">
               <a:buNone/>
-              <a:defRPr sz="2933"/>
+              <a:defRPr sz="1650"/>
             </a:lvl2pPr>
-            <a:lvl3pPr marL="1341150" indent="0" algn="ctr">
+            <a:lvl3pPr marL="754380" indent="0" algn="ctr">
               <a:buNone/>
-              <a:defRPr sz="2640"/>
+              <a:defRPr sz="1485"/>
             </a:lvl3pPr>
-            <a:lvl4pPr marL="2011726" indent="0" algn="ctr">
+            <a:lvl4pPr marL="1131570" indent="0" algn="ctr">
               <a:buNone/>
-              <a:defRPr sz="2347"/>
+              <a:defRPr sz="1320"/>
             </a:lvl4pPr>
-            <a:lvl5pPr marL="2682301" indent="0" algn="ctr">
+            <a:lvl5pPr marL="1508760" indent="0" algn="ctr">
               <a:buNone/>
-              <a:defRPr sz="2347"/>
+              <a:defRPr sz="1320"/>
             </a:lvl5pPr>
-            <a:lvl6pPr marL="3352876" indent="0" algn="ctr">
+            <a:lvl6pPr marL="1885950" indent="0" algn="ctr">
               <a:buNone/>
-              <a:defRPr sz="2347"/>
+              <a:defRPr sz="1320"/>
             </a:lvl6pPr>
-            <a:lvl7pPr marL="4023451" indent="0" algn="ctr">
+            <a:lvl7pPr marL="2263140" indent="0" algn="ctr">
               <a:buNone/>
-              <a:defRPr sz="2347"/>
+              <a:defRPr sz="1320"/>
             </a:lvl7pPr>
-            <a:lvl8pPr marL="4694027" indent="0" algn="ctr">
+            <a:lvl8pPr marL="2640330" indent="0" algn="ctr">
               <a:buNone/>
-              <a:defRPr sz="2347"/>
+              <a:defRPr sz="1320"/>
             </a:lvl8pPr>
-            <a:lvl9pPr marL="5364602" indent="0" algn="ctr">
+            <a:lvl9pPr marL="3017520" indent="0" algn="ctr">
               <a:buNone/>
-              <a:defRPr sz="2347"/>
+              <a:defRPr sz="1320"/>
             </a:lvl9pPr>
           </a:lstStyle>
           <a:p>
@@ -685,7 +685,7 @@
           <a:p>
             <a:fld id="{F8F920B2-3E99-4C9D-9450-62A3DEC5476B}" type="datetimeFigureOut">
               <a:rPr lang="en-US" smtClean="0"/>
-              <a:t>10/2/2017</a:t>
+              <a:t>10/3/2017</a:t>
             </a:fld>
             <a:endParaRPr lang="en-US"/>
           </a:p>
@@ -736,7 +736,7 @@
     </p:spTree>
     <p:extLst>
       <p:ext uri="{BB962C8B-B14F-4D97-AF65-F5344CB8AC3E}">
-        <p14:creationId xmlns:p14="http://schemas.microsoft.com/office/powerpoint/2010/main" val="1315902448"/>
+        <p14:creationId xmlns:p14="http://schemas.microsoft.com/office/powerpoint/2010/main" val="2421161595"/>
       </p:ext>
     </p:extLst>
   </p:cSld>
@@ -855,7 +855,7 @@
           <a:p>
             <a:fld id="{F8F920B2-3E99-4C9D-9450-62A3DEC5476B}" type="datetimeFigureOut">
               <a:rPr lang="en-US" smtClean="0"/>
-              <a:t>10/2/2017</a:t>
+              <a:t>10/3/2017</a:t>
             </a:fld>
             <a:endParaRPr lang="en-US"/>
           </a:p>
@@ -906,7 +906,7 @@
     </p:spTree>
     <p:extLst>
       <p:ext uri="{BB962C8B-B14F-4D97-AF65-F5344CB8AC3E}">
-        <p14:creationId xmlns:p14="http://schemas.microsoft.com/office/powerpoint/2010/main" val="3346792548"/>
+        <p14:creationId xmlns:p14="http://schemas.microsoft.com/office/powerpoint/2010/main" val="2941526495"/>
       </p:ext>
     </p:extLst>
   </p:cSld>
@@ -945,8 +945,8 @@
         </p:nvSpPr>
         <p:spPr>
           <a:xfrm>
-            <a:off x="9815513" y="535517"/>
-            <a:ext cx="2957513" cy="8524029"/>
+            <a:off x="7198042" y="340783"/>
+            <a:ext cx="2168843" cy="5424382"/>
           </a:xfrm>
         </p:spPr>
         <p:txBody>
@@ -973,8 +973,8 @@
         </p:nvSpPr>
         <p:spPr>
           <a:xfrm>
-            <a:off x="942976" y="535517"/>
-            <a:ext cx="8701088" cy="8524029"/>
+            <a:off x="691515" y="340783"/>
+            <a:ext cx="6380798" cy="5424382"/>
           </a:xfrm>
         </p:spPr>
         <p:txBody>
@@ -1035,7 +1035,7 @@
           <a:p>
             <a:fld id="{F8F920B2-3E99-4C9D-9450-62A3DEC5476B}" type="datetimeFigureOut">
               <a:rPr lang="en-US" smtClean="0"/>
-              <a:t>10/2/2017</a:t>
+              <a:t>10/3/2017</a:t>
             </a:fld>
             <a:endParaRPr lang="en-US"/>
           </a:p>
@@ -1086,7 +1086,7 @@
     </p:spTree>
     <p:extLst>
       <p:ext uri="{BB962C8B-B14F-4D97-AF65-F5344CB8AC3E}">
-        <p14:creationId xmlns:p14="http://schemas.microsoft.com/office/powerpoint/2010/main" val="1256269984"/>
+        <p14:creationId xmlns:p14="http://schemas.microsoft.com/office/powerpoint/2010/main" val="814058540"/>
       </p:ext>
     </p:extLst>
   </p:cSld>
@@ -1205,7 +1205,7 @@
           <a:p>
             <a:fld id="{F8F920B2-3E99-4C9D-9450-62A3DEC5476B}" type="datetimeFigureOut">
               <a:rPr lang="en-US" smtClean="0"/>
-              <a:t>10/2/2017</a:t>
+              <a:t>10/3/2017</a:t>
             </a:fld>
             <a:endParaRPr lang="en-US"/>
           </a:p>
@@ -1256,7 +1256,7 @@
     </p:spTree>
     <p:extLst>
       <p:ext uri="{BB962C8B-B14F-4D97-AF65-F5344CB8AC3E}">
-        <p14:creationId xmlns:p14="http://schemas.microsoft.com/office/powerpoint/2010/main" val="663588565"/>
+        <p14:creationId xmlns:p14="http://schemas.microsoft.com/office/powerpoint/2010/main" val="744632616"/>
       </p:ext>
     </p:extLst>
   </p:cSld>
@@ -1295,15 +1295,15 @@
         </p:nvSpPr>
         <p:spPr>
           <a:xfrm>
-            <a:off x="935832" y="2507618"/>
-            <a:ext cx="11830050" cy="4184014"/>
+            <a:off x="686276" y="1595756"/>
+            <a:ext cx="8675370" cy="2662555"/>
           </a:xfrm>
         </p:spPr>
         <p:txBody>
           <a:bodyPr anchor="b"/>
           <a:lstStyle>
             <a:lvl1pPr>
-              <a:defRPr sz="8800"/>
+              <a:defRPr sz="4950"/>
             </a:lvl1pPr>
           </a:lstStyle>
           <a:p>
@@ -1327,8 +1327,8 @@
         </p:nvSpPr>
         <p:spPr>
           <a:xfrm>
-            <a:off x="935832" y="6731215"/>
-            <a:ext cx="11830050" cy="2200274"/>
+            <a:off x="686276" y="4283499"/>
+            <a:ext cx="8675370" cy="1400175"/>
           </a:xfrm>
         </p:spPr>
         <p:txBody>
@@ -1336,15 +1336,17 @@
           <a:lstStyle>
             <a:lvl1pPr marL="0" indent="0">
               <a:buNone/>
-              <a:defRPr sz="3520">
+              <a:defRPr sz="1980">
                 <a:solidFill>
-                  <a:schemeClr val="tx1"/>
+                  <a:schemeClr val="tx1">
+                    <a:tint val="75000"/>
+                  </a:schemeClr>
                 </a:solidFill>
               </a:defRPr>
             </a:lvl1pPr>
-            <a:lvl2pPr marL="670575" indent="0">
+            <a:lvl2pPr marL="377190" indent="0">
               <a:buNone/>
-              <a:defRPr sz="2933">
+              <a:defRPr sz="1650">
                 <a:solidFill>
                   <a:schemeClr val="tx1">
                     <a:tint val="75000"/>
@@ -1352,9 +1354,9 @@
                 </a:solidFill>
               </a:defRPr>
             </a:lvl2pPr>
-            <a:lvl3pPr marL="1341150" indent="0">
+            <a:lvl3pPr marL="754380" indent="0">
               <a:buNone/>
-              <a:defRPr sz="2640">
+              <a:defRPr sz="1485">
                 <a:solidFill>
                   <a:schemeClr val="tx1">
                     <a:tint val="75000"/>
@@ -1362,9 +1364,9 @@
                 </a:solidFill>
               </a:defRPr>
             </a:lvl3pPr>
-            <a:lvl4pPr marL="2011726" indent="0">
+            <a:lvl4pPr marL="1131570" indent="0">
               <a:buNone/>
-              <a:defRPr sz="2347">
+              <a:defRPr sz="1320">
                 <a:solidFill>
                   <a:schemeClr val="tx1">
                     <a:tint val="75000"/>
@@ -1372,9 +1374,9 @@
                 </a:solidFill>
               </a:defRPr>
             </a:lvl4pPr>
-            <a:lvl5pPr marL="2682301" indent="0">
+            <a:lvl5pPr marL="1508760" indent="0">
               <a:buNone/>
-              <a:defRPr sz="2347">
+              <a:defRPr sz="1320">
                 <a:solidFill>
                   <a:schemeClr val="tx1">
                     <a:tint val="75000"/>
@@ -1382,9 +1384,9 @@
                 </a:solidFill>
               </a:defRPr>
             </a:lvl5pPr>
-            <a:lvl6pPr marL="3352876" indent="0">
+            <a:lvl6pPr marL="1885950" indent="0">
               <a:buNone/>
-              <a:defRPr sz="2347">
+              <a:defRPr sz="1320">
                 <a:solidFill>
                   <a:schemeClr val="tx1">
                     <a:tint val="75000"/>
@@ -1392,9 +1394,9 @@
                 </a:solidFill>
               </a:defRPr>
             </a:lvl6pPr>
-            <a:lvl7pPr marL="4023451" indent="0">
+            <a:lvl7pPr marL="2263140" indent="0">
               <a:buNone/>
-              <a:defRPr sz="2347">
+              <a:defRPr sz="1320">
                 <a:solidFill>
                   <a:schemeClr val="tx1">
                     <a:tint val="75000"/>
@@ -1402,9 +1404,9 @@
                 </a:solidFill>
               </a:defRPr>
             </a:lvl7pPr>
-            <a:lvl8pPr marL="4694027" indent="0">
+            <a:lvl8pPr marL="2640330" indent="0">
               <a:buNone/>
-              <a:defRPr sz="2347">
+              <a:defRPr sz="1320">
                 <a:solidFill>
                   <a:schemeClr val="tx1">
                     <a:tint val="75000"/>
@@ -1412,9 +1414,9 @@
                 </a:solidFill>
               </a:defRPr>
             </a:lvl8pPr>
-            <a:lvl9pPr marL="5364602" indent="0">
+            <a:lvl9pPr marL="3017520" indent="0">
               <a:buNone/>
-              <a:defRPr sz="2347">
+              <a:defRPr sz="1320">
                 <a:solidFill>
                   <a:schemeClr val="tx1">
                     <a:tint val="75000"/>
@@ -1449,7 +1451,7 @@
           <a:p>
             <a:fld id="{F8F920B2-3E99-4C9D-9450-62A3DEC5476B}" type="datetimeFigureOut">
               <a:rPr lang="en-US" smtClean="0"/>
-              <a:t>10/2/2017</a:t>
+              <a:t>10/3/2017</a:t>
             </a:fld>
             <a:endParaRPr lang="en-US"/>
           </a:p>
@@ -1500,7 +1502,7 @@
     </p:spTree>
     <p:extLst>
       <p:ext uri="{BB962C8B-B14F-4D97-AF65-F5344CB8AC3E}">
-        <p14:creationId xmlns:p14="http://schemas.microsoft.com/office/powerpoint/2010/main" val="3424625085"/>
+        <p14:creationId xmlns:p14="http://schemas.microsoft.com/office/powerpoint/2010/main" val="2145570069"/>
       </p:ext>
     </p:extLst>
   </p:cSld>
@@ -1562,8 +1564,8 @@
         </p:nvSpPr>
         <p:spPr>
           <a:xfrm>
-            <a:off x="942975" y="2677584"/>
-            <a:ext cx="5829300" cy="6381962"/>
+            <a:off x="691515" y="1703917"/>
+            <a:ext cx="4274820" cy="4061249"/>
           </a:xfrm>
         </p:spPr>
         <p:txBody>
@@ -1619,8 +1621,8 @@
         </p:nvSpPr>
         <p:spPr>
           <a:xfrm>
-            <a:off x="6943725" y="2677584"/>
-            <a:ext cx="5829300" cy="6381962"/>
+            <a:off x="5092065" y="1703917"/>
+            <a:ext cx="4274820" cy="4061249"/>
           </a:xfrm>
         </p:spPr>
         <p:txBody>
@@ -1681,7 +1683,7 @@
           <a:p>
             <a:fld id="{F8F920B2-3E99-4C9D-9450-62A3DEC5476B}" type="datetimeFigureOut">
               <a:rPr lang="en-US" smtClean="0"/>
-              <a:t>10/2/2017</a:t>
+              <a:t>10/3/2017</a:t>
             </a:fld>
             <a:endParaRPr lang="en-US"/>
           </a:p>
@@ -1732,7 +1734,7 @@
     </p:spTree>
     <p:extLst>
       <p:ext uri="{BB962C8B-B14F-4D97-AF65-F5344CB8AC3E}">
-        <p14:creationId xmlns:p14="http://schemas.microsoft.com/office/powerpoint/2010/main" val="2994106397"/>
+        <p14:creationId xmlns:p14="http://schemas.microsoft.com/office/powerpoint/2010/main" val="750202947"/>
       </p:ext>
     </p:extLst>
   </p:cSld>
@@ -1771,8 +1773,8 @@
         </p:nvSpPr>
         <p:spPr>
           <a:xfrm>
-            <a:off x="944762" y="535519"/>
-            <a:ext cx="11830050" cy="1944159"/>
+            <a:off x="692825" y="340784"/>
+            <a:ext cx="8675370" cy="1237192"/>
           </a:xfrm>
         </p:spPr>
         <p:txBody>
@@ -1799,8 +1801,8 @@
         </p:nvSpPr>
         <p:spPr>
           <a:xfrm>
-            <a:off x="944763" y="2465706"/>
-            <a:ext cx="5802510" cy="1208404"/>
+            <a:off x="692826" y="1569085"/>
+            <a:ext cx="4255174" cy="768985"/>
           </a:xfrm>
         </p:spPr>
         <p:txBody>
@@ -1808,39 +1810,39 @@
           <a:lstStyle>
             <a:lvl1pPr marL="0" indent="0">
               <a:buNone/>
-              <a:defRPr sz="3520" b="1"/>
+              <a:defRPr sz="1980" b="1"/>
             </a:lvl1pPr>
-            <a:lvl2pPr marL="670575" indent="0">
+            <a:lvl2pPr marL="377190" indent="0">
               <a:buNone/>
-              <a:defRPr sz="2933" b="1"/>
+              <a:defRPr sz="1650" b="1"/>
             </a:lvl2pPr>
-            <a:lvl3pPr marL="1341150" indent="0">
+            <a:lvl3pPr marL="754380" indent="0">
               <a:buNone/>
-              <a:defRPr sz="2640" b="1"/>
+              <a:defRPr sz="1485" b="1"/>
             </a:lvl3pPr>
-            <a:lvl4pPr marL="2011726" indent="0">
+            <a:lvl4pPr marL="1131570" indent="0">
               <a:buNone/>
-              <a:defRPr sz="2347" b="1"/>
+              <a:defRPr sz="1320" b="1"/>
             </a:lvl4pPr>
-            <a:lvl5pPr marL="2682301" indent="0">
+            <a:lvl5pPr marL="1508760" indent="0">
               <a:buNone/>
-              <a:defRPr sz="2347" b="1"/>
+              <a:defRPr sz="1320" b="1"/>
             </a:lvl5pPr>
-            <a:lvl6pPr marL="3352876" indent="0">
+            <a:lvl6pPr marL="1885950" indent="0">
               <a:buNone/>
-              <a:defRPr sz="2347" b="1"/>
+              <a:defRPr sz="1320" b="1"/>
             </a:lvl6pPr>
-            <a:lvl7pPr marL="4023451" indent="0">
+            <a:lvl7pPr marL="2263140" indent="0">
               <a:buNone/>
-              <a:defRPr sz="2347" b="1"/>
+              <a:defRPr sz="1320" b="1"/>
             </a:lvl7pPr>
-            <a:lvl8pPr marL="4694027" indent="0">
+            <a:lvl8pPr marL="2640330" indent="0">
               <a:buNone/>
-              <a:defRPr sz="2347" b="1"/>
+              <a:defRPr sz="1320" b="1"/>
             </a:lvl8pPr>
-            <a:lvl9pPr marL="5364602" indent="0">
+            <a:lvl9pPr marL="3017520" indent="0">
               <a:buNone/>
-              <a:defRPr sz="2347" b="1"/>
+              <a:defRPr sz="1320" b="1"/>
             </a:lvl9pPr>
           </a:lstStyle>
           <a:p>
@@ -1864,8 +1866,8 @@
         </p:nvSpPr>
         <p:spPr>
           <a:xfrm>
-            <a:off x="944763" y="3674110"/>
-            <a:ext cx="5802510" cy="5404062"/>
+            <a:off x="692826" y="2338070"/>
+            <a:ext cx="4255174" cy="3438949"/>
           </a:xfrm>
         </p:spPr>
         <p:txBody>
@@ -1921,8 +1923,8 @@
         </p:nvSpPr>
         <p:spPr>
           <a:xfrm>
-            <a:off x="6943726" y="2465706"/>
-            <a:ext cx="5831087" cy="1208404"/>
+            <a:off x="5092065" y="1569085"/>
+            <a:ext cx="4276130" cy="768985"/>
           </a:xfrm>
         </p:spPr>
         <p:txBody>
@@ -1930,39 +1932,39 @@
           <a:lstStyle>
             <a:lvl1pPr marL="0" indent="0">
               <a:buNone/>
-              <a:defRPr sz="3520" b="1"/>
+              <a:defRPr sz="1980" b="1"/>
             </a:lvl1pPr>
-            <a:lvl2pPr marL="670575" indent="0">
+            <a:lvl2pPr marL="377190" indent="0">
               <a:buNone/>
-              <a:defRPr sz="2933" b="1"/>
+              <a:defRPr sz="1650" b="1"/>
             </a:lvl2pPr>
-            <a:lvl3pPr marL="1341150" indent="0">
+            <a:lvl3pPr marL="754380" indent="0">
               <a:buNone/>
-              <a:defRPr sz="2640" b="1"/>
+              <a:defRPr sz="1485" b="1"/>
             </a:lvl3pPr>
-            <a:lvl4pPr marL="2011726" indent="0">
+            <a:lvl4pPr marL="1131570" indent="0">
               <a:buNone/>
-              <a:defRPr sz="2347" b="1"/>
+              <a:defRPr sz="1320" b="1"/>
             </a:lvl4pPr>
-            <a:lvl5pPr marL="2682301" indent="0">
+            <a:lvl5pPr marL="1508760" indent="0">
               <a:buNone/>
-              <a:defRPr sz="2347" b="1"/>
+              <a:defRPr sz="1320" b="1"/>
             </a:lvl5pPr>
-            <a:lvl6pPr marL="3352876" indent="0">
+            <a:lvl6pPr marL="1885950" indent="0">
               <a:buNone/>
-              <a:defRPr sz="2347" b="1"/>
+              <a:defRPr sz="1320" b="1"/>
             </a:lvl6pPr>
-            <a:lvl7pPr marL="4023451" indent="0">
+            <a:lvl7pPr marL="2263140" indent="0">
               <a:buNone/>
-              <a:defRPr sz="2347" b="1"/>
+              <a:defRPr sz="1320" b="1"/>
             </a:lvl7pPr>
-            <a:lvl8pPr marL="4694027" indent="0">
+            <a:lvl8pPr marL="2640330" indent="0">
               <a:buNone/>
-              <a:defRPr sz="2347" b="1"/>
+              <a:defRPr sz="1320" b="1"/>
             </a:lvl8pPr>
-            <a:lvl9pPr marL="5364602" indent="0">
+            <a:lvl9pPr marL="3017520" indent="0">
               <a:buNone/>
-              <a:defRPr sz="2347" b="1"/>
+              <a:defRPr sz="1320" b="1"/>
             </a:lvl9pPr>
           </a:lstStyle>
           <a:p>
@@ -1986,8 +1988,8 @@
         </p:nvSpPr>
         <p:spPr>
           <a:xfrm>
-            <a:off x="6943726" y="3674110"/>
-            <a:ext cx="5831087" cy="5404062"/>
+            <a:off x="5092065" y="2338070"/>
+            <a:ext cx="4276130" cy="3438949"/>
           </a:xfrm>
         </p:spPr>
         <p:txBody>
@@ -2048,7 +2050,7 @@
           <a:p>
             <a:fld id="{F8F920B2-3E99-4C9D-9450-62A3DEC5476B}" type="datetimeFigureOut">
               <a:rPr lang="en-US" smtClean="0"/>
-              <a:t>10/2/2017</a:t>
+              <a:t>10/3/2017</a:t>
             </a:fld>
             <a:endParaRPr lang="en-US"/>
           </a:p>
@@ -2099,7 +2101,7 @@
     </p:spTree>
     <p:extLst>
       <p:ext uri="{BB962C8B-B14F-4D97-AF65-F5344CB8AC3E}">
-        <p14:creationId xmlns:p14="http://schemas.microsoft.com/office/powerpoint/2010/main" val="408082519"/>
+        <p14:creationId xmlns:p14="http://schemas.microsoft.com/office/powerpoint/2010/main" val="2823427346"/>
       </p:ext>
     </p:extLst>
   </p:cSld>
@@ -2166,7 +2168,7 @@
           <a:p>
             <a:fld id="{F8F920B2-3E99-4C9D-9450-62A3DEC5476B}" type="datetimeFigureOut">
               <a:rPr lang="en-US" smtClean="0"/>
-              <a:t>10/2/2017</a:t>
+              <a:t>10/3/2017</a:t>
             </a:fld>
             <a:endParaRPr lang="en-US"/>
           </a:p>
@@ -2217,7 +2219,7 @@
     </p:spTree>
     <p:extLst>
       <p:ext uri="{BB962C8B-B14F-4D97-AF65-F5344CB8AC3E}">
-        <p14:creationId xmlns:p14="http://schemas.microsoft.com/office/powerpoint/2010/main" val="1072478352"/>
+        <p14:creationId xmlns:p14="http://schemas.microsoft.com/office/powerpoint/2010/main" val="2067486691"/>
       </p:ext>
     </p:extLst>
   </p:cSld>
@@ -2261,7 +2263,7 @@
           <a:p>
             <a:fld id="{F8F920B2-3E99-4C9D-9450-62A3DEC5476B}" type="datetimeFigureOut">
               <a:rPr lang="en-US" smtClean="0"/>
-              <a:t>10/2/2017</a:t>
+              <a:t>10/3/2017</a:t>
             </a:fld>
             <a:endParaRPr lang="en-US"/>
           </a:p>
@@ -2312,7 +2314,7 @@
     </p:spTree>
     <p:extLst>
       <p:ext uri="{BB962C8B-B14F-4D97-AF65-F5344CB8AC3E}">
-        <p14:creationId xmlns:p14="http://schemas.microsoft.com/office/powerpoint/2010/main" val="1168182067"/>
+        <p14:creationId xmlns:p14="http://schemas.microsoft.com/office/powerpoint/2010/main" val="2227883906"/>
       </p:ext>
     </p:extLst>
   </p:cSld>
@@ -2351,15 +2353,15 @@
         </p:nvSpPr>
         <p:spPr>
           <a:xfrm>
-            <a:off x="944762" y="670560"/>
-            <a:ext cx="4423767" cy="2346960"/>
+            <a:off x="692825" y="426720"/>
+            <a:ext cx="3244096" cy="1493520"/>
           </a:xfrm>
         </p:spPr>
         <p:txBody>
           <a:bodyPr anchor="b"/>
           <a:lstStyle>
             <a:lvl1pPr>
-              <a:defRPr sz="4693"/>
+              <a:defRPr sz="2640"/>
             </a:lvl1pPr>
           </a:lstStyle>
           <a:p>
@@ -2383,39 +2385,39 @@
         </p:nvSpPr>
         <p:spPr>
           <a:xfrm>
-            <a:off x="5831087" y="1448226"/>
-            <a:ext cx="6943725" cy="7147983"/>
+            <a:off x="4276130" y="921597"/>
+            <a:ext cx="5092065" cy="4548717"/>
           </a:xfrm>
         </p:spPr>
         <p:txBody>
           <a:bodyPr/>
           <a:lstStyle>
             <a:lvl1pPr>
-              <a:defRPr sz="4693"/>
+              <a:defRPr sz="2640"/>
             </a:lvl1pPr>
             <a:lvl2pPr>
-              <a:defRPr sz="4107"/>
+              <a:defRPr sz="2310"/>
             </a:lvl2pPr>
             <a:lvl3pPr>
-              <a:defRPr sz="3520"/>
+              <a:defRPr sz="1980"/>
             </a:lvl3pPr>
             <a:lvl4pPr>
-              <a:defRPr sz="2933"/>
+              <a:defRPr sz="1650"/>
             </a:lvl4pPr>
             <a:lvl5pPr>
-              <a:defRPr sz="2933"/>
+              <a:defRPr sz="1650"/>
             </a:lvl5pPr>
             <a:lvl6pPr>
-              <a:defRPr sz="2933"/>
+              <a:defRPr sz="1650"/>
             </a:lvl6pPr>
             <a:lvl7pPr>
-              <a:defRPr sz="2933"/>
+              <a:defRPr sz="1650"/>
             </a:lvl7pPr>
             <a:lvl8pPr>
-              <a:defRPr sz="2933"/>
+              <a:defRPr sz="1650"/>
             </a:lvl8pPr>
             <a:lvl9pPr>
-              <a:defRPr sz="2933"/>
+              <a:defRPr sz="1650"/>
             </a:lvl9pPr>
           </a:lstStyle>
           <a:p>
@@ -2468,8 +2470,8 @@
         </p:nvSpPr>
         <p:spPr>
           <a:xfrm>
-            <a:off x="944762" y="3017520"/>
-            <a:ext cx="4423767" cy="5590329"/>
+            <a:off x="692825" y="1920240"/>
+            <a:ext cx="3244096" cy="3557482"/>
           </a:xfrm>
         </p:spPr>
         <p:txBody>
@@ -2477,39 +2479,39 @@
           <a:lstStyle>
             <a:lvl1pPr marL="0" indent="0">
               <a:buNone/>
-              <a:defRPr sz="2347"/>
+              <a:defRPr sz="1320"/>
             </a:lvl1pPr>
-            <a:lvl2pPr marL="670575" indent="0">
+            <a:lvl2pPr marL="377190" indent="0">
               <a:buNone/>
-              <a:defRPr sz="2053"/>
+              <a:defRPr sz="1155"/>
             </a:lvl2pPr>
-            <a:lvl3pPr marL="1341150" indent="0">
+            <a:lvl3pPr marL="754380" indent="0">
               <a:buNone/>
-              <a:defRPr sz="1760"/>
+              <a:defRPr sz="990"/>
             </a:lvl3pPr>
-            <a:lvl4pPr marL="2011726" indent="0">
+            <a:lvl4pPr marL="1131570" indent="0">
               <a:buNone/>
-              <a:defRPr sz="1467"/>
+              <a:defRPr sz="825"/>
             </a:lvl4pPr>
-            <a:lvl5pPr marL="2682301" indent="0">
+            <a:lvl5pPr marL="1508760" indent="0">
               <a:buNone/>
-              <a:defRPr sz="1467"/>
+              <a:defRPr sz="825"/>
             </a:lvl5pPr>
-            <a:lvl6pPr marL="3352876" indent="0">
+            <a:lvl6pPr marL="1885950" indent="0">
               <a:buNone/>
-              <a:defRPr sz="1467"/>
+              <a:defRPr sz="825"/>
             </a:lvl6pPr>
-            <a:lvl7pPr marL="4023451" indent="0">
+            <a:lvl7pPr marL="2263140" indent="0">
               <a:buNone/>
-              <a:defRPr sz="1467"/>
+              <a:defRPr sz="825"/>
             </a:lvl7pPr>
-            <a:lvl8pPr marL="4694027" indent="0">
+            <a:lvl8pPr marL="2640330" indent="0">
               <a:buNone/>
-              <a:defRPr sz="1467"/>
+              <a:defRPr sz="825"/>
             </a:lvl8pPr>
-            <a:lvl9pPr marL="5364602" indent="0">
+            <a:lvl9pPr marL="3017520" indent="0">
               <a:buNone/>
-              <a:defRPr sz="1467"/>
+              <a:defRPr sz="825"/>
             </a:lvl9pPr>
           </a:lstStyle>
           <a:p>
@@ -2538,7 +2540,7 @@
           <a:p>
             <a:fld id="{F8F920B2-3E99-4C9D-9450-62A3DEC5476B}" type="datetimeFigureOut">
               <a:rPr lang="en-US" smtClean="0"/>
-              <a:t>10/2/2017</a:t>
+              <a:t>10/3/2017</a:t>
             </a:fld>
             <a:endParaRPr lang="en-US"/>
           </a:p>
@@ -2589,7 +2591,7 @@
     </p:spTree>
     <p:extLst>
       <p:ext uri="{BB962C8B-B14F-4D97-AF65-F5344CB8AC3E}">
-        <p14:creationId xmlns:p14="http://schemas.microsoft.com/office/powerpoint/2010/main" val="1823772500"/>
+        <p14:creationId xmlns:p14="http://schemas.microsoft.com/office/powerpoint/2010/main" val="206392080"/>
       </p:ext>
     </p:extLst>
   </p:cSld>
@@ -2628,15 +2630,15 @@
         </p:nvSpPr>
         <p:spPr>
           <a:xfrm>
-            <a:off x="944762" y="670560"/>
-            <a:ext cx="4423767" cy="2346960"/>
+            <a:off x="692825" y="426720"/>
+            <a:ext cx="3244096" cy="1493520"/>
           </a:xfrm>
         </p:spPr>
         <p:txBody>
           <a:bodyPr anchor="b"/>
           <a:lstStyle>
             <a:lvl1pPr>
-              <a:defRPr sz="4693"/>
+              <a:defRPr sz="2640"/>
             </a:lvl1pPr>
           </a:lstStyle>
           <a:p>
@@ -2660,8 +2662,8 @@
         </p:nvSpPr>
         <p:spPr>
           <a:xfrm>
-            <a:off x="5831087" y="1448226"/>
-            <a:ext cx="6943725" cy="7147983"/>
+            <a:off x="4276130" y="921597"/>
+            <a:ext cx="5092065" cy="4548717"/>
           </a:xfrm>
         </p:spPr>
         <p:txBody>
@@ -2669,39 +2671,39 @@
           <a:lstStyle>
             <a:lvl1pPr marL="0" indent="0">
               <a:buNone/>
-              <a:defRPr sz="4693"/>
+              <a:defRPr sz="2640"/>
             </a:lvl1pPr>
-            <a:lvl2pPr marL="670575" indent="0">
+            <a:lvl2pPr marL="377190" indent="0">
               <a:buNone/>
-              <a:defRPr sz="4107"/>
+              <a:defRPr sz="2310"/>
             </a:lvl2pPr>
-            <a:lvl3pPr marL="1341150" indent="0">
+            <a:lvl3pPr marL="754380" indent="0">
               <a:buNone/>
-              <a:defRPr sz="3520"/>
+              <a:defRPr sz="1980"/>
             </a:lvl3pPr>
-            <a:lvl4pPr marL="2011726" indent="0">
+            <a:lvl4pPr marL="1131570" indent="0">
               <a:buNone/>
-              <a:defRPr sz="2933"/>
+              <a:defRPr sz="1650"/>
             </a:lvl4pPr>
-            <a:lvl5pPr marL="2682301" indent="0">
+            <a:lvl5pPr marL="1508760" indent="0">
               <a:buNone/>
-              <a:defRPr sz="2933"/>
+              <a:defRPr sz="1650"/>
             </a:lvl5pPr>
-            <a:lvl6pPr marL="3352876" indent="0">
+            <a:lvl6pPr marL="1885950" indent="0">
               <a:buNone/>
-              <a:defRPr sz="2933"/>
+              <a:defRPr sz="1650"/>
             </a:lvl6pPr>
-            <a:lvl7pPr marL="4023451" indent="0">
+            <a:lvl7pPr marL="2263140" indent="0">
               <a:buNone/>
-              <a:defRPr sz="2933"/>
+              <a:defRPr sz="1650"/>
             </a:lvl7pPr>
-            <a:lvl8pPr marL="4694027" indent="0">
+            <a:lvl8pPr marL="2640330" indent="0">
               <a:buNone/>
-              <a:defRPr sz="2933"/>
+              <a:defRPr sz="1650"/>
             </a:lvl8pPr>
-            <a:lvl9pPr marL="5364602" indent="0">
+            <a:lvl9pPr marL="3017520" indent="0">
               <a:buNone/>
-              <a:defRPr sz="2933"/>
+              <a:defRPr sz="1650"/>
             </a:lvl9pPr>
           </a:lstStyle>
           <a:p>
@@ -2725,8 +2727,8 @@
         </p:nvSpPr>
         <p:spPr>
           <a:xfrm>
-            <a:off x="944762" y="3017520"/>
-            <a:ext cx="4423767" cy="5590329"/>
+            <a:off x="692825" y="1920240"/>
+            <a:ext cx="3244096" cy="3557482"/>
           </a:xfrm>
         </p:spPr>
         <p:txBody>
@@ -2734,39 +2736,39 @@
           <a:lstStyle>
             <a:lvl1pPr marL="0" indent="0">
               <a:buNone/>
-              <a:defRPr sz="2347"/>
+              <a:defRPr sz="1320"/>
             </a:lvl1pPr>
-            <a:lvl2pPr marL="670575" indent="0">
+            <a:lvl2pPr marL="377190" indent="0">
               <a:buNone/>
-              <a:defRPr sz="2053"/>
+              <a:defRPr sz="1155"/>
             </a:lvl2pPr>
-            <a:lvl3pPr marL="1341150" indent="0">
+            <a:lvl3pPr marL="754380" indent="0">
               <a:buNone/>
-              <a:defRPr sz="1760"/>
+              <a:defRPr sz="990"/>
             </a:lvl3pPr>
-            <a:lvl4pPr marL="2011726" indent="0">
+            <a:lvl4pPr marL="1131570" indent="0">
               <a:buNone/>
-              <a:defRPr sz="1467"/>
+              <a:defRPr sz="825"/>
             </a:lvl4pPr>
-            <a:lvl5pPr marL="2682301" indent="0">
+            <a:lvl5pPr marL="1508760" indent="0">
               <a:buNone/>
-              <a:defRPr sz="1467"/>
+              <a:defRPr sz="825"/>
             </a:lvl5pPr>
-            <a:lvl6pPr marL="3352876" indent="0">
+            <a:lvl6pPr marL="1885950" indent="0">
               <a:buNone/>
-              <a:defRPr sz="1467"/>
+              <a:defRPr sz="825"/>
             </a:lvl6pPr>
-            <a:lvl7pPr marL="4023451" indent="0">
+            <a:lvl7pPr marL="2263140" indent="0">
               <a:buNone/>
-              <a:defRPr sz="1467"/>
+              <a:defRPr sz="825"/>
             </a:lvl7pPr>
-            <a:lvl8pPr marL="4694027" indent="0">
+            <a:lvl8pPr marL="2640330" indent="0">
               <a:buNone/>
-              <a:defRPr sz="1467"/>
+              <a:defRPr sz="825"/>
             </a:lvl8pPr>
-            <a:lvl9pPr marL="5364602" indent="0">
+            <a:lvl9pPr marL="3017520" indent="0">
               <a:buNone/>
-              <a:defRPr sz="1467"/>
+              <a:defRPr sz="825"/>
             </a:lvl9pPr>
           </a:lstStyle>
           <a:p>
@@ -2795,7 +2797,7 @@
           <a:p>
             <a:fld id="{F8F920B2-3E99-4C9D-9450-62A3DEC5476B}" type="datetimeFigureOut">
               <a:rPr lang="en-US" smtClean="0"/>
-              <a:t>10/2/2017</a:t>
+              <a:t>10/3/2017</a:t>
             </a:fld>
             <a:endParaRPr lang="en-US"/>
           </a:p>
@@ -2846,7 +2848,7 @@
     </p:spTree>
     <p:extLst>
       <p:ext uri="{BB962C8B-B14F-4D97-AF65-F5344CB8AC3E}">
-        <p14:creationId xmlns:p14="http://schemas.microsoft.com/office/powerpoint/2010/main" val="271219230"/>
+        <p14:creationId xmlns:p14="http://schemas.microsoft.com/office/powerpoint/2010/main" val="825831498"/>
       </p:ext>
     </p:extLst>
   </p:cSld>
@@ -2890,8 +2892,8 @@
         </p:nvSpPr>
         <p:spPr>
           <a:xfrm>
-            <a:off x="942975" y="535519"/>
-            <a:ext cx="11830050" cy="1944159"/>
+            <a:off x="691515" y="340784"/>
+            <a:ext cx="8675370" cy="1237192"/>
           </a:xfrm>
           <a:prstGeom prst="rect">
             <a:avLst/>
@@ -2923,8 +2925,8 @@
         </p:nvSpPr>
         <p:spPr>
           <a:xfrm>
-            <a:off x="942975" y="2677584"/>
-            <a:ext cx="11830050" cy="6381962"/>
+            <a:off x="691515" y="1703917"/>
+            <a:ext cx="8675370" cy="4061249"/>
           </a:xfrm>
           <a:prstGeom prst="rect">
             <a:avLst/>
@@ -2985,8 +2987,8 @@
         </p:nvSpPr>
         <p:spPr>
           <a:xfrm>
-            <a:off x="942975" y="9322649"/>
-            <a:ext cx="3086100" cy="535517"/>
+            <a:off x="691515" y="5932594"/>
+            <a:ext cx="2263140" cy="340783"/>
           </a:xfrm>
           <a:prstGeom prst="rect">
             <a:avLst/>
@@ -2996,7 +2998,7 @@
           <a:bodyPr vert="horz" lIns="91440" tIns="45720" rIns="91440" bIns="45720" rtlCol="0" anchor="ctr"/>
           <a:lstStyle>
             <a:lvl1pPr algn="l">
-              <a:defRPr sz="1760">
+              <a:defRPr sz="990">
                 <a:solidFill>
                   <a:schemeClr val="tx1">
                     <a:tint val="75000"/>
@@ -3008,7 +3010,7 @@
           <a:p>
             <a:fld id="{F8F920B2-3E99-4C9D-9450-62A3DEC5476B}" type="datetimeFigureOut">
               <a:rPr lang="en-US" smtClean="0"/>
-              <a:t>10/2/2017</a:t>
+              <a:t>10/3/2017</a:t>
             </a:fld>
             <a:endParaRPr lang="en-US"/>
           </a:p>
@@ -3026,8 +3028,8 @@
         </p:nvSpPr>
         <p:spPr>
           <a:xfrm>
-            <a:off x="4543425" y="9322649"/>
-            <a:ext cx="4629150" cy="535517"/>
+            <a:off x="3331845" y="5932594"/>
+            <a:ext cx="3394710" cy="340783"/>
           </a:xfrm>
           <a:prstGeom prst="rect">
             <a:avLst/>
@@ -3037,7 +3039,7 @@
           <a:bodyPr vert="horz" lIns="91440" tIns="45720" rIns="91440" bIns="45720" rtlCol="0" anchor="ctr"/>
           <a:lstStyle>
             <a:lvl1pPr algn="ctr">
-              <a:defRPr sz="1760">
+              <a:defRPr sz="990">
                 <a:solidFill>
                   <a:schemeClr val="tx1">
                     <a:tint val="75000"/>
@@ -3063,8 +3065,8 @@
         </p:nvSpPr>
         <p:spPr>
           <a:xfrm>
-            <a:off x="9686925" y="9322649"/>
-            <a:ext cx="3086100" cy="535517"/>
+            <a:off x="7103745" y="5932594"/>
+            <a:ext cx="2263140" cy="340783"/>
           </a:xfrm>
           <a:prstGeom prst="rect">
             <a:avLst/>
@@ -3074,7 +3076,7 @@
           <a:bodyPr vert="horz" lIns="91440" tIns="45720" rIns="91440" bIns="45720" rtlCol="0" anchor="ctr"/>
           <a:lstStyle>
             <a:lvl1pPr algn="r">
-              <a:defRPr sz="1760">
+              <a:defRPr sz="990">
                 <a:solidFill>
                   <a:schemeClr val="tx1">
                     <a:tint val="75000"/>
@@ -3095,27 +3097,27 @@
     </p:spTree>
     <p:extLst>
       <p:ext uri="{BB962C8B-B14F-4D97-AF65-F5344CB8AC3E}">
-        <p14:creationId xmlns:p14="http://schemas.microsoft.com/office/powerpoint/2010/main" val="3990858712"/>
+        <p14:creationId xmlns:p14="http://schemas.microsoft.com/office/powerpoint/2010/main" val="1778750239"/>
       </p:ext>
     </p:extLst>
   </p:cSld>
   <p:clrMap bg1="lt1" tx1="dk1" bg2="lt2" tx2="dk2" accent1="accent1" accent2="accent2" accent3="accent3" accent4="accent4" accent5="accent5" accent6="accent6" hlink="hlink" folHlink="folHlink"/>
   <p:sldLayoutIdLst>
-    <p:sldLayoutId id="2147484490" r:id="rId1"/>
-    <p:sldLayoutId id="2147484491" r:id="rId2"/>
-    <p:sldLayoutId id="2147484492" r:id="rId3"/>
-    <p:sldLayoutId id="2147484493" r:id="rId4"/>
-    <p:sldLayoutId id="2147484494" r:id="rId5"/>
-    <p:sldLayoutId id="2147484495" r:id="rId6"/>
-    <p:sldLayoutId id="2147484496" r:id="rId7"/>
-    <p:sldLayoutId id="2147484497" r:id="rId8"/>
-    <p:sldLayoutId id="2147484498" r:id="rId9"/>
-    <p:sldLayoutId id="2147484499" r:id="rId10"/>
-    <p:sldLayoutId id="2147484500" r:id="rId11"/>
+    <p:sldLayoutId id="2147484502" r:id="rId1"/>
+    <p:sldLayoutId id="2147484503" r:id="rId2"/>
+    <p:sldLayoutId id="2147484504" r:id="rId3"/>
+    <p:sldLayoutId id="2147484505" r:id="rId4"/>
+    <p:sldLayoutId id="2147484506" r:id="rId5"/>
+    <p:sldLayoutId id="2147484507" r:id="rId6"/>
+    <p:sldLayoutId id="2147484508" r:id="rId7"/>
+    <p:sldLayoutId id="2147484509" r:id="rId8"/>
+    <p:sldLayoutId id="2147484510" r:id="rId9"/>
+    <p:sldLayoutId id="2147484511" r:id="rId10"/>
+    <p:sldLayoutId id="2147484512" r:id="rId11"/>
   </p:sldLayoutIdLst>
   <p:txStyles>
     <p:titleStyle>
-      <a:lvl1pPr algn="l" defTabSz="1341150" rtl="0" eaLnBrk="1" latinLnBrk="0" hangingPunct="1">
+      <a:lvl1pPr algn="l" defTabSz="754380" rtl="0" eaLnBrk="1" latinLnBrk="0" hangingPunct="1">
         <a:lnSpc>
           <a:spcPct val="90000"/>
         </a:lnSpc>
@@ -3123,7 +3125,7 @@
           <a:spcPct val="0"/>
         </a:spcBef>
         <a:buNone/>
-        <a:defRPr sz="6453" kern="1200">
+        <a:defRPr sz="3630" kern="1200">
           <a:solidFill>
             <a:schemeClr val="tx1"/>
           </a:solidFill>
@@ -3134,16 +3136,16 @@
       </a:lvl1pPr>
     </p:titleStyle>
     <p:bodyStyle>
-      <a:lvl1pPr marL="335288" indent="-335288" algn="l" defTabSz="1341150" rtl="0" eaLnBrk="1" latinLnBrk="0" hangingPunct="1">
+      <a:lvl1pPr marL="188595" indent="-188595" algn="l" defTabSz="754380" rtl="0" eaLnBrk="1" latinLnBrk="0" hangingPunct="1">
         <a:lnSpc>
           <a:spcPct val="90000"/>
         </a:lnSpc>
         <a:spcBef>
-          <a:spcPts val="1467"/>
+          <a:spcPts val="825"/>
         </a:spcBef>
         <a:buFont typeface="Arial" panose="020B0604020202020204" pitchFamily="34" charset="0"/>
         <a:buChar char="•"/>
-        <a:defRPr sz="4107" kern="1200">
+        <a:defRPr sz="2310" kern="1200">
           <a:solidFill>
             <a:schemeClr val="tx1"/>
           </a:solidFill>
@@ -3152,16 +3154,16 @@
           <a:cs typeface="+mn-cs"/>
         </a:defRPr>
       </a:lvl1pPr>
-      <a:lvl2pPr marL="1005863" indent="-335288" algn="l" defTabSz="1341150" rtl="0" eaLnBrk="1" latinLnBrk="0" hangingPunct="1">
+      <a:lvl2pPr marL="565785" indent="-188595" algn="l" defTabSz="754380" rtl="0" eaLnBrk="1" latinLnBrk="0" hangingPunct="1">
         <a:lnSpc>
           <a:spcPct val="90000"/>
         </a:lnSpc>
         <a:spcBef>
-          <a:spcPts val="733"/>
+          <a:spcPts val="413"/>
         </a:spcBef>
         <a:buFont typeface="Arial" panose="020B0604020202020204" pitchFamily="34" charset="0"/>
         <a:buChar char="•"/>
-        <a:defRPr sz="3520" kern="1200">
+        <a:defRPr sz="1980" kern="1200">
           <a:solidFill>
             <a:schemeClr val="tx1"/>
           </a:solidFill>
@@ -3170,16 +3172,16 @@
           <a:cs typeface="+mn-cs"/>
         </a:defRPr>
       </a:lvl2pPr>
-      <a:lvl3pPr marL="1676438" indent="-335288" algn="l" defTabSz="1341150" rtl="0" eaLnBrk="1" latinLnBrk="0" hangingPunct="1">
+      <a:lvl3pPr marL="942975" indent="-188595" algn="l" defTabSz="754380" rtl="0" eaLnBrk="1" latinLnBrk="0" hangingPunct="1">
         <a:lnSpc>
           <a:spcPct val="90000"/>
         </a:lnSpc>
         <a:spcBef>
-          <a:spcPts val="733"/>
+          <a:spcPts val="413"/>
         </a:spcBef>
         <a:buFont typeface="Arial" panose="020B0604020202020204" pitchFamily="34" charset="0"/>
         <a:buChar char="•"/>
-        <a:defRPr sz="2933" kern="1200">
+        <a:defRPr sz="1650" kern="1200">
           <a:solidFill>
             <a:schemeClr val="tx1"/>
           </a:solidFill>
@@ -3188,16 +3190,16 @@
           <a:cs typeface="+mn-cs"/>
         </a:defRPr>
       </a:lvl3pPr>
-      <a:lvl4pPr marL="2347013" indent="-335288" algn="l" defTabSz="1341150" rtl="0" eaLnBrk="1" latinLnBrk="0" hangingPunct="1">
+      <a:lvl4pPr marL="1320165" indent="-188595" algn="l" defTabSz="754380" rtl="0" eaLnBrk="1" latinLnBrk="0" hangingPunct="1">
         <a:lnSpc>
           <a:spcPct val="90000"/>
         </a:lnSpc>
         <a:spcBef>
-          <a:spcPts val="733"/>
+          <a:spcPts val="413"/>
         </a:spcBef>
         <a:buFont typeface="Arial" panose="020B0604020202020204" pitchFamily="34" charset="0"/>
         <a:buChar char="•"/>
-        <a:defRPr sz="2640" kern="1200">
+        <a:defRPr sz="1485" kern="1200">
           <a:solidFill>
             <a:schemeClr val="tx1"/>
           </a:solidFill>
@@ -3206,16 +3208,16 @@
           <a:cs typeface="+mn-cs"/>
         </a:defRPr>
       </a:lvl4pPr>
-      <a:lvl5pPr marL="3017589" indent="-335288" algn="l" defTabSz="1341150" rtl="0" eaLnBrk="1" latinLnBrk="0" hangingPunct="1">
+      <a:lvl5pPr marL="1697355" indent="-188595" algn="l" defTabSz="754380" rtl="0" eaLnBrk="1" latinLnBrk="0" hangingPunct="1">
         <a:lnSpc>
           <a:spcPct val="90000"/>
         </a:lnSpc>
         <a:spcBef>
-          <a:spcPts val="733"/>
+          <a:spcPts val="413"/>
         </a:spcBef>
         <a:buFont typeface="Arial" panose="020B0604020202020204" pitchFamily="34" charset="0"/>
         <a:buChar char="•"/>
-        <a:defRPr sz="2640" kern="1200">
+        <a:defRPr sz="1485" kern="1200">
           <a:solidFill>
             <a:schemeClr val="tx1"/>
           </a:solidFill>
@@ -3224,16 +3226,16 @@
           <a:cs typeface="+mn-cs"/>
         </a:defRPr>
       </a:lvl5pPr>
-      <a:lvl6pPr marL="3688164" indent="-335288" algn="l" defTabSz="1341150" rtl="0" eaLnBrk="1" latinLnBrk="0" hangingPunct="1">
+      <a:lvl6pPr marL="2074545" indent="-188595" algn="l" defTabSz="754380" rtl="0" eaLnBrk="1" latinLnBrk="0" hangingPunct="1">
         <a:lnSpc>
           <a:spcPct val="90000"/>
         </a:lnSpc>
         <a:spcBef>
-          <a:spcPts val="733"/>
+          <a:spcPts val="413"/>
         </a:spcBef>
         <a:buFont typeface="Arial" panose="020B0604020202020204" pitchFamily="34" charset="0"/>
         <a:buChar char="•"/>
-        <a:defRPr sz="2640" kern="1200">
+        <a:defRPr sz="1485" kern="1200">
           <a:solidFill>
             <a:schemeClr val="tx1"/>
           </a:solidFill>
@@ -3242,16 +3244,16 @@
           <a:cs typeface="+mn-cs"/>
         </a:defRPr>
       </a:lvl6pPr>
-      <a:lvl7pPr marL="4358739" indent="-335288" algn="l" defTabSz="1341150" rtl="0" eaLnBrk="1" latinLnBrk="0" hangingPunct="1">
+      <a:lvl7pPr marL="2451735" indent="-188595" algn="l" defTabSz="754380" rtl="0" eaLnBrk="1" latinLnBrk="0" hangingPunct="1">
         <a:lnSpc>
           <a:spcPct val="90000"/>
         </a:lnSpc>
         <a:spcBef>
-          <a:spcPts val="733"/>
+          <a:spcPts val="413"/>
         </a:spcBef>
         <a:buFont typeface="Arial" panose="020B0604020202020204" pitchFamily="34" charset="0"/>
         <a:buChar char="•"/>
-        <a:defRPr sz="2640" kern="1200">
+        <a:defRPr sz="1485" kern="1200">
           <a:solidFill>
             <a:schemeClr val="tx1"/>
           </a:solidFill>
@@ -3260,16 +3262,16 @@
           <a:cs typeface="+mn-cs"/>
         </a:defRPr>
       </a:lvl7pPr>
-      <a:lvl8pPr marL="5029314" indent="-335288" algn="l" defTabSz="1341150" rtl="0" eaLnBrk="1" latinLnBrk="0" hangingPunct="1">
+      <a:lvl8pPr marL="2828925" indent="-188595" algn="l" defTabSz="754380" rtl="0" eaLnBrk="1" latinLnBrk="0" hangingPunct="1">
         <a:lnSpc>
           <a:spcPct val="90000"/>
         </a:lnSpc>
         <a:spcBef>
-          <a:spcPts val="733"/>
+          <a:spcPts val="413"/>
         </a:spcBef>
         <a:buFont typeface="Arial" panose="020B0604020202020204" pitchFamily="34" charset="0"/>
         <a:buChar char="•"/>
-        <a:defRPr sz="2640" kern="1200">
+        <a:defRPr sz="1485" kern="1200">
           <a:solidFill>
             <a:schemeClr val="tx1"/>
           </a:solidFill>
@@ -3278,16 +3280,16 @@
           <a:cs typeface="+mn-cs"/>
         </a:defRPr>
       </a:lvl8pPr>
-      <a:lvl9pPr marL="5699890" indent="-335288" algn="l" defTabSz="1341150" rtl="0" eaLnBrk="1" latinLnBrk="0" hangingPunct="1">
+      <a:lvl9pPr marL="3206115" indent="-188595" algn="l" defTabSz="754380" rtl="0" eaLnBrk="1" latinLnBrk="0" hangingPunct="1">
         <a:lnSpc>
           <a:spcPct val="90000"/>
         </a:lnSpc>
         <a:spcBef>
-          <a:spcPts val="733"/>
+          <a:spcPts val="413"/>
         </a:spcBef>
         <a:buFont typeface="Arial" panose="020B0604020202020204" pitchFamily="34" charset="0"/>
         <a:buChar char="•"/>
-        <a:defRPr sz="2640" kern="1200">
+        <a:defRPr sz="1485" kern="1200">
           <a:solidFill>
             <a:schemeClr val="tx1"/>
           </a:solidFill>
@@ -3301,8 +3303,8 @@
       <a:defPPr>
         <a:defRPr lang="en-US"/>
       </a:defPPr>
-      <a:lvl1pPr marL="0" algn="l" defTabSz="1341150" rtl="0" eaLnBrk="1" latinLnBrk="0" hangingPunct="1">
-        <a:defRPr sz="2640" kern="1200">
+      <a:lvl1pPr marL="0" algn="l" defTabSz="754380" rtl="0" eaLnBrk="1" latinLnBrk="0" hangingPunct="1">
+        <a:defRPr sz="1485" kern="1200">
           <a:solidFill>
             <a:schemeClr val="tx1"/>
           </a:solidFill>
@@ -3311,8 +3313,8 @@
           <a:cs typeface="+mn-cs"/>
         </a:defRPr>
       </a:lvl1pPr>
-      <a:lvl2pPr marL="670575" algn="l" defTabSz="1341150" rtl="0" eaLnBrk="1" latinLnBrk="0" hangingPunct="1">
-        <a:defRPr sz="2640" kern="1200">
+      <a:lvl2pPr marL="377190" algn="l" defTabSz="754380" rtl="0" eaLnBrk="1" latinLnBrk="0" hangingPunct="1">
+        <a:defRPr sz="1485" kern="1200">
           <a:solidFill>
             <a:schemeClr val="tx1"/>
           </a:solidFill>
@@ -3321,8 +3323,8 @@
           <a:cs typeface="+mn-cs"/>
         </a:defRPr>
       </a:lvl2pPr>
-      <a:lvl3pPr marL="1341150" algn="l" defTabSz="1341150" rtl="0" eaLnBrk="1" latinLnBrk="0" hangingPunct="1">
-        <a:defRPr sz="2640" kern="1200">
+      <a:lvl3pPr marL="754380" algn="l" defTabSz="754380" rtl="0" eaLnBrk="1" latinLnBrk="0" hangingPunct="1">
+        <a:defRPr sz="1485" kern="1200">
           <a:solidFill>
             <a:schemeClr val="tx1"/>
           </a:solidFill>
@@ -3331,8 +3333,8 @@
           <a:cs typeface="+mn-cs"/>
         </a:defRPr>
       </a:lvl3pPr>
-      <a:lvl4pPr marL="2011726" algn="l" defTabSz="1341150" rtl="0" eaLnBrk="1" latinLnBrk="0" hangingPunct="1">
-        <a:defRPr sz="2640" kern="1200">
+      <a:lvl4pPr marL="1131570" algn="l" defTabSz="754380" rtl="0" eaLnBrk="1" latinLnBrk="0" hangingPunct="1">
+        <a:defRPr sz="1485" kern="1200">
           <a:solidFill>
             <a:schemeClr val="tx1"/>
           </a:solidFill>
@@ -3341,8 +3343,8 @@
           <a:cs typeface="+mn-cs"/>
         </a:defRPr>
       </a:lvl4pPr>
-      <a:lvl5pPr marL="2682301" algn="l" defTabSz="1341150" rtl="0" eaLnBrk="1" latinLnBrk="0" hangingPunct="1">
-        <a:defRPr sz="2640" kern="1200">
+      <a:lvl5pPr marL="1508760" algn="l" defTabSz="754380" rtl="0" eaLnBrk="1" latinLnBrk="0" hangingPunct="1">
+        <a:defRPr sz="1485" kern="1200">
           <a:solidFill>
             <a:schemeClr val="tx1"/>
           </a:solidFill>
@@ -3351,8 +3353,8 @@
           <a:cs typeface="+mn-cs"/>
         </a:defRPr>
       </a:lvl5pPr>
-      <a:lvl6pPr marL="3352876" algn="l" defTabSz="1341150" rtl="0" eaLnBrk="1" latinLnBrk="0" hangingPunct="1">
-        <a:defRPr sz="2640" kern="1200">
+      <a:lvl6pPr marL="1885950" algn="l" defTabSz="754380" rtl="0" eaLnBrk="1" latinLnBrk="0" hangingPunct="1">
+        <a:defRPr sz="1485" kern="1200">
           <a:solidFill>
             <a:schemeClr val="tx1"/>
           </a:solidFill>
@@ -3361,8 +3363,8 @@
           <a:cs typeface="+mn-cs"/>
         </a:defRPr>
       </a:lvl6pPr>
-      <a:lvl7pPr marL="4023451" algn="l" defTabSz="1341150" rtl="0" eaLnBrk="1" latinLnBrk="0" hangingPunct="1">
-        <a:defRPr sz="2640" kern="1200">
+      <a:lvl7pPr marL="2263140" algn="l" defTabSz="754380" rtl="0" eaLnBrk="1" latinLnBrk="0" hangingPunct="1">
+        <a:defRPr sz="1485" kern="1200">
           <a:solidFill>
             <a:schemeClr val="tx1"/>
           </a:solidFill>
@@ -3371,8 +3373,8 @@
           <a:cs typeface="+mn-cs"/>
         </a:defRPr>
       </a:lvl7pPr>
-      <a:lvl8pPr marL="4694027" algn="l" defTabSz="1341150" rtl="0" eaLnBrk="1" latinLnBrk="0" hangingPunct="1">
-        <a:defRPr sz="2640" kern="1200">
+      <a:lvl8pPr marL="2640330" algn="l" defTabSz="754380" rtl="0" eaLnBrk="1" latinLnBrk="0" hangingPunct="1">
+        <a:defRPr sz="1485" kern="1200">
           <a:solidFill>
             <a:schemeClr val="tx1"/>
           </a:solidFill>
@@ -3381,8 +3383,8 @@
           <a:cs typeface="+mn-cs"/>
         </a:defRPr>
       </a:lvl8pPr>
-      <a:lvl9pPr marL="5364602" algn="l" defTabSz="1341150" rtl="0" eaLnBrk="1" latinLnBrk="0" hangingPunct="1">
-        <a:defRPr sz="2640" kern="1200">
+      <a:lvl9pPr marL="3017520" algn="l" defTabSz="754380" rtl="0" eaLnBrk="1" latinLnBrk="0" hangingPunct="1">
+        <a:defRPr sz="1485" kern="1200">
           <a:solidFill>
             <a:schemeClr val="tx1"/>
           </a:solidFill>
@@ -3421,7 +3423,7 @@
         </p:nvSpPr>
         <p:spPr>
           <a:xfrm>
-            <a:off x="457200" y="2819400"/>
+            <a:off x="304800" y="1828800"/>
             <a:ext cx="1524000" cy="228600"/>
           </a:xfrm>
           <a:prstGeom prst="roundRect">
@@ -3486,7 +3488,7 @@
         </p:nvSpPr>
         <p:spPr>
           <a:xfrm>
-            <a:off x="11277600" y="6172240"/>
+            <a:off x="7620000" y="3276641"/>
             <a:ext cx="304800" cy="304793"/>
           </a:xfrm>
           <a:prstGeom prst="rect">
@@ -3532,7 +3534,7 @@
         </p:nvCxnSpPr>
         <p:spPr>
           <a:xfrm flipV="1">
-            <a:off x="11353801" y="6400791"/>
+            <a:off x="7696201" y="3505191"/>
             <a:ext cx="76200" cy="76200"/>
           </a:xfrm>
           <a:prstGeom prst="line">
@@ -3567,7 +3569,7 @@
         </p:nvCxnSpPr>
         <p:spPr>
           <a:xfrm flipH="1" flipV="1">
-            <a:off x="11430001" y="6400791"/>
+            <a:off x="7772401" y="3505191"/>
             <a:ext cx="76200" cy="76200"/>
           </a:xfrm>
           <a:prstGeom prst="line">
@@ -3602,7 +3604,7 @@
         </p:nvSpPr>
         <p:spPr>
           <a:xfrm>
-            <a:off x="9906000" y="6172231"/>
+            <a:off x="6248400" y="3276632"/>
             <a:ext cx="304800" cy="304793"/>
           </a:xfrm>
           <a:prstGeom prst="rect">
@@ -3648,7 +3650,7 @@
         </p:nvCxnSpPr>
         <p:spPr>
           <a:xfrm flipV="1">
-            <a:off x="9982201" y="6400782"/>
+            <a:off x="6324601" y="3505182"/>
             <a:ext cx="76200" cy="76200"/>
           </a:xfrm>
           <a:prstGeom prst="line">
@@ -3683,7 +3685,7 @@
         </p:nvCxnSpPr>
         <p:spPr>
           <a:xfrm flipH="1" flipV="1">
-            <a:off x="10058401" y="6400782"/>
+            <a:off x="6400801" y="3505182"/>
             <a:ext cx="76200" cy="76200"/>
           </a:xfrm>
           <a:prstGeom prst="line">
@@ -3718,7 +3720,7 @@
         </p:nvCxnSpPr>
         <p:spPr>
           <a:xfrm>
-            <a:off x="10210800" y="6248400"/>
+            <a:off x="6553200" y="3352800"/>
             <a:ext cx="1066800" cy="0"/>
           </a:xfrm>
           <a:prstGeom prst="line">
@@ -3755,7 +3757,7 @@
         </p:nvCxnSpPr>
         <p:spPr>
           <a:xfrm>
-            <a:off x="8763000" y="5638800"/>
+            <a:off x="5105400" y="2743200"/>
             <a:ext cx="2667000" cy="0"/>
           </a:xfrm>
           <a:prstGeom prst="line">
@@ -3792,7 +3794,7 @@
         </p:nvSpPr>
         <p:spPr>
           <a:xfrm>
-            <a:off x="10515600" y="6096000"/>
+            <a:off x="6858000" y="3200400"/>
             <a:ext cx="457200" cy="152400"/>
           </a:xfrm>
           <a:prstGeom prst="rect">
@@ -3833,13 +3835,6 @@
               </a:rPr>
               <a:t>rstxo_p1</a:t>
             </a:r>
-            <a:endParaRPr lang="en-US" sz="900" dirty="0">
-              <a:solidFill>
-                <a:srgbClr val="000000"/>
-              </a:solidFill>
-              <a:latin typeface="Courier New" panose="02070309020205020404" pitchFamily="49" charset="0"/>
-              <a:cs typeface="Courier New" panose="02070309020205020404" pitchFamily="49" charset="0"/>
-            </a:endParaRPr>
           </a:p>
         </p:txBody>
       </p:sp>
@@ -3853,7 +3848,7 @@
         </p:nvCxnSpPr>
         <p:spPr>
           <a:xfrm flipV="1">
-            <a:off x="10058400" y="6477022"/>
+            <a:off x="6400800" y="3581422"/>
             <a:ext cx="0" cy="685778"/>
           </a:xfrm>
           <a:prstGeom prst="line">
@@ -3890,7 +3885,7 @@
         </p:nvCxnSpPr>
         <p:spPr>
           <a:xfrm flipV="1">
-            <a:off x="6400800" y="5867402"/>
+            <a:off x="2743200" y="2971803"/>
             <a:ext cx="0" cy="1295401"/>
           </a:xfrm>
           <a:prstGeom prst="line">
@@ -3929,8 +3924,8 @@
         </p:nvCxnSpPr>
         <p:spPr>
           <a:xfrm>
-            <a:off x="685800" y="7162800"/>
-            <a:ext cx="10744200" cy="0"/>
+            <a:off x="609600" y="4267200"/>
+            <a:ext cx="7162800" cy="0"/>
           </a:xfrm>
           <a:prstGeom prst="line">
             <a:avLst/>
@@ -3966,7 +3961,7 @@
         </p:nvSpPr>
         <p:spPr>
           <a:xfrm>
-            <a:off x="457200" y="7086600"/>
+            <a:off x="381000" y="4191000"/>
             <a:ext cx="228600" cy="152400"/>
           </a:xfrm>
           <a:prstGeom prst="homePlate">
@@ -4017,7 +4012,7 @@
         </p:nvCxnSpPr>
         <p:spPr>
           <a:xfrm flipV="1">
-            <a:off x="762000" y="7086600"/>
+            <a:off x="685800" y="4191000"/>
             <a:ext cx="152400" cy="152400"/>
           </a:xfrm>
           <a:prstGeom prst="line">
@@ -4054,7 +4049,7 @@
         </p:nvSpPr>
         <p:spPr>
           <a:xfrm>
-            <a:off x="762000" y="7010400"/>
+            <a:off x="685800" y="4114800"/>
             <a:ext cx="152400" cy="76200"/>
           </a:xfrm>
           <a:prstGeom prst="rect">
@@ -4107,7 +4102,7 @@
         </p:nvSpPr>
         <p:spPr>
           <a:xfrm>
-            <a:off x="990600" y="7010400"/>
+            <a:off x="914400" y="4114800"/>
             <a:ext cx="457200" cy="152400"/>
           </a:xfrm>
           <a:prstGeom prst="rect">
@@ -4159,7 +4154,7 @@
         </p:nvCxnSpPr>
         <p:spPr>
           <a:xfrm flipV="1">
-            <a:off x="10287000" y="6172200"/>
+            <a:off x="6629400" y="3276600"/>
             <a:ext cx="152400" cy="152400"/>
           </a:xfrm>
           <a:prstGeom prst="line">
@@ -4196,7 +4191,7 @@
         </p:nvSpPr>
         <p:spPr>
           <a:xfrm>
-            <a:off x="10287000" y="6096000"/>
+            <a:off x="6629400" y="3200400"/>
             <a:ext cx="152400" cy="76200"/>
           </a:xfrm>
           <a:prstGeom prst="rect">
@@ -4251,7 +4246,7 @@
         </p:nvCxnSpPr>
         <p:spPr>
           <a:xfrm>
-            <a:off x="11582400" y="6248404"/>
+            <a:off x="7924800" y="3352804"/>
             <a:ext cx="1600200" cy="0"/>
           </a:xfrm>
           <a:prstGeom prst="line">
@@ -4288,7 +4283,7 @@
         </p:nvCxnSpPr>
         <p:spPr>
           <a:xfrm flipV="1">
-            <a:off x="11658600" y="6172200"/>
+            <a:off x="8001000" y="3276600"/>
             <a:ext cx="152400" cy="152400"/>
           </a:xfrm>
           <a:prstGeom prst="line">
@@ -4325,7 +4320,7 @@
         </p:nvSpPr>
         <p:spPr>
           <a:xfrm>
-            <a:off x="11658600" y="6096000"/>
+            <a:off x="8001000" y="3200400"/>
             <a:ext cx="152400" cy="76200"/>
           </a:xfrm>
           <a:prstGeom prst="rect">
@@ -4378,7 +4373,7 @@
         </p:nvSpPr>
         <p:spPr>
           <a:xfrm>
-            <a:off x="9982200" y="6172200"/>
+            <a:off x="6324600" y="3276600"/>
             <a:ext cx="152400" cy="152400"/>
           </a:xfrm>
           <a:prstGeom prst="rect">
@@ -4431,7 +4426,7 @@
         </p:nvSpPr>
         <p:spPr>
           <a:xfrm>
-            <a:off x="11353800" y="6172200"/>
+            <a:off x="7696200" y="3276600"/>
             <a:ext cx="152400" cy="152400"/>
           </a:xfrm>
           <a:prstGeom prst="rect">
@@ -4486,7 +4481,7 @@
         </p:nvCxnSpPr>
         <p:spPr>
           <a:xfrm>
-            <a:off x="11430000" y="5638800"/>
+            <a:off x="7772400" y="2743200"/>
             <a:ext cx="0" cy="381000"/>
           </a:xfrm>
           <a:prstGeom prst="line">
@@ -4525,7 +4520,7 @@
         </p:nvCxnSpPr>
         <p:spPr>
           <a:xfrm>
-            <a:off x="10058400" y="5638804"/>
+            <a:off x="6400800" y="2743204"/>
             <a:ext cx="0" cy="380996"/>
           </a:xfrm>
           <a:prstGeom prst="line">
@@ -4562,7 +4557,7 @@
         </p:nvCxnSpPr>
         <p:spPr>
           <a:xfrm>
-            <a:off x="9601200" y="6248400"/>
+            <a:off x="5943600" y="3352800"/>
             <a:ext cx="304800" cy="0"/>
           </a:xfrm>
           <a:prstGeom prst="line">
@@ -4599,7 +4594,7 @@
         </p:nvSpPr>
         <p:spPr>
           <a:xfrm>
-            <a:off x="9296400" y="6096000"/>
+            <a:off x="5638800" y="3200400"/>
             <a:ext cx="457200" cy="152400"/>
           </a:xfrm>
           <a:prstGeom prst="rect">
@@ -4652,7 +4647,7 @@
         </p:nvSpPr>
         <p:spPr>
           <a:xfrm>
-            <a:off x="11353800" y="6019800"/>
+            <a:off x="7696200" y="3124200"/>
             <a:ext cx="152400" cy="152400"/>
           </a:xfrm>
           <a:prstGeom prst="ellipse">
@@ -4698,7 +4693,7 @@
         </p:nvSpPr>
         <p:spPr>
           <a:xfrm>
-            <a:off x="9982200" y="6019800"/>
+            <a:off x="6324600" y="3124200"/>
             <a:ext cx="152400" cy="152400"/>
           </a:xfrm>
           <a:prstGeom prst="ellipse">
@@ -4744,7 +4739,7 @@
         </p:nvSpPr>
         <p:spPr>
           <a:xfrm>
-            <a:off x="13182600" y="6172204"/>
+            <a:off x="9525000" y="3276604"/>
             <a:ext cx="228600" cy="152400"/>
           </a:xfrm>
           <a:prstGeom prst="homePlate">
@@ -4795,7 +4790,7 @@
         </p:nvCxnSpPr>
         <p:spPr>
           <a:xfrm flipV="1">
-            <a:off x="12954000" y="6172204"/>
+            <a:off x="9296400" y="3276604"/>
             <a:ext cx="152400" cy="152400"/>
           </a:xfrm>
           <a:prstGeom prst="line">
@@ -4832,7 +4827,7 @@
         </p:nvSpPr>
         <p:spPr>
           <a:xfrm>
-            <a:off x="12954000" y="6096004"/>
+            <a:off x="9296400" y="3200404"/>
             <a:ext cx="152400" cy="76200"/>
           </a:xfrm>
           <a:prstGeom prst="rect">
@@ -4885,7 +4880,7 @@
         </p:nvSpPr>
         <p:spPr>
           <a:xfrm>
-            <a:off x="12039600" y="6096004"/>
+            <a:off x="8382000" y="3200404"/>
             <a:ext cx="457200" cy="152400"/>
           </a:xfrm>
           <a:prstGeom prst="rect">
@@ -4931,13 +4926,13 @@
       </p:sp>
       <p:sp>
         <p:nvSpPr>
-          <p:cNvPr id="628" name="Rectangle 627"/>
+          <p:cNvPr id="667" name="Rectangle 666"/>
           <p:cNvSpPr/>
           <p:nvPr/>
         </p:nvSpPr>
         <p:spPr>
           <a:xfrm>
-            <a:off x="2362200" y="3352802"/>
+            <a:off x="1219200" y="2667003"/>
             <a:ext cx="304800" cy="304793"/>
           </a:xfrm>
           <a:prstGeom prst="rect">
@@ -4977,1306 +4972,13 @@
       </p:sp>
       <p:cxnSp>
         <p:nvCxnSpPr>
-          <p:cNvPr id="629" name="Straight Connector 628"/>
-          <p:cNvCxnSpPr/>
-          <p:nvPr/>
-        </p:nvCxnSpPr>
-        <p:spPr>
-          <a:xfrm flipV="1">
-            <a:off x="2438401" y="3581346"/>
-            <a:ext cx="76200" cy="76200"/>
-          </a:xfrm>
-          <a:prstGeom prst="line">
-            <a:avLst/>
-          </a:prstGeom>
-          <a:ln w="12700">
-            <a:solidFill>
-              <a:srgbClr val="000000"/>
-            </a:solidFill>
-          </a:ln>
-        </p:spPr>
-        <p:style>
-          <a:lnRef idx="1">
-            <a:schemeClr val="accent1"/>
-          </a:lnRef>
-          <a:fillRef idx="0">
-            <a:schemeClr val="accent1"/>
-          </a:fillRef>
-          <a:effectRef idx="0">
-            <a:schemeClr val="accent1"/>
-          </a:effectRef>
-          <a:fontRef idx="minor">
-            <a:schemeClr val="tx1"/>
-          </a:fontRef>
-        </p:style>
-      </p:cxnSp>
-      <p:cxnSp>
-        <p:nvCxnSpPr>
-          <p:cNvPr id="630" name="Straight Connector 629"/>
-          <p:cNvCxnSpPr/>
-          <p:nvPr/>
-        </p:nvCxnSpPr>
-        <p:spPr>
-          <a:xfrm flipH="1" flipV="1">
-            <a:off x="2514601" y="3581346"/>
-            <a:ext cx="76200" cy="76200"/>
-          </a:xfrm>
-          <a:prstGeom prst="line">
-            <a:avLst/>
-          </a:prstGeom>
-          <a:ln w="12700">
-            <a:solidFill>
-              <a:srgbClr val="000000"/>
-            </a:solidFill>
-          </a:ln>
-        </p:spPr>
-        <p:style>
-          <a:lnRef idx="1">
-            <a:schemeClr val="accent1"/>
-          </a:lnRef>
-          <a:fillRef idx="0">
-            <a:schemeClr val="accent1"/>
-          </a:fillRef>
-          <a:effectRef idx="0">
-            <a:schemeClr val="accent1"/>
-          </a:effectRef>
-          <a:fontRef idx="minor">
-            <a:schemeClr val="tx1"/>
-          </a:fontRef>
-        </p:style>
-      </p:cxnSp>
-      <p:cxnSp>
-        <p:nvCxnSpPr>
-          <p:cNvPr id="634" name="Straight Connector 633"/>
-          <p:cNvCxnSpPr>
-            <a:stCxn id="635" idx="3"/>
-          </p:cNvCxnSpPr>
-          <p:nvPr/>
-        </p:nvCxnSpPr>
-        <p:spPr>
-          <a:xfrm>
-            <a:off x="685800" y="3429000"/>
-            <a:ext cx="1676400" cy="0"/>
-          </a:xfrm>
-          <a:prstGeom prst="line">
-            <a:avLst/>
-          </a:prstGeom>
-          <a:ln w="12700">
-            <a:solidFill>
-              <a:srgbClr val="000000"/>
-            </a:solidFill>
-            <a:headEnd type="none" w="med" len="med"/>
-            <a:tailEnd type="triangle" w="med" len="med"/>
-          </a:ln>
-        </p:spPr>
-        <p:style>
-          <a:lnRef idx="1">
-            <a:schemeClr val="accent1"/>
-          </a:lnRef>
-          <a:fillRef idx="0">
-            <a:schemeClr val="accent1"/>
-          </a:fillRef>
-          <a:effectRef idx="0">
-            <a:schemeClr val="accent1"/>
-          </a:effectRef>
-          <a:fontRef idx="minor">
-            <a:schemeClr val="tx1"/>
-          </a:fontRef>
-        </p:style>
-      </p:cxnSp>
-      <p:sp>
-        <p:nvSpPr>
-          <p:cNvPr id="635" name="Pentagon 634"/>
-          <p:cNvSpPr/>
-          <p:nvPr/>
-        </p:nvSpPr>
-        <p:spPr>
-          <a:xfrm>
-            <a:off x="457200" y="3352800"/>
-            <a:ext cx="228600" cy="152400"/>
-          </a:xfrm>
-          <a:prstGeom prst="homePlate">
-            <a:avLst/>
-          </a:prstGeom>
-          <a:noFill/>
-          <a:ln w="12700">
-            <a:solidFill>
-              <a:schemeClr val="tx1"/>
-            </a:solidFill>
-          </a:ln>
-        </p:spPr>
-        <p:style>
-          <a:lnRef idx="2">
-            <a:schemeClr val="accent1">
-              <a:shade val="50000"/>
-            </a:schemeClr>
-          </a:lnRef>
-          <a:fillRef idx="1">
-            <a:schemeClr val="accent1"/>
-          </a:fillRef>
-          <a:effectRef idx="0">
-            <a:schemeClr val="accent1"/>
-          </a:effectRef>
-          <a:fontRef idx="minor">
-            <a:schemeClr val="lt1"/>
-          </a:fontRef>
-        </p:style>
-        <p:txBody>
-          <a:bodyPr rot="0" spcFirstLastPara="0" vertOverflow="overflow" horzOverflow="overflow" vert="horz" wrap="square" lIns="91440" tIns="45720" rIns="91440" bIns="45720" numCol="1" spcCol="0" rtlCol="0" fromWordArt="0" anchor="ctr" anchorCtr="0" forceAA="0" compatLnSpc="1">
-            <a:prstTxWarp prst="textNoShape">
-              <a:avLst/>
-            </a:prstTxWarp>
-            <a:noAutofit/>
-          </a:bodyPr>
-          <a:lstStyle/>
-          <a:p>
-            <a:pPr algn="ctr"/>
-            <a:endParaRPr lang="en-US" sz="3730"/>
-          </a:p>
-        </p:txBody>
-      </p:sp>
-      <p:cxnSp>
-        <p:nvCxnSpPr>
-          <p:cNvPr id="636" name="Straight Connector 635"/>
-          <p:cNvCxnSpPr/>
-          <p:nvPr/>
-        </p:nvCxnSpPr>
-        <p:spPr>
-          <a:xfrm flipV="1">
-            <a:off x="762000" y="3352800"/>
-            <a:ext cx="152400" cy="152400"/>
-          </a:xfrm>
-          <a:prstGeom prst="line">
-            <a:avLst/>
-          </a:prstGeom>
-          <a:ln w="12700">
-            <a:solidFill>
-              <a:srgbClr val="000000"/>
-            </a:solidFill>
-            <a:headEnd type="none" w="med" len="med"/>
-            <a:tailEnd type="none" w="med" len="med"/>
-          </a:ln>
-        </p:spPr>
-        <p:style>
-          <a:lnRef idx="1">
-            <a:schemeClr val="accent1"/>
-          </a:lnRef>
-          <a:fillRef idx="0">
-            <a:schemeClr val="accent1"/>
-          </a:fillRef>
-          <a:effectRef idx="0">
-            <a:schemeClr val="accent1"/>
-          </a:effectRef>
-          <a:fontRef idx="minor">
-            <a:schemeClr val="tx1"/>
-          </a:fontRef>
-        </p:style>
-      </p:cxnSp>
-      <p:sp>
-        <p:nvSpPr>
-          <p:cNvPr id="637" name="Rectangle 636"/>
-          <p:cNvSpPr/>
-          <p:nvPr/>
-        </p:nvSpPr>
-        <p:spPr>
-          <a:xfrm>
-            <a:off x="762000" y="3276600"/>
-            <a:ext cx="152400" cy="76200"/>
-          </a:xfrm>
-          <a:prstGeom prst="rect">
-            <a:avLst/>
-          </a:prstGeom>
-          <a:noFill/>
-          <a:ln>
-            <a:noFill/>
-          </a:ln>
-        </p:spPr>
-        <p:style>
-          <a:lnRef idx="2">
-            <a:schemeClr val="accent1">
-              <a:shade val="50000"/>
-            </a:schemeClr>
-          </a:lnRef>
-          <a:fillRef idx="1">
-            <a:schemeClr val="accent1"/>
-          </a:fillRef>
-          <a:effectRef idx="0">
-            <a:schemeClr val="accent1"/>
-          </a:effectRef>
-          <a:fontRef idx="minor">
-            <a:schemeClr val="lt1"/>
-          </a:fontRef>
-        </p:style>
-        <p:txBody>
-          <a:bodyPr wrap="none" lIns="45720" rIns="45720" rtlCol="0" anchor="ctr"/>
-          <a:lstStyle/>
-          <a:p>
-            <a:pPr algn="ctr"/>
-            <a:r>
-              <a:rPr lang="en-US" sz="900" dirty="0">
-                <a:solidFill>
-                  <a:srgbClr val="000000"/>
-                </a:solidFill>
-                <a:latin typeface="Courier New" panose="02070309020205020404" pitchFamily="49" charset="0"/>
-                <a:cs typeface="Courier New" panose="02070309020205020404" pitchFamily="49" charset="0"/>
-              </a:rPr>
-              <a:t>1</a:t>
-            </a:r>
-          </a:p>
-        </p:txBody>
-      </p:sp>
-      <p:sp>
-        <p:nvSpPr>
-          <p:cNvPr id="638" name="Rectangle 637"/>
-          <p:cNvSpPr/>
-          <p:nvPr/>
-        </p:nvSpPr>
-        <p:spPr>
-          <a:xfrm>
-            <a:off x="1066800" y="3276600"/>
-            <a:ext cx="457200" cy="152400"/>
-          </a:xfrm>
-          <a:prstGeom prst="rect">
-            <a:avLst/>
-          </a:prstGeom>
-          <a:noFill/>
-          <a:ln>
-            <a:noFill/>
-          </a:ln>
-        </p:spPr>
-        <p:style>
-          <a:lnRef idx="2">
-            <a:schemeClr val="accent1">
-              <a:shade val="50000"/>
-            </a:schemeClr>
-          </a:lnRef>
-          <a:fillRef idx="1">
-            <a:schemeClr val="accent1"/>
-          </a:fillRef>
-          <a:effectRef idx="0">
-            <a:schemeClr val="accent1"/>
-          </a:effectRef>
-          <a:fontRef idx="minor">
-            <a:schemeClr val="lt1"/>
-          </a:fontRef>
-        </p:style>
-        <p:txBody>
-          <a:bodyPr wrap="none" lIns="45720" rIns="45720" rtlCol="0" anchor="ctr"/>
-          <a:lstStyle/>
-          <a:p>
-            <a:r>
-              <a:rPr lang="en-US" sz="900" dirty="0">
-                <a:solidFill>
-                  <a:srgbClr val="000000"/>
-                </a:solidFill>
-                <a:latin typeface="Courier New" panose="02070309020205020404" pitchFamily="49" charset="0"/>
-                <a:cs typeface="Courier New" panose="02070309020205020404" pitchFamily="49" charset="0"/>
-              </a:rPr>
-              <a:t>BTN_1</a:t>
-            </a:r>
-            <a:endParaRPr lang="en-US" sz="900" dirty="0">
-              <a:solidFill>
-                <a:srgbClr val="000000"/>
-              </a:solidFill>
-              <a:latin typeface="Courier New" panose="02070309020205020404" pitchFamily="49" charset="0"/>
-              <a:cs typeface="Courier New" panose="02070309020205020404" pitchFamily="49" charset="0"/>
-            </a:endParaRPr>
-          </a:p>
-        </p:txBody>
-      </p:sp>
-      <p:sp>
-        <p:nvSpPr>
-          <p:cNvPr id="640" name="Pentagon 639"/>
-          <p:cNvSpPr/>
-          <p:nvPr/>
-        </p:nvSpPr>
-        <p:spPr>
-          <a:xfrm>
-            <a:off x="457200" y="4419600"/>
-            <a:ext cx="228600" cy="152400"/>
-          </a:xfrm>
-          <a:prstGeom prst="homePlate">
-            <a:avLst/>
-          </a:prstGeom>
-          <a:noFill/>
-          <a:ln w="12700">
-            <a:solidFill>
-              <a:schemeClr val="tx1"/>
-            </a:solidFill>
-          </a:ln>
-        </p:spPr>
-        <p:style>
-          <a:lnRef idx="2">
-            <a:schemeClr val="accent1">
-              <a:shade val="50000"/>
-            </a:schemeClr>
-          </a:lnRef>
-          <a:fillRef idx="1">
-            <a:schemeClr val="accent1"/>
-          </a:fillRef>
-          <a:effectRef idx="0">
-            <a:schemeClr val="accent1"/>
-          </a:effectRef>
-          <a:fontRef idx="minor">
-            <a:schemeClr val="lt1"/>
-          </a:fontRef>
-        </p:style>
-        <p:txBody>
-          <a:bodyPr rot="0" spcFirstLastPara="0" vertOverflow="overflow" horzOverflow="overflow" vert="horz" wrap="square" lIns="91440" tIns="45720" rIns="91440" bIns="45720" numCol="1" spcCol="0" rtlCol="0" fromWordArt="0" anchor="ctr" anchorCtr="0" forceAA="0" compatLnSpc="1">
-            <a:prstTxWarp prst="textNoShape">
-              <a:avLst/>
-            </a:prstTxWarp>
-            <a:noAutofit/>
-          </a:bodyPr>
-          <a:lstStyle/>
-          <a:p>
-            <a:pPr algn="ctr"/>
-            <a:endParaRPr lang="en-US" sz="3730"/>
-          </a:p>
-        </p:txBody>
-      </p:sp>
-      <p:cxnSp>
-        <p:nvCxnSpPr>
-          <p:cNvPr id="641" name="Straight Connector 640"/>
-          <p:cNvCxnSpPr/>
-          <p:nvPr/>
-        </p:nvCxnSpPr>
-        <p:spPr>
-          <a:xfrm flipV="1">
-            <a:off x="762000" y="4419600"/>
-            <a:ext cx="152400" cy="152400"/>
-          </a:xfrm>
-          <a:prstGeom prst="line">
-            <a:avLst/>
-          </a:prstGeom>
-          <a:ln w="12700">
-            <a:solidFill>
-              <a:srgbClr val="000000"/>
-            </a:solidFill>
-            <a:headEnd type="none" w="med" len="med"/>
-            <a:tailEnd type="none" w="med" len="med"/>
-          </a:ln>
-        </p:spPr>
-        <p:style>
-          <a:lnRef idx="1">
-            <a:schemeClr val="accent1"/>
-          </a:lnRef>
-          <a:fillRef idx="0">
-            <a:schemeClr val="accent1"/>
-          </a:fillRef>
-          <a:effectRef idx="0">
-            <a:schemeClr val="accent1"/>
-          </a:effectRef>
-          <a:fontRef idx="minor">
-            <a:schemeClr val="tx1"/>
-          </a:fontRef>
-        </p:style>
-      </p:cxnSp>
-      <p:sp>
-        <p:nvSpPr>
-          <p:cNvPr id="642" name="Rectangle 641"/>
-          <p:cNvSpPr/>
-          <p:nvPr/>
-        </p:nvSpPr>
-        <p:spPr>
-          <a:xfrm>
-            <a:off x="762000" y="4343400"/>
-            <a:ext cx="152400" cy="76200"/>
-          </a:xfrm>
-          <a:prstGeom prst="rect">
-            <a:avLst/>
-          </a:prstGeom>
-          <a:noFill/>
-          <a:ln>
-            <a:noFill/>
-          </a:ln>
-        </p:spPr>
-        <p:style>
-          <a:lnRef idx="2">
-            <a:schemeClr val="accent1">
-              <a:shade val="50000"/>
-            </a:schemeClr>
-          </a:lnRef>
-          <a:fillRef idx="1">
-            <a:schemeClr val="accent1"/>
-          </a:fillRef>
-          <a:effectRef idx="0">
-            <a:schemeClr val="accent1"/>
-          </a:effectRef>
-          <a:fontRef idx="minor">
-            <a:schemeClr val="lt1"/>
-          </a:fontRef>
-        </p:style>
-        <p:txBody>
-          <a:bodyPr wrap="none" lIns="45720" rIns="45720" rtlCol="0" anchor="ctr"/>
-          <a:lstStyle/>
-          <a:p>
-            <a:pPr algn="ctr"/>
-            <a:r>
-              <a:rPr lang="en-US" sz="900" dirty="0">
-                <a:solidFill>
-                  <a:srgbClr val="000000"/>
-                </a:solidFill>
-                <a:latin typeface="Courier New" panose="02070309020205020404" pitchFamily="49" charset="0"/>
-                <a:cs typeface="Courier New" panose="02070309020205020404" pitchFamily="49" charset="0"/>
-              </a:rPr>
-              <a:t>1</a:t>
-            </a:r>
-          </a:p>
-        </p:txBody>
-      </p:sp>
-      <p:sp>
-        <p:nvSpPr>
-          <p:cNvPr id="643" name="Rectangle 642"/>
-          <p:cNvSpPr/>
-          <p:nvPr/>
-        </p:nvSpPr>
-        <p:spPr>
-          <a:xfrm>
-            <a:off x="1066800" y="4343400"/>
-            <a:ext cx="457200" cy="152400"/>
-          </a:xfrm>
-          <a:prstGeom prst="rect">
-            <a:avLst/>
-          </a:prstGeom>
-          <a:noFill/>
-          <a:ln>
-            <a:noFill/>
-          </a:ln>
-        </p:spPr>
-        <p:style>
-          <a:lnRef idx="2">
-            <a:schemeClr val="accent1">
-              <a:shade val="50000"/>
-            </a:schemeClr>
-          </a:lnRef>
-          <a:fillRef idx="1">
-            <a:schemeClr val="accent1"/>
-          </a:fillRef>
-          <a:effectRef idx="0">
-            <a:schemeClr val="accent1"/>
-          </a:effectRef>
-          <a:fontRef idx="minor">
-            <a:schemeClr val="lt1"/>
-          </a:fontRef>
-        </p:style>
-        <p:txBody>
-          <a:bodyPr wrap="none" lIns="45720" rIns="45720" rtlCol="0" anchor="ctr"/>
-          <a:lstStyle/>
-          <a:p>
-            <a:r>
-              <a:rPr lang="en-US" sz="900" dirty="0">
-                <a:solidFill>
-                  <a:srgbClr val="000000"/>
-                </a:solidFill>
-                <a:latin typeface="Courier New" panose="02070309020205020404" pitchFamily="49" charset="0"/>
-                <a:cs typeface="Courier New" panose="02070309020205020404" pitchFamily="49" charset="0"/>
-              </a:rPr>
-              <a:t>BTN_2</a:t>
-            </a:r>
-            <a:endParaRPr lang="en-US" sz="900" dirty="0">
-              <a:solidFill>
-                <a:srgbClr val="000000"/>
-              </a:solidFill>
-              <a:latin typeface="Courier New" panose="02070309020205020404" pitchFamily="49" charset="0"/>
-              <a:cs typeface="Courier New" panose="02070309020205020404" pitchFamily="49" charset="0"/>
-            </a:endParaRPr>
-          </a:p>
-        </p:txBody>
-      </p:sp>
-      <p:sp>
-        <p:nvSpPr>
-          <p:cNvPr id="645" name="Pentagon 644"/>
-          <p:cNvSpPr/>
-          <p:nvPr/>
-        </p:nvSpPr>
-        <p:spPr>
-          <a:xfrm>
-            <a:off x="457200" y="5638800"/>
-            <a:ext cx="228600" cy="152400"/>
-          </a:xfrm>
-          <a:prstGeom prst="homePlate">
-            <a:avLst/>
-          </a:prstGeom>
-          <a:noFill/>
-          <a:ln w="12700">
-            <a:solidFill>
-              <a:schemeClr val="tx1"/>
-            </a:solidFill>
-          </a:ln>
-        </p:spPr>
-        <p:style>
-          <a:lnRef idx="2">
-            <a:schemeClr val="accent1">
-              <a:shade val="50000"/>
-            </a:schemeClr>
-          </a:lnRef>
-          <a:fillRef idx="1">
-            <a:schemeClr val="accent1"/>
-          </a:fillRef>
-          <a:effectRef idx="0">
-            <a:schemeClr val="accent1"/>
-          </a:effectRef>
-          <a:fontRef idx="minor">
-            <a:schemeClr val="lt1"/>
-          </a:fontRef>
-        </p:style>
-        <p:txBody>
-          <a:bodyPr rot="0" spcFirstLastPara="0" vertOverflow="overflow" horzOverflow="overflow" vert="horz" wrap="square" lIns="91440" tIns="45720" rIns="91440" bIns="45720" numCol="1" spcCol="0" rtlCol="0" fromWordArt="0" anchor="ctr" anchorCtr="0" forceAA="0" compatLnSpc="1">
-            <a:prstTxWarp prst="textNoShape">
-              <a:avLst/>
-            </a:prstTxWarp>
-            <a:noAutofit/>
-          </a:bodyPr>
-          <a:lstStyle/>
-          <a:p>
-            <a:pPr algn="ctr"/>
-            <a:endParaRPr lang="en-US" sz="3730"/>
-          </a:p>
-        </p:txBody>
-      </p:sp>
-      <p:cxnSp>
-        <p:nvCxnSpPr>
-          <p:cNvPr id="646" name="Straight Connector 645"/>
-          <p:cNvCxnSpPr/>
-          <p:nvPr/>
-        </p:nvCxnSpPr>
-        <p:spPr>
-          <a:xfrm flipV="1">
-            <a:off x="762000" y="5638800"/>
-            <a:ext cx="152400" cy="152400"/>
-          </a:xfrm>
-          <a:prstGeom prst="line">
-            <a:avLst/>
-          </a:prstGeom>
-          <a:ln w="12700">
-            <a:solidFill>
-              <a:srgbClr val="000000"/>
-            </a:solidFill>
-            <a:headEnd type="none" w="med" len="med"/>
-            <a:tailEnd type="none" w="med" len="med"/>
-          </a:ln>
-        </p:spPr>
-        <p:style>
-          <a:lnRef idx="1">
-            <a:schemeClr val="accent1"/>
-          </a:lnRef>
-          <a:fillRef idx="0">
-            <a:schemeClr val="accent1"/>
-          </a:fillRef>
-          <a:effectRef idx="0">
-            <a:schemeClr val="accent1"/>
-          </a:effectRef>
-          <a:fontRef idx="minor">
-            <a:schemeClr val="tx1"/>
-          </a:fontRef>
-        </p:style>
-      </p:cxnSp>
-      <p:sp>
-        <p:nvSpPr>
-          <p:cNvPr id="647" name="Rectangle 646"/>
-          <p:cNvSpPr/>
-          <p:nvPr/>
-        </p:nvSpPr>
-        <p:spPr>
-          <a:xfrm>
-            <a:off x="762000" y="5562600"/>
-            <a:ext cx="152400" cy="76200"/>
-          </a:xfrm>
-          <a:prstGeom prst="rect">
-            <a:avLst/>
-          </a:prstGeom>
-          <a:noFill/>
-          <a:ln>
-            <a:noFill/>
-          </a:ln>
-        </p:spPr>
-        <p:style>
-          <a:lnRef idx="2">
-            <a:schemeClr val="accent1">
-              <a:shade val="50000"/>
-            </a:schemeClr>
-          </a:lnRef>
-          <a:fillRef idx="1">
-            <a:schemeClr val="accent1"/>
-          </a:fillRef>
-          <a:effectRef idx="0">
-            <a:schemeClr val="accent1"/>
-          </a:effectRef>
-          <a:fontRef idx="minor">
-            <a:schemeClr val="lt1"/>
-          </a:fontRef>
-        </p:style>
-        <p:txBody>
-          <a:bodyPr wrap="none" lIns="45720" rIns="45720" rtlCol="0" anchor="ctr"/>
-          <a:lstStyle/>
-          <a:p>
-            <a:pPr algn="ctr"/>
-            <a:r>
-              <a:rPr lang="en-US" sz="900" dirty="0">
-                <a:solidFill>
-                  <a:srgbClr val="000000"/>
-                </a:solidFill>
-                <a:latin typeface="Courier New" panose="02070309020205020404" pitchFamily="49" charset="0"/>
-                <a:cs typeface="Courier New" panose="02070309020205020404" pitchFamily="49" charset="0"/>
-              </a:rPr>
-              <a:t>1</a:t>
-            </a:r>
-          </a:p>
-        </p:txBody>
-      </p:sp>
-      <p:sp>
-        <p:nvSpPr>
-          <p:cNvPr id="648" name="Rectangle 647"/>
-          <p:cNvSpPr/>
-          <p:nvPr/>
-        </p:nvSpPr>
-        <p:spPr>
-          <a:xfrm>
-            <a:off x="1066800" y="5562600"/>
-            <a:ext cx="457200" cy="152400"/>
-          </a:xfrm>
-          <a:prstGeom prst="rect">
-            <a:avLst/>
-          </a:prstGeom>
-          <a:noFill/>
-          <a:ln>
-            <a:noFill/>
-          </a:ln>
-        </p:spPr>
-        <p:style>
-          <a:lnRef idx="2">
-            <a:schemeClr val="accent1">
-              <a:shade val="50000"/>
-            </a:schemeClr>
-          </a:lnRef>
-          <a:fillRef idx="1">
-            <a:schemeClr val="accent1"/>
-          </a:fillRef>
-          <a:effectRef idx="0">
-            <a:schemeClr val="accent1"/>
-          </a:effectRef>
-          <a:fontRef idx="minor">
-            <a:schemeClr val="lt1"/>
-          </a:fontRef>
-        </p:style>
-        <p:txBody>
-          <a:bodyPr wrap="none" lIns="45720" rIns="45720" rtlCol="0" anchor="ctr"/>
-          <a:lstStyle/>
-          <a:p>
-            <a:r>
-              <a:rPr lang="en-US" sz="900" dirty="0">
-                <a:solidFill>
-                  <a:srgbClr val="000000"/>
-                </a:solidFill>
-                <a:latin typeface="Courier New" panose="02070309020205020404" pitchFamily="49" charset="0"/>
-                <a:cs typeface="Courier New" panose="02070309020205020404" pitchFamily="49" charset="0"/>
-              </a:rPr>
-              <a:t>BTN_3</a:t>
-            </a:r>
-            <a:endParaRPr lang="en-US" sz="900" dirty="0">
-              <a:solidFill>
-                <a:srgbClr val="000000"/>
-              </a:solidFill>
-              <a:latin typeface="Courier New" panose="02070309020205020404" pitchFamily="49" charset="0"/>
-              <a:cs typeface="Courier New" panose="02070309020205020404" pitchFamily="49" charset="0"/>
-            </a:endParaRPr>
-          </a:p>
-        </p:txBody>
-      </p:sp>
-      <p:sp>
-        <p:nvSpPr>
-          <p:cNvPr id="649" name="Rectangle 648"/>
-          <p:cNvSpPr/>
-          <p:nvPr/>
-        </p:nvSpPr>
-        <p:spPr>
-          <a:xfrm>
-            <a:off x="3733800" y="3352802"/>
-            <a:ext cx="304800" cy="304793"/>
-          </a:xfrm>
-          <a:prstGeom prst="rect">
-            <a:avLst/>
-          </a:prstGeom>
-          <a:noFill/>
-          <a:ln w="12700">
-            <a:solidFill>
-              <a:srgbClr val="000000"/>
-            </a:solidFill>
-          </a:ln>
-        </p:spPr>
-        <p:style>
-          <a:lnRef idx="2">
-            <a:schemeClr val="accent1">
-              <a:shade val="50000"/>
-            </a:schemeClr>
-          </a:lnRef>
-          <a:fillRef idx="1">
-            <a:schemeClr val="accent1"/>
-          </a:fillRef>
-          <a:effectRef idx="0">
-            <a:schemeClr val="accent1"/>
-          </a:effectRef>
-          <a:fontRef idx="minor">
-            <a:schemeClr val="lt1"/>
-          </a:fontRef>
-        </p:style>
-        <p:txBody>
-          <a:bodyPr rtlCol="0" anchor="ctr"/>
-          <a:lstStyle/>
-          <a:p>
-            <a:pPr algn="ctr"/>
-            <a:endParaRPr lang="en-US" sz="3730"/>
-          </a:p>
-        </p:txBody>
-      </p:sp>
-      <p:cxnSp>
-        <p:nvCxnSpPr>
-          <p:cNvPr id="650" name="Straight Connector 649"/>
-          <p:cNvCxnSpPr/>
-          <p:nvPr/>
-        </p:nvCxnSpPr>
-        <p:spPr>
-          <a:xfrm flipV="1">
-            <a:off x="3810001" y="3581346"/>
-            <a:ext cx="76200" cy="76200"/>
-          </a:xfrm>
-          <a:prstGeom prst="line">
-            <a:avLst/>
-          </a:prstGeom>
-          <a:ln w="12700">
-            <a:solidFill>
-              <a:srgbClr val="000000"/>
-            </a:solidFill>
-          </a:ln>
-        </p:spPr>
-        <p:style>
-          <a:lnRef idx="1">
-            <a:schemeClr val="accent1"/>
-          </a:lnRef>
-          <a:fillRef idx="0">
-            <a:schemeClr val="accent1"/>
-          </a:fillRef>
-          <a:effectRef idx="0">
-            <a:schemeClr val="accent1"/>
-          </a:effectRef>
-          <a:fontRef idx="minor">
-            <a:schemeClr val="tx1"/>
-          </a:fontRef>
-        </p:style>
-      </p:cxnSp>
-      <p:cxnSp>
-        <p:nvCxnSpPr>
-          <p:cNvPr id="651" name="Straight Connector 650"/>
-          <p:cNvCxnSpPr/>
-          <p:nvPr/>
-        </p:nvCxnSpPr>
-        <p:spPr>
-          <a:xfrm flipH="1" flipV="1">
-            <a:off x="3886201" y="3581346"/>
-            <a:ext cx="76200" cy="76200"/>
-          </a:xfrm>
-          <a:prstGeom prst="line">
-            <a:avLst/>
-          </a:prstGeom>
-          <a:ln w="12700">
-            <a:solidFill>
-              <a:srgbClr val="000000"/>
-            </a:solidFill>
-          </a:ln>
-        </p:spPr>
-        <p:style>
-          <a:lnRef idx="1">
-            <a:schemeClr val="accent1"/>
-          </a:lnRef>
-          <a:fillRef idx="0">
-            <a:schemeClr val="accent1"/>
-          </a:fillRef>
-          <a:effectRef idx="0">
-            <a:schemeClr val="accent1"/>
-          </a:effectRef>
-          <a:fontRef idx="minor">
-            <a:schemeClr val="tx1"/>
-          </a:fontRef>
-        </p:style>
-      </p:cxnSp>
-      <p:cxnSp>
-        <p:nvCxnSpPr>
-          <p:cNvPr id="652" name="Straight Connector 651"/>
-          <p:cNvCxnSpPr/>
-          <p:nvPr/>
-        </p:nvCxnSpPr>
-        <p:spPr>
-          <a:xfrm>
-            <a:off x="2667000" y="3429000"/>
-            <a:ext cx="1066800" cy="0"/>
-          </a:xfrm>
-          <a:prstGeom prst="line">
-            <a:avLst/>
-          </a:prstGeom>
-          <a:ln w="12700">
-            <a:solidFill>
-              <a:srgbClr val="000000"/>
-            </a:solidFill>
-            <a:headEnd type="none" w="med" len="med"/>
-            <a:tailEnd type="triangle" w="med" len="med"/>
-          </a:ln>
-        </p:spPr>
-        <p:style>
-          <a:lnRef idx="1">
-            <a:schemeClr val="accent1"/>
-          </a:lnRef>
-          <a:fillRef idx="0">
-            <a:schemeClr val="accent1"/>
-          </a:fillRef>
-          <a:effectRef idx="0">
-            <a:schemeClr val="accent1"/>
-          </a:effectRef>
-          <a:fontRef idx="minor">
-            <a:schemeClr val="tx1"/>
-          </a:fontRef>
-        </p:style>
-      </p:cxnSp>
-      <p:sp>
-        <p:nvSpPr>
-          <p:cNvPr id="654" name="Rectangle 653"/>
-          <p:cNvSpPr/>
-          <p:nvPr/>
-        </p:nvSpPr>
-        <p:spPr>
-          <a:xfrm>
-            <a:off x="2362200" y="4419602"/>
-            <a:ext cx="304800" cy="304793"/>
-          </a:xfrm>
-          <a:prstGeom prst="rect">
-            <a:avLst/>
-          </a:prstGeom>
-          <a:noFill/>
-          <a:ln w="12700">
-            <a:solidFill>
-              <a:srgbClr val="000000"/>
-            </a:solidFill>
-          </a:ln>
-        </p:spPr>
-        <p:style>
-          <a:lnRef idx="2">
-            <a:schemeClr val="accent1">
-              <a:shade val="50000"/>
-            </a:schemeClr>
-          </a:lnRef>
-          <a:fillRef idx="1">
-            <a:schemeClr val="accent1"/>
-          </a:fillRef>
-          <a:effectRef idx="0">
-            <a:schemeClr val="accent1"/>
-          </a:effectRef>
-          <a:fontRef idx="minor">
-            <a:schemeClr val="lt1"/>
-          </a:fontRef>
-        </p:style>
-        <p:txBody>
-          <a:bodyPr rtlCol="0" anchor="ctr"/>
-          <a:lstStyle/>
-          <a:p>
-            <a:pPr algn="ctr"/>
-            <a:endParaRPr lang="en-US" sz="3730"/>
-          </a:p>
-        </p:txBody>
-      </p:sp>
-      <p:cxnSp>
-        <p:nvCxnSpPr>
-          <p:cNvPr id="655" name="Straight Connector 654"/>
-          <p:cNvCxnSpPr/>
-          <p:nvPr/>
-        </p:nvCxnSpPr>
-        <p:spPr>
-          <a:xfrm flipV="1">
-            <a:off x="2438401" y="4648146"/>
-            <a:ext cx="76200" cy="76200"/>
-          </a:xfrm>
-          <a:prstGeom prst="line">
-            <a:avLst/>
-          </a:prstGeom>
-          <a:ln w="12700">
-            <a:solidFill>
-              <a:srgbClr val="000000"/>
-            </a:solidFill>
-          </a:ln>
-        </p:spPr>
-        <p:style>
-          <a:lnRef idx="1">
-            <a:schemeClr val="accent1"/>
-          </a:lnRef>
-          <a:fillRef idx="0">
-            <a:schemeClr val="accent1"/>
-          </a:fillRef>
-          <a:effectRef idx="0">
-            <a:schemeClr val="accent1"/>
-          </a:effectRef>
-          <a:fontRef idx="minor">
-            <a:schemeClr val="tx1"/>
-          </a:fontRef>
-        </p:style>
-      </p:cxnSp>
-      <p:cxnSp>
-        <p:nvCxnSpPr>
-          <p:cNvPr id="656" name="Straight Connector 655"/>
-          <p:cNvCxnSpPr/>
-          <p:nvPr/>
-        </p:nvCxnSpPr>
-        <p:spPr>
-          <a:xfrm flipH="1" flipV="1">
-            <a:off x="2514601" y="4648146"/>
-            <a:ext cx="76200" cy="76200"/>
-          </a:xfrm>
-          <a:prstGeom prst="line">
-            <a:avLst/>
-          </a:prstGeom>
-          <a:ln w="12700">
-            <a:solidFill>
-              <a:srgbClr val="000000"/>
-            </a:solidFill>
-          </a:ln>
-        </p:spPr>
-        <p:style>
-          <a:lnRef idx="1">
-            <a:schemeClr val="accent1"/>
-          </a:lnRef>
-          <a:fillRef idx="0">
-            <a:schemeClr val="accent1"/>
-          </a:fillRef>
-          <a:effectRef idx="0">
-            <a:schemeClr val="accent1"/>
-          </a:effectRef>
-          <a:fontRef idx="minor">
-            <a:schemeClr val="tx1"/>
-          </a:fontRef>
-        </p:style>
-      </p:cxnSp>
-      <p:sp>
-        <p:nvSpPr>
-          <p:cNvPr id="658" name="Rectangle 657"/>
-          <p:cNvSpPr/>
-          <p:nvPr/>
-        </p:nvSpPr>
-        <p:spPr>
-          <a:xfrm>
-            <a:off x="3733800" y="4419602"/>
-            <a:ext cx="304800" cy="304793"/>
-          </a:xfrm>
-          <a:prstGeom prst="rect">
-            <a:avLst/>
-          </a:prstGeom>
-          <a:noFill/>
-          <a:ln w="12700">
-            <a:solidFill>
-              <a:srgbClr val="000000"/>
-            </a:solidFill>
-          </a:ln>
-        </p:spPr>
-        <p:style>
-          <a:lnRef idx="2">
-            <a:schemeClr val="accent1">
-              <a:shade val="50000"/>
-            </a:schemeClr>
-          </a:lnRef>
-          <a:fillRef idx="1">
-            <a:schemeClr val="accent1"/>
-          </a:fillRef>
-          <a:effectRef idx="0">
-            <a:schemeClr val="accent1"/>
-          </a:effectRef>
-          <a:fontRef idx="minor">
-            <a:schemeClr val="lt1"/>
-          </a:fontRef>
-        </p:style>
-        <p:txBody>
-          <a:bodyPr rtlCol="0" anchor="ctr"/>
-          <a:lstStyle/>
-          <a:p>
-            <a:pPr algn="ctr"/>
-            <a:endParaRPr lang="en-US" sz="3730"/>
-          </a:p>
-        </p:txBody>
-      </p:sp>
-      <p:cxnSp>
-        <p:nvCxnSpPr>
-          <p:cNvPr id="659" name="Straight Connector 658"/>
-          <p:cNvCxnSpPr/>
-          <p:nvPr/>
-        </p:nvCxnSpPr>
-        <p:spPr>
-          <a:xfrm flipV="1">
-            <a:off x="3810001" y="4648146"/>
-            <a:ext cx="76200" cy="76200"/>
-          </a:xfrm>
-          <a:prstGeom prst="line">
-            <a:avLst/>
-          </a:prstGeom>
-          <a:ln w="12700">
-            <a:solidFill>
-              <a:srgbClr val="000000"/>
-            </a:solidFill>
-          </a:ln>
-        </p:spPr>
-        <p:style>
-          <a:lnRef idx="1">
-            <a:schemeClr val="accent1"/>
-          </a:lnRef>
-          <a:fillRef idx="0">
-            <a:schemeClr val="accent1"/>
-          </a:fillRef>
-          <a:effectRef idx="0">
-            <a:schemeClr val="accent1"/>
-          </a:effectRef>
-          <a:fontRef idx="minor">
-            <a:schemeClr val="tx1"/>
-          </a:fontRef>
-        </p:style>
-      </p:cxnSp>
-      <p:cxnSp>
-        <p:nvCxnSpPr>
-          <p:cNvPr id="660" name="Straight Connector 659"/>
-          <p:cNvCxnSpPr/>
-          <p:nvPr/>
-        </p:nvCxnSpPr>
-        <p:spPr>
-          <a:xfrm flipH="1" flipV="1">
-            <a:off x="3886201" y="4648146"/>
-            <a:ext cx="76200" cy="76200"/>
-          </a:xfrm>
-          <a:prstGeom prst="line">
-            <a:avLst/>
-          </a:prstGeom>
-          <a:ln w="12700">
-            <a:solidFill>
-              <a:srgbClr val="000000"/>
-            </a:solidFill>
-          </a:ln>
-        </p:spPr>
-        <p:style>
-          <a:lnRef idx="1">
-            <a:schemeClr val="accent1"/>
-          </a:lnRef>
-          <a:fillRef idx="0">
-            <a:schemeClr val="accent1"/>
-          </a:fillRef>
-          <a:effectRef idx="0">
-            <a:schemeClr val="accent1"/>
-          </a:effectRef>
-          <a:fontRef idx="minor">
-            <a:schemeClr val="tx1"/>
-          </a:fontRef>
-        </p:style>
-      </p:cxnSp>
-      <p:cxnSp>
-        <p:nvCxnSpPr>
-          <p:cNvPr id="661" name="Straight Connector 660"/>
-          <p:cNvCxnSpPr/>
-          <p:nvPr/>
-        </p:nvCxnSpPr>
-        <p:spPr>
-          <a:xfrm>
-            <a:off x="2667000" y="4495800"/>
-            <a:ext cx="1066800" cy="0"/>
-          </a:xfrm>
-          <a:prstGeom prst="line">
-            <a:avLst/>
-          </a:prstGeom>
-          <a:ln w="12700">
-            <a:solidFill>
-              <a:srgbClr val="000000"/>
-            </a:solidFill>
-            <a:headEnd type="none" w="med" len="med"/>
-            <a:tailEnd type="triangle" w="med" len="med"/>
-          </a:ln>
-        </p:spPr>
-        <p:style>
-          <a:lnRef idx="1">
-            <a:schemeClr val="accent1"/>
-          </a:lnRef>
-          <a:fillRef idx="0">
-            <a:schemeClr val="accent1"/>
-          </a:fillRef>
-          <a:effectRef idx="0">
-            <a:schemeClr val="accent1"/>
-          </a:effectRef>
-          <a:fontRef idx="minor">
-            <a:schemeClr val="tx1"/>
-          </a:fontRef>
-        </p:style>
-      </p:cxnSp>
-      <p:sp>
-        <p:nvSpPr>
-          <p:cNvPr id="663" name="Rectangle 662"/>
-          <p:cNvSpPr/>
-          <p:nvPr/>
-        </p:nvSpPr>
-        <p:spPr>
-          <a:xfrm>
-            <a:off x="2362200" y="5638802"/>
-            <a:ext cx="304800" cy="304793"/>
-          </a:xfrm>
-          <a:prstGeom prst="rect">
-            <a:avLst/>
-          </a:prstGeom>
-          <a:noFill/>
-          <a:ln w="12700">
-            <a:solidFill>
-              <a:srgbClr val="000000"/>
-            </a:solidFill>
-          </a:ln>
-        </p:spPr>
-        <p:style>
-          <a:lnRef idx="2">
-            <a:schemeClr val="accent1">
-              <a:shade val="50000"/>
-            </a:schemeClr>
-          </a:lnRef>
-          <a:fillRef idx="1">
-            <a:schemeClr val="accent1"/>
-          </a:fillRef>
-          <a:effectRef idx="0">
-            <a:schemeClr val="accent1"/>
-          </a:effectRef>
-          <a:fontRef idx="minor">
-            <a:schemeClr val="lt1"/>
-          </a:fontRef>
-        </p:style>
-        <p:txBody>
-          <a:bodyPr rtlCol="0" anchor="ctr"/>
-          <a:lstStyle/>
-          <a:p>
-            <a:pPr algn="ctr"/>
-            <a:endParaRPr lang="en-US" sz="3730"/>
-          </a:p>
-        </p:txBody>
-      </p:sp>
-      <p:cxnSp>
-        <p:nvCxnSpPr>
-          <p:cNvPr id="664" name="Straight Connector 663"/>
-          <p:cNvCxnSpPr/>
-          <p:nvPr/>
-        </p:nvCxnSpPr>
-        <p:spPr>
-          <a:xfrm flipV="1">
-            <a:off x="2438401" y="5867346"/>
-            <a:ext cx="76200" cy="76200"/>
-          </a:xfrm>
-          <a:prstGeom prst="line">
-            <a:avLst/>
-          </a:prstGeom>
-          <a:ln w="12700">
-            <a:solidFill>
-              <a:srgbClr val="000000"/>
-            </a:solidFill>
-          </a:ln>
-        </p:spPr>
-        <p:style>
-          <a:lnRef idx="1">
-            <a:schemeClr val="accent1"/>
-          </a:lnRef>
-          <a:fillRef idx="0">
-            <a:schemeClr val="accent1"/>
-          </a:fillRef>
-          <a:effectRef idx="0">
-            <a:schemeClr val="accent1"/>
-          </a:effectRef>
-          <a:fontRef idx="minor">
-            <a:schemeClr val="tx1"/>
-          </a:fontRef>
-        </p:style>
-      </p:cxnSp>
-      <p:cxnSp>
-        <p:nvCxnSpPr>
-          <p:cNvPr id="665" name="Straight Connector 664"/>
-          <p:cNvCxnSpPr/>
-          <p:nvPr/>
-        </p:nvCxnSpPr>
-        <p:spPr>
-          <a:xfrm flipH="1" flipV="1">
-            <a:off x="2514601" y="5867346"/>
-            <a:ext cx="76200" cy="76200"/>
-          </a:xfrm>
-          <a:prstGeom prst="line">
-            <a:avLst/>
-          </a:prstGeom>
-          <a:ln w="12700">
-            <a:solidFill>
-              <a:srgbClr val="000000"/>
-            </a:solidFill>
-          </a:ln>
-        </p:spPr>
-        <p:style>
-          <a:lnRef idx="1">
-            <a:schemeClr val="accent1"/>
-          </a:lnRef>
-          <a:fillRef idx="0">
-            <a:schemeClr val="accent1"/>
-          </a:fillRef>
-          <a:effectRef idx="0">
-            <a:schemeClr val="accent1"/>
-          </a:effectRef>
-          <a:fontRef idx="minor">
-            <a:schemeClr val="tx1"/>
-          </a:fontRef>
-        </p:style>
-      </p:cxnSp>
-      <p:sp>
-        <p:nvSpPr>
-          <p:cNvPr id="667" name="Rectangle 666"/>
-          <p:cNvSpPr/>
-          <p:nvPr/>
-        </p:nvSpPr>
-        <p:spPr>
-          <a:xfrm>
-            <a:off x="3733800" y="5638802"/>
-            <a:ext cx="304800" cy="304793"/>
-          </a:xfrm>
-          <a:prstGeom prst="rect">
-            <a:avLst/>
-          </a:prstGeom>
-          <a:noFill/>
-          <a:ln w="12700">
-            <a:solidFill>
-              <a:srgbClr val="000000"/>
-            </a:solidFill>
-          </a:ln>
-        </p:spPr>
-        <p:style>
-          <a:lnRef idx="2">
-            <a:schemeClr val="accent1">
-              <a:shade val="50000"/>
-            </a:schemeClr>
-          </a:lnRef>
-          <a:fillRef idx="1">
-            <a:schemeClr val="accent1"/>
-          </a:fillRef>
-          <a:effectRef idx="0">
-            <a:schemeClr val="accent1"/>
-          </a:effectRef>
-          <a:fontRef idx="minor">
-            <a:schemeClr val="lt1"/>
-          </a:fontRef>
-        </p:style>
-        <p:txBody>
-          <a:bodyPr rtlCol="0" anchor="ctr"/>
-          <a:lstStyle/>
-          <a:p>
-            <a:pPr algn="ctr"/>
-            <a:endParaRPr lang="en-US" sz="3730"/>
-          </a:p>
-        </p:txBody>
-      </p:sp>
-      <p:cxnSp>
-        <p:nvCxnSpPr>
           <p:cNvPr id="668" name="Straight Connector 667"/>
           <p:cNvCxnSpPr/>
           <p:nvPr/>
         </p:nvCxnSpPr>
         <p:spPr>
           <a:xfrm flipV="1">
-            <a:off x="3810001" y="5867346"/>
+            <a:off x="1295401" y="2895546"/>
             <a:ext cx="76200" cy="76200"/>
           </a:xfrm>
           <a:prstGeom prst="line">
@@ -6311,7 +5013,7 @@
         </p:nvCxnSpPr>
         <p:spPr>
           <a:xfrm flipH="1" flipV="1">
-            <a:off x="3886201" y="5867346"/>
+            <a:off x="1371601" y="2895546"/>
             <a:ext cx="76200" cy="76200"/>
           </a:xfrm>
           <a:prstGeom prst="line">
@@ -6346,8 +5048,8 @@
         </p:nvCxnSpPr>
         <p:spPr>
           <a:xfrm>
-            <a:off x="2667000" y="5715000"/>
-            <a:ext cx="1066800" cy="0"/>
+            <a:off x="914400" y="2743200"/>
+            <a:ext cx="304800" cy="0"/>
           </a:xfrm>
           <a:prstGeom prst="line">
             <a:avLst/>
@@ -6377,246 +5079,13 @@
       </p:cxnSp>
       <p:sp>
         <p:nvSpPr>
-          <p:cNvPr id="672" name="Moon 671"/>
-          <p:cNvSpPr/>
-          <p:nvPr/>
-        </p:nvSpPr>
-        <p:spPr>
-          <a:xfrm rot="10800000">
-            <a:off x="5410200" y="5486400"/>
-            <a:ext cx="304800" cy="304800"/>
-          </a:xfrm>
-          <a:prstGeom prst="moon">
-            <a:avLst>
-              <a:gd name="adj" fmla="val 74720"/>
-            </a:avLst>
-          </a:prstGeom>
-          <a:noFill/>
-          <a:ln w="12700">
-            <a:solidFill>
-              <a:srgbClr val="000000"/>
-            </a:solidFill>
-          </a:ln>
-        </p:spPr>
-        <p:style>
-          <a:lnRef idx="2">
-            <a:schemeClr val="accent1">
-              <a:shade val="50000"/>
-            </a:schemeClr>
-          </a:lnRef>
-          <a:fillRef idx="1">
-            <a:schemeClr val="accent1"/>
-          </a:fillRef>
-          <a:effectRef idx="0">
-            <a:schemeClr val="accent1"/>
-          </a:effectRef>
-          <a:fontRef idx="minor">
-            <a:schemeClr val="lt1"/>
-          </a:fontRef>
-        </p:style>
-        <p:txBody>
-          <a:bodyPr rtlCol="0" anchor="ctr"/>
-          <a:lstStyle/>
-          <a:p>
-            <a:pPr algn="ctr"/>
-            <a:endParaRPr lang="en-US" sz="3730"/>
-          </a:p>
-        </p:txBody>
-      </p:sp>
-      <p:cxnSp>
-        <p:nvCxnSpPr>
-          <p:cNvPr id="673" name="Straight Connector 672"/>
-          <p:cNvCxnSpPr/>
-          <p:nvPr/>
-        </p:nvCxnSpPr>
-        <p:spPr>
-          <a:xfrm>
-            <a:off x="4038600" y="5715000"/>
-            <a:ext cx="1447800" cy="0"/>
-          </a:xfrm>
-          <a:prstGeom prst="line">
-            <a:avLst/>
-          </a:prstGeom>
-          <a:ln w="12700">
-            <a:solidFill>
-              <a:srgbClr val="000000"/>
-            </a:solidFill>
-            <a:headEnd type="none" w="med" len="med"/>
-            <a:tailEnd type="none" w="med" len="med"/>
-          </a:ln>
-        </p:spPr>
-        <p:style>
-          <a:lnRef idx="1">
-            <a:schemeClr val="accent1"/>
-          </a:lnRef>
-          <a:fillRef idx="0">
-            <a:schemeClr val="accent1"/>
-          </a:fillRef>
-          <a:effectRef idx="0">
-            <a:schemeClr val="accent1"/>
-          </a:effectRef>
-          <a:fontRef idx="minor">
-            <a:schemeClr val="tx1"/>
-          </a:fontRef>
-        </p:style>
-      </p:cxnSp>
-      <p:cxnSp>
-        <p:nvCxnSpPr>
-          <p:cNvPr id="675" name="Straight Connector 674"/>
-          <p:cNvCxnSpPr/>
-          <p:nvPr/>
-        </p:nvCxnSpPr>
-        <p:spPr>
-          <a:xfrm>
-            <a:off x="5105400" y="4495800"/>
-            <a:ext cx="0" cy="1143000"/>
-          </a:xfrm>
-          <a:prstGeom prst="line">
-            <a:avLst/>
-          </a:prstGeom>
-          <a:ln w="12700">
-            <a:solidFill>
-              <a:srgbClr val="000000"/>
-            </a:solidFill>
-            <a:headEnd type="none" w="med" len="med"/>
-            <a:tailEnd type="none" w="med" len="med"/>
-          </a:ln>
-        </p:spPr>
-        <p:style>
-          <a:lnRef idx="1">
-            <a:schemeClr val="accent1"/>
-          </a:lnRef>
-          <a:fillRef idx="0">
-            <a:schemeClr val="accent1"/>
-          </a:fillRef>
-          <a:effectRef idx="0">
-            <a:schemeClr val="accent1"/>
-          </a:effectRef>
-          <a:fontRef idx="minor">
-            <a:schemeClr val="tx1"/>
-          </a:fontRef>
-        </p:style>
-      </p:cxnSp>
-      <p:cxnSp>
-        <p:nvCxnSpPr>
-          <p:cNvPr id="676" name="Straight Connector 675"/>
-          <p:cNvCxnSpPr/>
-          <p:nvPr/>
-        </p:nvCxnSpPr>
-        <p:spPr>
-          <a:xfrm>
-            <a:off x="4038600" y="4495800"/>
-            <a:ext cx="1066800" cy="0"/>
-          </a:xfrm>
-          <a:prstGeom prst="line">
-            <a:avLst/>
-          </a:prstGeom>
-          <a:ln w="12700">
-            <a:solidFill>
-              <a:srgbClr val="000000"/>
-            </a:solidFill>
-            <a:headEnd type="none" w="med" len="med"/>
-            <a:tailEnd type="none" w="med" len="med"/>
-          </a:ln>
-        </p:spPr>
-        <p:style>
-          <a:lnRef idx="1">
-            <a:schemeClr val="accent1"/>
-          </a:lnRef>
-          <a:fillRef idx="0">
-            <a:schemeClr val="accent1"/>
-          </a:fillRef>
-          <a:effectRef idx="0">
-            <a:schemeClr val="accent1"/>
-          </a:effectRef>
-          <a:fontRef idx="minor">
-            <a:schemeClr val="tx1"/>
-          </a:fontRef>
-        </p:style>
-      </p:cxnSp>
-      <p:cxnSp>
-        <p:nvCxnSpPr>
-          <p:cNvPr id="678" name="Straight Connector 677"/>
-          <p:cNvCxnSpPr/>
-          <p:nvPr/>
-        </p:nvCxnSpPr>
-        <p:spPr>
-          <a:xfrm>
-            <a:off x="4038600" y="3429000"/>
-            <a:ext cx="1143000" cy="0"/>
-          </a:xfrm>
-          <a:prstGeom prst="line">
-            <a:avLst/>
-          </a:prstGeom>
-          <a:ln w="12700">
-            <a:solidFill>
-              <a:srgbClr val="000000"/>
-            </a:solidFill>
-            <a:headEnd type="none" w="med" len="med"/>
-            <a:tailEnd type="none" w="med" len="med"/>
-          </a:ln>
-        </p:spPr>
-        <p:style>
-          <a:lnRef idx="1">
-            <a:schemeClr val="accent1"/>
-          </a:lnRef>
-          <a:fillRef idx="0">
-            <a:schemeClr val="accent1"/>
-          </a:fillRef>
-          <a:effectRef idx="0">
-            <a:schemeClr val="accent1"/>
-          </a:effectRef>
-          <a:fontRef idx="minor">
-            <a:schemeClr val="tx1"/>
-          </a:fontRef>
-        </p:style>
-      </p:cxnSp>
-      <p:cxnSp>
-        <p:nvCxnSpPr>
-          <p:cNvPr id="680" name="Straight Connector 679"/>
-          <p:cNvCxnSpPr/>
-          <p:nvPr/>
-        </p:nvCxnSpPr>
-        <p:spPr>
-          <a:xfrm>
-            <a:off x="5181600" y="3429000"/>
-            <a:ext cx="0" cy="2133600"/>
-          </a:xfrm>
-          <a:prstGeom prst="line">
-            <a:avLst/>
-          </a:prstGeom>
-          <a:ln w="12700">
-            <a:solidFill>
-              <a:srgbClr val="000000"/>
-            </a:solidFill>
-            <a:headEnd type="none" w="med" len="med"/>
-            <a:tailEnd type="none" w="med" len="med"/>
-          </a:ln>
-        </p:spPr>
-        <p:style>
-          <a:lnRef idx="1">
-            <a:schemeClr val="accent1"/>
-          </a:lnRef>
-          <a:fillRef idx="0">
-            <a:schemeClr val="accent1"/>
-          </a:fillRef>
-          <a:effectRef idx="0">
-            <a:schemeClr val="accent1"/>
-          </a:effectRef>
-          <a:fontRef idx="minor">
-            <a:schemeClr val="tx1"/>
-          </a:fontRef>
-        </p:style>
-      </p:cxnSp>
-      <p:sp>
-        <p:nvSpPr>
           <p:cNvPr id="683" name="Rectangle 682"/>
           <p:cNvSpPr/>
           <p:nvPr/>
         </p:nvSpPr>
         <p:spPr>
           <a:xfrm>
-            <a:off x="7848600" y="5334000"/>
+            <a:off x="4191000" y="2438400"/>
             <a:ext cx="914400" cy="1219200"/>
           </a:xfrm>
           <a:prstGeom prst="rect">
@@ -6678,7 +5147,7 @@
         </p:nvSpPr>
         <p:spPr>
           <a:xfrm>
-            <a:off x="7848600" y="5562600"/>
+            <a:off x="4191000" y="2667000"/>
             <a:ext cx="457200" cy="152400"/>
           </a:xfrm>
           <a:prstGeom prst="rect">
@@ -6730,7 +5199,7 @@
         </p:nvSpPr>
         <p:spPr>
           <a:xfrm>
-            <a:off x="7848600" y="4876800"/>
+            <a:off x="4191000" y="1981200"/>
             <a:ext cx="457200" cy="457200"/>
           </a:xfrm>
           <a:prstGeom prst="rect">
@@ -6769,8 +5238,25 @@
                 <a:latin typeface="Courier New" panose="02070309020205020404" pitchFamily="49" charset="0"/>
                 <a:cs typeface="Courier New" panose="02070309020205020404" pitchFamily="49" charset="0"/>
               </a:rPr>
-              <a:t>#( .CBW(15)</a:t>
-            </a:r>
+              <a:t>#( .</a:t>
+            </a:r>
+            <a:r>
+              <a:rPr lang="en-US" sz="900" dirty="0" smtClean="0">
+                <a:solidFill>
+                  <a:srgbClr val="000000"/>
+                </a:solidFill>
+                <a:latin typeface="Courier New" panose="02070309020205020404" pitchFamily="49" charset="0"/>
+                <a:cs typeface="Courier New" panose="02070309020205020404" pitchFamily="49" charset="0"/>
+              </a:rPr>
+              <a:t>CBW(4)</a:t>
+            </a:r>
+            <a:endParaRPr lang="en-US" sz="900" dirty="0">
+              <a:solidFill>
+                <a:srgbClr val="000000"/>
+              </a:solidFill>
+              <a:latin typeface="Courier New" panose="02070309020205020404" pitchFamily="49" charset="0"/>
+              <a:cs typeface="Courier New" panose="02070309020205020404" pitchFamily="49" charset="0"/>
+            </a:endParaRPr>
           </a:p>
           <a:p>
             <a:r>
@@ -6781,17 +5267,19 @@
                 <a:latin typeface="Courier New" panose="02070309020205020404" pitchFamily="49" charset="0"/>
                 <a:cs typeface="Courier New" panose="02070309020205020404" pitchFamily="49" charset="0"/>
               </a:rPr>
-              <a:t> </a:t>
-            </a:r>
-            <a:r>
-              <a:rPr lang="en-US" sz="900" dirty="0">
+              <a:t> , .RV(1’b1) )</a:t>
+            </a:r>
+          </a:p>
+          <a:p>
+            <a:r>
+              <a:rPr lang="en-US" sz="900" dirty="0" err="1">
                 <a:solidFill>
                   <a:srgbClr val="000000"/>
                 </a:solidFill>
                 <a:latin typeface="Courier New" panose="02070309020205020404" pitchFamily="49" charset="0"/>
                 <a:cs typeface="Courier New" panose="02070309020205020404" pitchFamily="49" charset="0"/>
               </a:rPr>
-              <a:t>, .RV(1’b1) )</a:t>
+              <a:t>i_pex</a:t>
             </a:r>
             <a:endParaRPr lang="en-US" sz="900" dirty="0">
               <a:solidFill>
@@ -6801,25 +5289,6 @@
               <a:cs typeface="Courier New" panose="02070309020205020404" pitchFamily="49" charset="0"/>
             </a:endParaRPr>
           </a:p>
-          <a:p>
-            <a:r>
-              <a:rPr lang="en-US" sz="900" dirty="0" err="1" smtClean="0">
-                <a:solidFill>
-                  <a:srgbClr val="000000"/>
-                </a:solidFill>
-                <a:latin typeface="Courier New" panose="02070309020205020404" pitchFamily="49" charset="0"/>
-                <a:cs typeface="Courier New" panose="02070309020205020404" pitchFamily="49" charset="0"/>
-              </a:rPr>
-              <a:t>i_pex</a:t>
-            </a:r>
-            <a:endParaRPr lang="en-US" sz="900" dirty="0">
-              <a:solidFill>
-                <a:srgbClr val="000000"/>
-              </a:solidFill>
-              <a:latin typeface="Courier New" panose="02070309020205020404" pitchFamily="49" charset="0"/>
-              <a:cs typeface="Courier New" panose="02070309020205020404" pitchFamily="49" charset="0"/>
-            </a:endParaRPr>
-          </a:p>
         </p:txBody>
       </p:sp>
       <p:sp>
@@ -6830,7 +5299,7 @@
         </p:nvSpPr>
         <p:spPr>
           <a:xfrm>
-            <a:off x="8305800" y="5562600"/>
+            <a:off x="4648200" y="2667000"/>
             <a:ext cx="457200" cy="152400"/>
           </a:xfrm>
           <a:prstGeom prst="rect">
@@ -6883,7 +5352,7 @@
         </p:nvSpPr>
         <p:spPr>
           <a:xfrm>
-            <a:off x="7848600" y="5791200"/>
+            <a:off x="4191000" y="2895600"/>
             <a:ext cx="457200" cy="152400"/>
           </a:xfrm>
           <a:prstGeom prst="rect">
@@ -6935,7 +5404,7 @@
         </p:nvSpPr>
         <p:spPr>
           <a:xfrm>
-            <a:off x="7848600" y="6019800"/>
+            <a:off x="4191000" y="3124200"/>
             <a:ext cx="457200" cy="152400"/>
           </a:xfrm>
           <a:prstGeom prst="rect">
@@ -6987,7 +5456,7 @@
         </p:nvSpPr>
         <p:spPr>
           <a:xfrm>
-            <a:off x="7848600" y="6324600"/>
+            <a:off x="4191000" y="3429000"/>
             <a:ext cx="457200" cy="152400"/>
           </a:xfrm>
           <a:prstGeom prst="rect">
@@ -7039,7 +5508,7 @@
         </p:nvCxnSpPr>
         <p:spPr>
           <a:xfrm>
-            <a:off x="7848600" y="6096000"/>
+            <a:off x="4191000" y="3200400"/>
             <a:ext cx="76200" cy="76200"/>
           </a:xfrm>
           <a:prstGeom prst="line">
@@ -7074,7 +5543,7 @@
         </p:nvCxnSpPr>
         <p:spPr>
           <a:xfrm flipH="1">
-            <a:off x="7848600" y="6172200"/>
+            <a:off x="4191000" y="3276600"/>
             <a:ext cx="76200" cy="76200"/>
           </a:xfrm>
           <a:prstGeom prst="line">
@@ -7109,7 +5578,7 @@
         </p:nvSpPr>
         <p:spPr>
           <a:xfrm>
-            <a:off x="6248400" y="5562602"/>
+            <a:off x="2590800" y="2667003"/>
             <a:ext cx="304800" cy="304793"/>
           </a:xfrm>
           <a:prstGeom prst="rect">
@@ -7155,7 +5624,7 @@
         </p:nvCxnSpPr>
         <p:spPr>
           <a:xfrm flipV="1">
-            <a:off x="6324601" y="5791146"/>
+            <a:off x="2667001" y="2895546"/>
             <a:ext cx="76200" cy="76200"/>
           </a:xfrm>
           <a:prstGeom prst="line">
@@ -7190,7 +5659,7 @@
         </p:nvCxnSpPr>
         <p:spPr>
           <a:xfrm flipH="1" flipV="1">
-            <a:off x="6400801" y="5791146"/>
+            <a:off x="2743201" y="2895546"/>
             <a:ext cx="76200" cy="76200"/>
           </a:xfrm>
           <a:prstGeom prst="line">
@@ -7225,7 +5694,7 @@
         </p:nvCxnSpPr>
         <p:spPr>
           <a:xfrm>
-            <a:off x="7543800" y="6400800"/>
+            <a:off x="3886200" y="3505200"/>
             <a:ext cx="304800" cy="0"/>
           </a:xfrm>
           <a:prstGeom prst="line">
@@ -7262,7 +5731,7 @@
         </p:nvSpPr>
         <p:spPr>
           <a:xfrm>
-            <a:off x="7239000" y="6248400"/>
+            <a:off x="3581400" y="3352800"/>
             <a:ext cx="457200" cy="152400"/>
           </a:xfrm>
           <a:prstGeom prst="rect">
@@ -7303,13 +5772,6 @@
               </a:rPr>
               <a:t>1’b1</a:t>
             </a:r>
-            <a:endParaRPr lang="en-US" sz="900" dirty="0">
-              <a:solidFill>
-                <a:srgbClr val="000000"/>
-              </a:solidFill>
-              <a:latin typeface="Courier New" panose="02070309020205020404" pitchFamily="49" charset="0"/>
-              <a:cs typeface="Courier New" panose="02070309020205020404" pitchFamily="49" charset="0"/>
-            </a:endParaRPr>
           </a:p>
         </p:txBody>
       </p:sp>
@@ -7321,7 +5783,7 @@
         </p:nvCxnSpPr>
         <p:spPr>
           <a:xfrm>
-            <a:off x="6553200" y="5638800"/>
+            <a:off x="2895600" y="2743200"/>
             <a:ext cx="1295400" cy="0"/>
           </a:xfrm>
           <a:prstGeom prst="line">
@@ -7333,156 +5795,6 @@
             </a:solidFill>
             <a:headEnd type="none" w="med" len="med"/>
             <a:tailEnd type="triangle" w="med" len="med"/>
-          </a:ln>
-        </p:spPr>
-        <p:style>
-          <a:lnRef idx="1">
-            <a:schemeClr val="accent1"/>
-          </a:lnRef>
-          <a:fillRef idx="0">
-            <a:schemeClr val="accent1"/>
-          </a:fillRef>
-          <a:effectRef idx="0">
-            <a:schemeClr val="accent1"/>
-          </a:effectRef>
-          <a:fontRef idx="minor">
-            <a:schemeClr val="tx1"/>
-          </a:fontRef>
-        </p:style>
-      </p:cxnSp>
-      <p:cxnSp>
-        <p:nvCxnSpPr>
-          <p:cNvPr id="696" name="Straight Connector 695"/>
-          <p:cNvCxnSpPr>
-            <a:stCxn id="640" idx="3"/>
-          </p:cNvCxnSpPr>
-          <p:nvPr/>
-        </p:nvCxnSpPr>
-        <p:spPr>
-          <a:xfrm>
-            <a:off x="685800" y="4495800"/>
-            <a:ext cx="1676400" cy="0"/>
-          </a:xfrm>
-          <a:prstGeom prst="line">
-            <a:avLst/>
-          </a:prstGeom>
-          <a:ln w="12700">
-            <a:solidFill>
-              <a:srgbClr val="000000"/>
-            </a:solidFill>
-            <a:headEnd type="none" w="med" len="med"/>
-            <a:tailEnd type="triangle" w="med" len="med"/>
-          </a:ln>
-        </p:spPr>
-        <p:style>
-          <a:lnRef idx="1">
-            <a:schemeClr val="accent1"/>
-          </a:lnRef>
-          <a:fillRef idx="0">
-            <a:schemeClr val="accent1"/>
-          </a:fillRef>
-          <a:effectRef idx="0">
-            <a:schemeClr val="accent1"/>
-          </a:effectRef>
-          <a:fontRef idx="minor">
-            <a:schemeClr val="tx1"/>
-          </a:fontRef>
-        </p:style>
-      </p:cxnSp>
-      <p:cxnSp>
-        <p:nvCxnSpPr>
-          <p:cNvPr id="697" name="Straight Connector 696"/>
-          <p:cNvCxnSpPr/>
-          <p:nvPr/>
-        </p:nvCxnSpPr>
-        <p:spPr>
-          <a:xfrm>
-            <a:off x="685800" y="5715000"/>
-            <a:ext cx="1676400" cy="0"/>
-          </a:xfrm>
-          <a:prstGeom prst="line">
-            <a:avLst/>
-          </a:prstGeom>
-          <a:ln w="12700">
-            <a:solidFill>
-              <a:srgbClr val="000000"/>
-            </a:solidFill>
-            <a:headEnd type="none" w="med" len="med"/>
-            <a:tailEnd type="triangle" w="med" len="med"/>
-          </a:ln>
-        </p:spPr>
-        <p:style>
-          <a:lnRef idx="1">
-            <a:schemeClr val="accent1"/>
-          </a:lnRef>
-          <a:fillRef idx="0">
-            <a:schemeClr val="accent1"/>
-          </a:fillRef>
-          <a:effectRef idx="0">
-            <a:schemeClr val="accent1"/>
-          </a:effectRef>
-          <a:fontRef idx="minor">
-            <a:schemeClr val="tx1"/>
-          </a:fontRef>
-        </p:style>
-      </p:cxnSp>
-      <p:cxnSp>
-        <p:nvCxnSpPr>
-          <p:cNvPr id="729" name="Straight Connector 728"/>
-          <p:cNvCxnSpPr/>
-          <p:nvPr/>
-        </p:nvCxnSpPr>
-        <p:spPr>
-          <a:xfrm>
-            <a:off x="5105400" y="5638800"/>
-            <a:ext cx="381000" cy="0"/>
-          </a:xfrm>
-          <a:prstGeom prst="line">
-            <a:avLst/>
-          </a:prstGeom>
-          <a:ln w="12700">
-            <a:solidFill>
-              <a:srgbClr val="000000"/>
-            </a:solidFill>
-            <a:headEnd type="none" w="med" len="med"/>
-            <a:tailEnd type="none" w="med" len="med"/>
-          </a:ln>
-        </p:spPr>
-        <p:style>
-          <a:lnRef idx="1">
-            <a:schemeClr val="accent1"/>
-          </a:lnRef>
-          <a:fillRef idx="0">
-            <a:schemeClr val="accent1"/>
-          </a:fillRef>
-          <a:effectRef idx="0">
-            <a:schemeClr val="accent1"/>
-          </a:effectRef>
-          <a:fontRef idx="minor">
-            <a:schemeClr val="tx1"/>
-          </a:fontRef>
-        </p:style>
-      </p:cxnSp>
-      <p:cxnSp>
-        <p:nvCxnSpPr>
-          <p:cNvPr id="747" name="Straight Connector 746"/>
-          <p:cNvCxnSpPr/>
-          <p:nvPr/>
-        </p:nvCxnSpPr>
-        <p:spPr>
-          <a:xfrm>
-            <a:off x="5181600" y="5562600"/>
-            <a:ext cx="304800" cy="0"/>
-          </a:xfrm>
-          <a:prstGeom prst="line">
-            <a:avLst/>
-          </a:prstGeom>
-          <a:ln w="12700">
-            <a:solidFill>
-              <a:srgbClr val="000000"/>
-            </a:solidFill>
-            <a:headEnd type="none" w="med" len="med"/>
-            <a:tailEnd type="none" w="med" len="med"/>
           </a:ln>
         </p:spPr>
         <p:style>
@@ -7508,8 +5820,8 @@
         </p:nvCxnSpPr>
         <p:spPr>
           <a:xfrm>
-            <a:off x="5715000" y="5638800"/>
-            <a:ext cx="533400" cy="0"/>
+            <a:off x="1524000" y="2743200"/>
+            <a:ext cx="1066800" cy="0"/>
           </a:xfrm>
           <a:prstGeom prst="line">
             <a:avLst/>
@@ -7545,7 +5857,7 @@
         </p:nvCxnSpPr>
         <p:spPr>
           <a:xfrm>
-            <a:off x="6400800" y="6172202"/>
+            <a:off x="2743200" y="3276603"/>
             <a:ext cx="1447800" cy="1"/>
           </a:xfrm>
           <a:prstGeom prst="line">
@@ -7582,8 +5894,8 @@
         </p:nvCxnSpPr>
         <p:spPr>
           <a:xfrm flipV="1">
-            <a:off x="3886200" y="5943600"/>
-            <a:ext cx="0" cy="1219200"/>
+            <a:off x="1371600" y="2971800"/>
+            <a:ext cx="0" cy="1295400"/>
           </a:xfrm>
           <a:prstGeom prst="line">
             <a:avLst/>
@@ -7593,302 +5905,6 @@
               <a:srgbClr val="000000"/>
             </a:solidFill>
             <a:headEnd type="oval" w="med" len="med"/>
-            <a:tailEnd type="none" w="med" len="med"/>
-          </a:ln>
-        </p:spPr>
-        <p:style>
-          <a:lnRef idx="1">
-            <a:schemeClr val="accent1"/>
-          </a:lnRef>
-          <a:fillRef idx="0">
-            <a:schemeClr val="accent1"/>
-          </a:fillRef>
-          <a:effectRef idx="0">
-            <a:schemeClr val="accent1"/>
-          </a:effectRef>
-          <a:fontRef idx="minor">
-            <a:schemeClr val="tx1"/>
-          </a:fontRef>
-        </p:style>
-      </p:cxnSp>
-      <p:cxnSp>
-        <p:nvCxnSpPr>
-          <p:cNvPr id="759" name="Straight Connector 758"/>
-          <p:cNvCxnSpPr/>
-          <p:nvPr/>
-        </p:nvCxnSpPr>
-        <p:spPr>
-          <a:xfrm flipV="1">
-            <a:off x="2514600" y="5943600"/>
-            <a:ext cx="0" cy="1219200"/>
-          </a:xfrm>
-          <a:prstGeom prst="line">
-            <a:avLst/>
-          </a:prstGeom>
-          <a:ln w="12700">
-            <a:solidFill>
-              <a:srgbClr val="000000"/>
-            </a:solidFill>
-            <a:headEnd type="oval" w="med" len="med"/>
-            <a:tailEnd type="none" w="med" len="med"/>
-          </a:ln>
-        </p:spPr>
-        <p:style>
-          <a:lnRef idx="1">
-            <a:schemeClr val="accent1"/>
-          </a:lnRef>
-          <a:fillRef idx="0">
-            <a:schemeClr val="accent1"/>
-          </a:fillRef>
-          <a:effectRef idx="0">
-            <a:schemeClr val="accent1"/>
-          </a:effectRef>
-          <a:fontRef idx="minor">
-            <a:schemeClr val="tx1"/>
-          </a:fontRef>
-        </p:style>
-      </p:cxnSp>
-      <p:cxnSp>
-        <p:nvCxnSpPr>
-          <p:cNvPr id="760" name="Straight Connector 759"/>
-          <p:cNvCxnSpPr/>
-          <p:nvPr/>
-        </p:nvCxnSpPr>
-        <p:spPr>
-          <a:xfrm flipV="1">
-            <a:off x="3886200" y="4724400"/>
-            <a:ext cx="0" cy="152400"/>
-          </a:xfrm>
-          <a:prstGeom prst="line">
-            <a:avLst/>
-          </a:prstGeom>
-          <a:ln w="12700">
-            <a:solidFill>
-              <a:srgbClr val="000000"/>
-            </a:solidFill>
-            <a:headEnd type="none" w="med" len="med"/>
-            <a:tailEnd type="none" w="med" len="med"/>
-          </a:ln>
-        </p:spPr>
-        <p:style>
-          <a:lnRef idx="1">
-            <a:schemeClr val="accent1"/>
-          </a:lnRef>
-          <a:fillRef idx="0">
-            <a:schemeClr val="accent1"/>
-          </a:fillRef>
-          <a:effectRef idx="0">
-            <a:schemeClr val="accent1"/>
-          </a:effectRef>
-          <a:fontRef idx="minor">
-            <a:schemeClr val="tx1"/>
-          </a:fontRef>
-        </p:style>
-      </p:cxnSp>
-      <p:cxnSp>
-        <p:nvCxnSpPr>
-          <p:cNvPr id="765" name="Straight Connector 764"/>
-          <p:cNvCxnSpPr/>
-          <p:nvPr/>
-        </p:nvCxnSpPr>
-        <p:spPr>
-          <a:xfrm flipV="1">
-            <a:off x="2514600" y="4724400"/>
-            <a:ext cx="0" cy="152400"/>
-          </a:xfrm>
-          <a:prstGeom prst="line">
-            <a:avLst/>
-          </a:prstGeom>
-          <a:ln w="12700">
-            <a:solidFill>
-              <a:srgbClr val="000000"/>
-            </a:solidFill>
-            <a:headEnd type="oval" w="med" len="med"/>
-            <a:tailEnd type="none" w="med" len="med"/>
-          </a:ln>
-        </p:spPr>
-        <p:style>
-          <a:lnRef idx="1">
-            <a:schemeClr val="accent1"/>
-          </a:lnRef>
-          <a:fillRef idx="0">
-            <a:schemeClr val="accent1"/>
-          </a:fillRef>
-          <a:effectRef idx="0">
-            <a:schemeClr val="accent1"/>
-          </a:effectRef>
-          <a:fontRef idx="minor">
-            <a:schemeClr val="tx1"/>
-          </a:fontRef>
-        </p:style>
-      </p:cxnSp>
-      <p:cxnSp>
-        <p:nvCxnSpPr>
-          <p:cNvPr id="766" name="Straight Connector 765"/>
-          <p:cNvCxnSpPr/>
-          <p:nvPr/>
-        </p:nvCxnSpPr>
-        <p:spPr>
-          <a:xfrm>
-            <a:off x="2057400" y="4876800"/>
-            <a:ext cx="1828800" cy="0"/>
-          </a:xfrm>
-          <a:prstGeom prst="line">
-            <a:avLst/>
-          </a:prstGeom>
-          <a:ln w="12700">
-            <a:solidFill>
-              <a:srgbClr val="000000"/>
-            </a:solidFill>
-            <a:headEnd type="oval" w="med" len="med"/>
-            <a:tailEnd type="none" w="med" len="med"/>
-          </a:ln>
-        </p:spPr>
-        <p:style>
-          <a:lnRef idx="1">
-            <a:schemeClr val="accent1"/>
-          </a:lnRef>
-          <a:fillRef idx="0">
-            <a:schemeClr val="accent1"/>
-          </a:fillRef>
-          <a:effectRef idx="0">
-            <a:schemeClr val="accent1"/>
-          </a:effectRef>
-          <a:fontRef idx="minor">
-            <a:schemeClr val="tx1"/>
-          </a:fontRef>
-        </p:style>
-      </p:cxnSp>
-      <p:cxnSp>
-        <p:nvCxnSpPr>
-          <p:cNvPr id="780" name="Straight Connector 779"/>
-          <p:cNvCxnSpPr/>
-          <p:nvPr/>
-        </p:nvCxnSpPr>
-        <p:spPr>
-          <a:xfrm flipV="1">
-            <a:off x="2057400" y="3810000"/>
-            <a:ext cx="0" cy="3352800"/>
-          </a:xfrm>
-          <a:prstGeom prst="line">
-            <a:avLst/>
-          </a:prstGeom>
-          <a:ln w="12700">
-            <a:solidFill>
-              <a:srgbClr val="000000"/>
-            </a:solidFill>
-            <a:headEnd type="oval" w="med" len="med"/>
-            <a:tailEnd type="none" w="med" len="med"/>
-          </a:ln>
-        </p:spPr>
-        <p:style>
-          <a:lnRef idx="1">
-            <a:schemeClr val="accent1"/>
-          </a:lnRef>
-          <a:fillRef idx="0">
-            <a:schemeClr val="accent1"/>
-          </a:fillRef>
-          <a:effectRef idx="0">
-            <a:schemeClr val="accent1"/>
-          </a:effectRef>
-          <a:fontRef idx="minor">
-            <a:schemeClr val="tx1"/>
-          </a:fontRef>
-        </p:style>
-      </p:cxnSp>
-      <p:cxnSp>
-        <p:nvCxnSpPr>
-          <p:cNvPr id="793" name="Straight Connector 792"/>
-          <p:cNvCxnSpPr/>
-          <p:nvPr/>
-        </p:nvCxnSpPr>
-        <p:spPr>
-          <a:xfrm flipV="1">
-            <a:off x="3886200" y="3657600"/>
-            <a:ext cx="0" cy="152400"/>
-          </a:xfrm>
-          <a:prstGeom prst="line">
-            <a:avLst/>
-          </a:prstGeom>
-          <a:ln w="12700">
-            <a:solidFill>
-              <a:srgbClr val="000000"/>
-            </a:solidFill>
-            <a:headEnd type="none" w="med" len="med"/>
-            <a:tailEnd type="none" w="med" len="med"/>
-          </a:ln>
-        </p:spPr>
-        <p:style>
-          <a:lnRef idx="1">
-            <a:schemeClr val="accent1"/>
-          </a:lnRef>
-          <a:fillRef idx="0">
-            <a:schemeClr val="accent1"/>
-          </a:fillRef>
-          <a:effectRef idx="0">
-            <a:schemeClr val="accent1"/>
-          </a:effectRef>
-          <a:fontRef idx="minor">
-            <a:schemeClr val="tx1"/>
-          </a:fontRef>
-        </p:style>
-      </p:cxnSp>
-      <p:cxnSp>
-        <p:nvCxnSpPr>
-          <p:cNvPr id="794" name="Straight Connector 793"/>
-          <p:cNvCxnSpPr/>
-          <p:nvPr/>
-        </p:nvCxnSpPr>
-        <p:spPr>
-          <a:xfrm flipV="1">
-            <a:off x="2514600" y="3657600"/>
-            <a:ext cx="0" cy="152400"/>
-          </a:xfrm>
-          <a:prstGeom prst="line">
-            <a:avLst/>
-          </a:prstGeom>
-          <a:ln w="12700">
-            <a:solidFill>
-              <a:srgbClr val="000000"/>
-            </a:solidFill>
-            <a:headEnd type="oval" w="med" len="med"/>
-            <a:tailEnd type="none" w="med" len="med"/>
-          </a:ln>
-        </p:spPr>
-        <p:style>
-          <a:lnRef idx="1">
-            <a:schemeClr val="accent1"/>
-          </a:lnRef>
-          <a:fillRef idx="0">
-            <a:schemeClr val="accent1"/>
-          </a:fillRef>
-          <a:effectRef idx="0">
-            <a:schemeClr val="accent1"/>
-          </a:effectRef>
-          <a:fontRef idx="minor">
-            <a:schemeClr val="tx1"/>
-          </a:fontRef>
-        </p:style>
-      </p:cxnSp>
-      <p:cxnSp>
-        <p:nvCxnSpPr>
-          <p:cNvPr id="797" name="Straight Connector 796"/>
-          <p:cNvCxnSpPr/>
-          <p:nvPr/>
-        </p:nvCxnSpPr>
-        <p:spPr>
-          <a:xfrm>
-            <a:off x="2057400" y="3810000"/>
-            <a:ext cx="1828800" cy="0"/>
-          </a:xfrm>
-          <a:prstGeom prst="line">
-            <a:avLst/>
-          </a:prstGeom>
-          <a:ln w="12700">
-            <a:solidFill>
-              <a:srgbClr val="000000"/>
-            </a:solidFill>
-            <a:headEnd type="none" w="med" len="med"/>
             <a:tailEnd type="none" w="med" len="med"/>
           </a:ln>
         </p:spPr>
@@ -7915,7 +5931,7 @@
         </p:nvCxnSpPr>
         <p:spPr>
           <a:xfrm flipV="1">
-            <a:off x="11430000" y="6477000"/>
+            <a:off x="7772400" y="3581400"/>
             <a:ext cx="0" cy="685800"/>
           </a:xfrm>
           <a:prstGeom prst="line">
@@ -7946,13 +5962,13 @@
       </p:cxnSp>
       <p:cxnSp>
         <p:nvCxnSpPr>
-          <p:cNvPr id="810" name="Straight Connector 809"/>
+          <p:cNvPr id="828" name="Straight Connector 827"/>
           <p:cNvCxnSpPr/>
           <p:nvPr/>
         </p:nvCxnSpPr>
         <p:spPr>
           <a:xfrm flipV="1">
-            <a:off x="2743200" y="3352800"/>
+            <a:off x="1600200" y="2667000"/>
             <a:ext cx="152400" cy="152400"/>
           </a:xfrm>
           <a:prstGeom prst="line">
@@ -7983,13 +5999,13 @@
       </p:cxnSp>
       <p:sp>
         <p:nvSpPr>
-          <p:cNvPr id="811" name="Rectangle 810"/>
+          <p:cNvPr id="829" name="Rectangle 828"/>
           <p:cNvSpPr/>
           <p:nvPr/>
         </p:nvSpPr>
         <p:spPr>
           <a:xfrm>
-            <a:off x="2743200" y="3276600"/>
+            <a:off x="1600200" y="2590800"/>
             <a:ext cx="152400" cy="76200"/>
           </a:xfrm>
           <a:prstGeom prst="rect">
@@ -8034,15 +6050,133 @@
           </a:p>
         </p:txBody>
       </p:sp>
+      <p:sp>
+        <p:nvSpPr>
+          <p:cNvPr id="832" name="Rectangle 831"/>
+          <p:cNvSpPr/>
+          <p:nvPr/>
+        </p:nvSpPr>
+        <p:spPr>
+          <a:xfrm>
+            <a:off x="609600" y="2590800"/>
+            <a:ext cx="457200" cy="152400"/>
+          </a:xfrm>
+          <a:prstGeom prst="rect">
+            <a:avLst/>
+          </a:prstGeom>
+          <a:noFill/>
+          <a:ln>
+            <a:noFill/>
+          </a:ln>
+        </p:spPr>
+        <p:style>
+          <a:lnRef idx="2">
+            <a:schemeClr val="accent1">
+              <a:shade val="50000"/>
+            </a:schemeClr>
+          </a:lnRef>
+          <a:fillRef idx="1">
+            <a:schemeClr val="accent1"/>
+          </a:fillRef>
+          <a:effectRef idx="0">
+            <a:schemeClr val="accent1"/>
+          </a:effectRef>
+          <a:fontRef idx="minor">
+            <a:schemeClr val="lt1"/>
+          </a:fontRef>
+        </p:style>
+        <p:txBody>
+          <a:bodyPr wrap="none" lIns="45720" rIns="45720" rtlCol="0" anchor="ctr"/>
+          <a:lstStyle/>
+          <a:p>
+            <a:r>
+              <a:rPr lang="en-US" sz="900" dirty="0">
+                <a:solidFill>
+                  <a:srgbClr val="000000"/>
+                </a:solidFill>
+                <a:latin typeface="Courier New" panose="02070309020205020404" pitchFamily="49" charset="0"/>
+                <a:cs typeface="Courier New" panose="02070309020205020404" pitchFamily="49" charset="0"/>
+              </a:rPr>
+              <a:t>1’b1</a:t>
+            </a:r>
+            <a:endParaRPr lang="en-US" sz="900" dirty="0">
+              <a:solidFill>
+                <a:srgbClr val="000000"/>
+              </a:solidFill>
+              <a:latin typeface="Courier New" panose="02070309020205020404" pitchFamily="49" charset="0"/>
+              <a:cs typeface="Courier New" panose="02070309020205020404" pitchFamily="49" charset="0"/>
+            </a:endParaRPr>
+          </a:p>
+        </p:txBody>
+      </p:sp>
+      <p:sp>
+        <p:nvSpPr>
+          <p:cNvPr id="835" name="Rectangle 834"/>
+          <p:cNvSpPr/>
+          <p:nvPr/>
+        </p:nvSpPr>
+        <p:spPr>
+          <a:xfrm>
+            <a:off x="1828800" y="2590800"/>
+            <a:ext cx="457200" cy="152400"/>
+          </a:xfrm>
+          <a:prstGeom prst="rect">
+            <a:avLst/>
+          </a:prstGeom>
+          <a:noFill/>
+          <a:ln>
+            <a:noFill/>
+          </a:ln>
+        </p:spPr>
+        <p:style>
+          <a:lnRef idx="2">
+            <a:schemeClr val="accent1">
+              <a:shade val="50000"/>
+            </a:schemeClr>
+          </a:lnRef>
+          <a:fillRef idx="1">
+            <a:schemeClr val="accent1"/>
+          </a:fillRef>
+          <a:effectRef idx="0">
+            <a:schemeClr val="accent1"/>
+          </a:effectRef>
+          <a:fontRef idx="minor">
+            <a:schemeClr val="lt1"/>
+          </a:fontRef>
+        </p:style>
+        <p:txBody>
+          <a:bodyPr wrap="none" lIns="45720" rIns="45720" rtlCol="0" anchor="ctr"/>
+          <a:lstStyle/>
+          <a:p>
+            <a:r>
+              <a:rPr lang="en-US" sz="900" dirty="0">
+                <a:solidFill>
+                  <a:srgbClr val="000000"/>
+                </a:solidFill>
+                <a:latin typeface="Courier New" panose="02070309020205020404" pitchFamily="49" charset="0"/>
+                <a:cs typeface="Courier New" panose="02070309020205020404" pitchFamily="49" charset="0"/>
+              </a:rPr>
+              <a:t>rstxi_d1</a:t>
+            </a:r>
+            <a:endParaRPr lang="en-US" sz="900" dirty="0">
+              <a:solidFill>
+                <a:srgbClr val="000000"/>
+              </a:solidFill>
+              <a:latin typeface="Courier New" panose="02070309020205020404" pitchFamily="49" charset="0"/>
+              <a:cs typeface="Courier New" panose="02070309020205020404" pitchFamily="49" charset="0"/>
+            </a:endParaRPr>
+          </a:p>
+        </p:txBody>
+      </p:sp>
       <p:cxnSp>
         <p:nvCxnSpPr>
-          <p:cNvPr id="812" name="Straight Connector 811"/>
+          <p:cNvPr id="836" name="Straight Connector 835"/>
           <p:cNvCxnSpPr/>
           <p:nvPr/>
         </p:nvCxnSpPr>
         <p:spPr>
           <a:xfrm flipV="1">
-            <a:off x="2743200" y="4419600"/>
+            <a:off x="2971800" y="2667000"/>
             <a:ext cx="152400" cy="152400"/>
           </a:xfrm>
           <a:prstGeom prst="line">
@@ -8073,13 +6207,13 @@
       </p:cxnSp>
       <p:sp>
         <p:nvSpPr>
-          <p:cNvPr id="813" name="Rectangle 812"/>
+          <p:cNvPr id="837" name="Rectangle 836"/>
           <p:cNvSpPr/>
           <p:nvPr/>
         </p:nvSpPr>
         <p:spPr>
           <a:xfrm>
-            <a:off x="2743200" y="4343400"/>
+            <a:off x="2971800" y="2590800"/>
             <a:ext cx="152400" cy="76200"/>
           </a:xfrm>
           <a:prstGeom prst="rect">
@@ -8124,15 +6258,215 @@
           </a:p>
         </p:txBody>
       </p:sp>
+      <p:sp>
+        <p:nvSpPr>
+          <p:cNvPr id="838" name="Rectangle 837"/>
+          <p:cNvSpPr/>
+          <p:nvPr/>
+        </p:nvSpPr>
+        <p:spPr>
+          <a:xfrm>
+            <a:off x="3200400" y="2590800"/>
+            <a:ext cx="457200" cy="152400"/>
+          </a:xfrm>
+          <a:prstGeom prst="rect">
+            <a:avLst/>
+          </a:prstGeom>
+          <a:noFill/>
+          <a:ln>
+            <a:noFill/>
+          </a:ln>
+        </p:spPr>
+        <p:style>
+          <a:lnRef idx="2">
+            <a:schemeClr val="accent1">
+              <a:shade val="50000"/>
+            </a:schemeClr>
+          </a:lnRef>
+          <a:fillRef idx="1">
+            <a:schemeClr val="accent1"/>
+          </a:fillRef>
+          <a:effectRef idx="0">
+            <a:schemeClr val="accent1"/>
+          </a:effectRef>
+          <a:fontRef idx="minor">
+            <a:schemeClr val="lt1"/>
+          </a:fontRef>
+        </p:style>
+        <p:txBody>
+          <a:bodyPr wrap="none" lIns="45720" rIns="45720" rtlCol="0" anchor="ctr"/>
+          <a:lstStyle/>
+          <a:p>
+            <a:r>
+              <a:rPr lang="en-US" sz="900" dirty="0">
+                <a:solidFill>
+                  <a:srgbClr val="000000"/>
+                </a:solidFill>
+                <a:latin typeface="Courier New" panose="02070309020205020404" pitchFamily="49" charset="0"/>
+                <a:cs typeface="Courier New" panose="02070309020205020404" pitchFamily="49" charset="0"/>
+              </a:rPr>
+              <a:t>rstxi_d2</a:t>
+            </a:r>
+            <a:endParaRPr lang="en-US" sz="900" dirty="0">
+              <a:solidFill>
+                <a:srgbClr val="000000"/>
+              </a:solidFill>
+              <a:latin typeface="Courier New" panose="02070309020205020404" pitchFamily="49" charset="0"/>
+              <a:cs typeface="Courier New" panose="02070309020205020404" pitchFamily="49" charset="0"/>
+            </a:endParaRPr>
+          </a:p>
+        </p:txBody>
+      </p:sp>
       <p:cxnSp>
         <p:nvCxnSpPr>
-          <p:cNvPr id="822" name="Straight Connector 821"/>
+          <p:cNvPr id="857" name="Straight Connector 856"/>
           <p:cNvCxnSpPr/>
           <p:nvPr/>
         </p:nvCxnSpPr>
         <p:spPr>
+          <a:xfrm>
+            <a:off x="3886200" y="2971800"/>
+            <a:ext cx="304800" cy="0"/>
+          </a:xfrm>
+          <a:prstGeom prst="line">
+            <a:avLst/>
+          </a:prstGeom>
+          <a:ln w="12700">
+            <a:solidFill>
+              <a:srgbClr val="000000"/>
+            </a:solidFill>
+            <a:headEnd type="none" w="med" len="med"/>
+            <a:tailEnd type="triangle" w="med" len="med"/>
+          </a:ln>
+        </p:spPr>
+        <p:style>
+          <a:lnRef idx="1">
+            <a:schemeClr val="accent1"/>
+          </a:lnRef>
+          <a:fillRef idx="0">
+            <a:schemeClr val="accent1"/>
+          </a:fillRef>
+          <a:effectRef idx="0">
+            <a:schemeClr val="accent1"/>
+          </a:effectRef>
+          <a:fontRef idx="minor">
+            <a:schemeClr val="tx1"/>
+          </a:fontRef>
+        </p:style>
+      </p:cxnSp>
+      <p:sp>
+        <p:nvSpPr>
+          <p:cNvPr id="858" name="Rectangle 857"/>
+          <p:cNvSpPr/>
+          <p:nvPr/>
+        </p:nvSpPr>
+        <p:spPr>
+          <a:xfrm>
+            <a:off x="3581400" y="2819400"/>
+            <a:ext cx="457200" cy="152400"/>
+          </a:xfrm>
+          <a:prstGeom prst="rect">
+            <a:avLst/>
+          </a:prstGeom>
+          <a:noFill/>
+          <a:ln>
+            <a:noFill/>
+          </a:ln>
+        </p:spPr>
+        <p:style>
+          <a:lnRef idx="2">
+            <a:schemeClr val="accent1">
+              <a:shade val="50000"/>
+            </a:schemeClr>
+          </a:lnRef>
+          <a:fillRef idx="1">
+            <a:schemeClr val="accent1"/>
+          </a:fillRef>
+          <a:effectRef idx="0">
+            <a:schemeClr val="accent1"/>
+          </a:effectRef>
+          <a:fontRef idx="minor">
+            <a:schemeClr val="lt1"/>
+          </a:fontRef>
+        </p:style>
+        <p:txBody>
+          <a:bodyPr wrap="none" lIns="45720" rIns="45720" rtlCol="0" anchor="ctr"/>
+          <a:lstStyle/>
+          <a:p>
+            <a:r>
+              <a:rPr lang="en-US" sz="900" dirty="0">
+                <a:solidFill>
+                  <a:srgbClr val="000000"/>
+                </a:solidFill>
+                <a:latin typeface="Courier New" panose="02070309020205020404" pitchFamily="49" charset="0"/>
+                <a:cs typeface="Courier New" panose="02070309020205020404" pitchFamily="49" charset="0"/>
+              </a:rPr>
+              <a:t>4’d15</a:t>
+            </a:r>
+          </a:p>
+        </p:txBody>
+      </p:sp>
+      <p:sp>
+        <p:nvSpPr>
+          <p:cNvPr id="859" name="Rectangle 858"/>
+          <p:cNvSpPr/>
+          <p:nvPr/>
+        </p:nvSpPr>
+        <p:spPr>
+          <a:xfrm>
+            <a:off x="5410200" y="2590800"/>
+            <a:ext cx="457200" cy="152400"/>
+          </a:xfrm>
+          <a:prstGeom prst="rect">
+            <a:avLst/>
+          </a:prstGeom>
+          <a:noFill/>
+          <a:ln>
+            <a:noFill/>
+          </a:ln>
+        </p:spPr>
+        <p:style>
+          <a:lnRef idx="2">
+            <a:schemeClr val="accent1">
+              <a:shade val="50000"/>
+            </a:schemeClr>
+          </a:lnRef>
+          <a:fillRef idx="1">
+            <a:schemeClr val="accent1"/>
+          </a:fillRef>
+          <a:effectRef idx="0">
+            <a:schemeClr val="accent1"/>
+          </a:effectRef>
+          <a:fontRef idx="minor">
+            <a:schemeClr val="lt1"/>
+          </a:fontRef>
+        </p:style>
+        <p:txBody>
+          <a:bodyPr wrap="none" lIns="45720" rIns="45720" rtlCol="0" anchor="ctr"/>
+          <a:lstStyle/>
+          <a:p>
+            <a:r>
+              <a:rPr lang="en-US" sz="900" dirty="0">
+                <a:solidFill>
+                  <a:srgbClr val="000000"/>
+                </a:solidFill>
+                <a:latin typeface="Courier New" panose="02070309020205020404" pitchFamily="49" charset="0"/>
+                <a:cs typeface="Courier New" panose="02070309020205020404" pitchFamily="49" charset="0"/>
+              </a:rPr>
+              <a:t>all_0_long</a:t>
+            </a:r>
+          </a:p>
+        </p:txBody>
+      </p:sp>
+      <p:cxnSp>
+        <p:nvCxnSpPr>
+          <p:cNvPr id="860" name="Straight Connector 859"/>
+          <p:cNvCxnSpPr/>
+          <p:nvPr/>
+        </p:nvCxnSpPr>
+        <p:spPr>
           <a:xfrm flipV="1">
-            <a:off x="2743200" y="5638800"/>
+            <a:off x="5181600" y="2667000"/>
             <a:ext cx="152400" cy="152400"/>
           </a:xfrm>
           <a:prstGeom prst="line">
@@ -8163,13 +6497,13 @@
       </p:cxnSp>
       <p:sp>
         <p:nvSpPr>
-          <p:cNvPr id="823" name="Rectangle 822"/>
+          <p:cNvPr id="861" name="Rectangle 860"/>
           <p:cNvSpPr/>
           <p:nvPr/>
         </p:nvSpPr>
         <p:spPr>
           <a:xfrm>
-            <a:off x="2743200" y="5562600"/>
+            <a:off x="5181600" y="2590800"/>
             <a:ext cx="152400" cy="76200"/>
           </a:xfrm>
           <a:prstGeom prst="rect">
@@ -8216,14 +6550,14 @@
       </p:sp>
       <p:cxnSp>
         <p:nvCxnSpPr>
-          <p:cNvPr id="824" name="Straight Connector 823"/>
+          <p:cNvPr id="137" name="Straight Connector 136"/>
           <p:cNvCxnSpPr/>
           <p:nvPr/>
         </p:nvCxnSpPr>
         <p:spPr>
           <a:xfrm flipV="1">
-            <a:off x="4114800" y="3352800"/>
-            <a:ext cx="152400" cy="152400"/>
+            <a:off x="990600" y="2971800"/>
+            <a:ext cx="152400" cy="76200"/>
           </a:xfrm>
           <a:prstGeom prst="line">
             <a:avLst/>
@@ -8233,7 +6567,7 @@
               <a:srgbClr val="000000"/>
             </a:solidFill>
             <a:headEnd type="none" w="med" len="med"/>
-            <a:tailEnd type="none" w="med" len="med"/>
+            <a:tailEnd type="triangle" w="med" len="med"/>
           </a:ln>
         </p:spPr>
         <p:style>
@@ -8253,14 +6587,14 @@
       </p:cxnSp>
       <p:sp>
         <p:nvSpPr>
-          <p:cNvPr id="825" name="Rectangle 824"/>
+          <p:cNvPr id="139" name="Rectangle 138"/>
           <p:cNvSpPr/>
           <p:nvPr/>
         </p:nvSpPr>
         <p:spPr>
           <a:xfrm>
-            <a:off x="4114800" y="3276600"/>
-            <a:ext cx="152400" cy="76200"/>
+            <a:off x="381000" y="3048000"/>
+            <a:ext cx="457200" cy="152400"/>
           </a:xfrm>
           <a:prstGeom prst="rect">
             <a:avLst/>
@@ -8290,7 +6624,6 @@
           <a:bodyPr wrap="none" lIns="45720" rIns="45720" rtlCol="0" anchor="ctr"/>
           <a:lstStyle/>
           <a:p>
-            <a:pPr algn="ctr"/>
             <a:r>
               <a:rPr lang="en-US" sz="900" dirty="0">
                 <a:solidFill>
@@ -8299,21 +6632,28 @@
                 <a:latin typeface="Courier New" panose="02070309020205020404" pitchFamily="49" charset="0"/>
                 <a:cs typeface="Courier New" panose="02070309020205020404" pitchFamily="49" charset="0"/>
               </a:rPr>
-              <a:t>1</a:t>
-            </a:r>
+              <a:t>initial-&gt;1’b0</a:t>
+            </a:r>
+            <a:endParaRPr lang="en-US" sz="900" dirty="0">
+              <a:solidFill>
+                <a:srgbClr val="000000"/>
+              </a:solidFill>
+              <a:latin typeface="Courier New" panose="02070309020205020404" pitchFamily="49" charset="0"/>
+              <a:cs typeface="Courier New" panose="02070309020205020404" pitchFamily="49" charset="0"/>
+            </a:endParaRPr>
           </a:p>
         </p:txBody>
       </p:sp>
       <p:cxnSp>
         <p:nvCxnSpPr>
-          <p:cNvPr id="826" name="Straight Connector 825"/>
+          <p:cNvPr id="140" name="Straight Connector 139"/>
           <p:cNvCxnSpPr/>
           <p:nvPr/>
         </p:nvCxnSpPr>
         <p:spPr>
           <a:xfrm flipV="1">
-            <a:off x="4114800" y="4419600"/>
-            <a:ext cx="152400" cy="152400"/>
+            <a:off x="2362200" y="2971800"/>
+            <a:ext cx="152400" cy="76200"/>
           </a:xfrm>
           <a:prstGeom prst="line">
             <a:avLst/>
@@ -8323,7 +6663,7 @@
               <a:srgbClr val="000000"/>
             </a:solidFill>
             <a:headEnd type="none" w="med" len="med"/>
-            <a:tailEnd type="none" w="med" len="med"/>
+            <a:tailEnd type="triangle" w="med" len="med"/>
           </a:ln>
         </p:spPr>
         <p:style>
@@ -8343,14 +6683,14 @@
       </p:cxnSp>
       <p:sp>
         <p:nvSpPr>
-          <p:cNvPr id="827" name="Rectangle 826"/>
+          <p:cNvPr id="141" name="Rectangle 140"/>
           <p:cNvSpPr/>
           <p:nvPr/>
         </p:nvSpPr>
         <p:spPr>
           <a:xfrm>
-            <a:off x="4114800" y="4343400"/>
-            <a:ext cx="152400" cy="76200"/>
+            <a:off x="1752600" y="3048000"/>
+            <a:ext cx="457200" cy="152400"/>
           </a:xfrm>
           <a:prstGeom prst="rect">
             <a:avLst/>
@@ -8380,7 +6720,6 @@
           <a:bodyPr wrap="none" lIns="45720" rIns="45720" rtlCol="0" anchor="ctr"/>
           <a:lstStyle/>
           <a:p>
-            <a:pPr algn="ctr"/>
             <a:r>
               <a:rPr lang="en-US" sz="900" dirty="0">
                 <a:solidFill>
@@ -8389,149 +6728,7 @@
                 <a:latin typeface="Courier New" panose="02070309020205020404" pitchFamily="49" charset="0"/>
                 <a:cs typeface="Courier New" panose="02070309020205020404" pitchFamily="49" charset="0"/>
               </a:rPr>
-              <a:t>1</a:t>
-            </a:r>
-          </a:p>
-        </p:txBody>
-      </p:sp>
-      <p:cxnSp>
-        <p:nvCxnSpPr>
-          <p:cNvPr id="828" name="Straight Connector 827"/>
-          <p:cNvCxnSpPr/>
-          <p:nvPr/>
-        </p:nvCxnSpPr>
-        <p:spPr>
-          <a:xfrm flipV="1">
-            <a:off x="4114800" y="5638800"/>
-            <a:ext cx="152400" cy="152400"/>
-          </a:xfrm>
-          <a:prstGeom prst="line">
-            <a:avLst/>
-          </a:prstGeom>
-          <a:ln w="12700">
-            <a:solidFill>
-              <a:srgbClr val="000000"/>
-            </a:solidFill>
-            <a:headEnd type="none" w="med" len="med"/>
-            <a:tailEnd type="none" w="med" len="med"/>
-          </a:ln>
-        </p:spPr>
-        <p:style>
-          <a:lnRef idx="1">
-            <a:schemeClr val="accent1"/>
-          </a:lnRef>
-          <a:fillRef idx="0">
-            <a:schemeClr val="accent1"/>
-          </a:fillRef>
-          <a:effectRef idx="0">
-            <a:schemeClr val="accent1"/>
-          </a:effectRef>
-          <a:fontRef idx="minor">
-            <a:schemeClr val="tx1"/>
-          </a:fontRef>
-        </p:style>
-      </p:cxnSp>
-      <p:sp>
-        <p:nvSpPr>
-          <p:cNvPr id="829" name="Rectangle 828"/>
-          <p:cNvSpPr/>
-          <p:nvPr/>
-        </p:nvSpPr>
-        <p:spPr>
-          <a:xfrm>
-            <a:off x="4114800" y="5562600"/>
-            <a:ext cx="152400" cy="76200"/>
-          </a:xfrm>
-          <a:prstGeom prst="rect">
-            <a:avLst/>
-          </a:prstGeom>
-          <a:noFill/>
-          <a:ln>
-            <a:noFill/>
-          </a:ln>
-        </p:spPr>
-        <p:style>
-          <a:lnRef idx="2">
-            <a:schemeClr val="accent1">
-              <a:shade val="50000"/>
-            </a:schemeClr>
-          </a:lnRef>
-          <a:fillRef idx="1">
-            <a:schemeClr val="accent1"/>
-          </a:fillRef>
-          <a:effectRef idx="0">
-            <a:schemeClr val="accent1"/>
-          </a:effectRef>
-          <a:fontRef idx="minor">
-            <a:schemeClr val="lt1"/>
-          </a:fontRef>
-        </p:style>
-        <p:txBody>
-          <a:bodyPr wrap="none" lIns="45720" rIns="45720" rtlCol="0" anchor="ctr"/>
-          <a:lstStyle/>
-          <a:p>
-            <a:pPr algn="ctr"/>
-            <a:r>
-              <a:rPr lang="en-US" sz="900" dirty="0">
-                <a:solidFill>
-                  <a:srgbClr val="000000"/>
-                </a:solidFill>
-                <a:latin typeface="Courier New" panose="02070309020205020404" pitchFamily="49" charset="0"/>
-                <a:cs typeface="Courier New" panose="02070309020205020404" pitchFamily="49" charset="0"/>
-              </a:rPr>
-              <a:t>1</a:t>
-            </a:r>
-          </a:p>
-        </p:txBody>
-      </p:sp>
-      <p:sp>
-        <p:nvSpPr>
-          <p:cNvPr id="830" name="Rectangle 829"/>
-          <p:cNvSpPr/>
-          <p:nvPr/>
-        </p:nvSpPr>
-        <p:spPr>
-          <a:xfrm>
-            <a:off x="2971800" y="3276600"/>
-            <a:ext cx="457200" cy="152400"/>
-          </a:xfrm>
-          <a:prstGeom prst="rect">
-            <a:avLst/>
-          </a:prstGeom>
-          <a:noFill/>
-          <a:ln>
-            <a:noFill/>
-          </a:ln>
-        </p:spPr>
-        <p:style>
-          <a:lnRef idx="2">
-            <a:schemeClr val="accent1">
-              <a:shade val="50000"/>
-            </a:schemeClr>
-          </a:lnRef>
-          <a:fillRef idx="1">
-            <a:schemeClr val="accent1"/>
-          </a:fillRef>
-          <a:effectRef idx="0">
-            <a:schemeClr val="accent1"/>
-          </a:effectRef>
-          <a:fontRef idx="minor">
-            <a:schemeClr val="lt1"/>
-          </a:fontRef>
-        </p:style>
-        <p:txBody>
-          <a:bodyPr wrap="none" lIns="45720" rIns="45720" rtlCol="0" anchor="ctr"/>
-          <a:lstStyle/>
-          <a:p>
-            <a:r>
-              <a:rPr lang="en-US" sz="900" dirty="0">
-                <a:solidFill>
-                  <a:srgbClr val="000000"/>
-                </a:solidFill>
-                <a:latin typeface="Courier New" panose="02070309020205020404" pitchFamily="49" charset="0"/>
-                <a:cs typeface="Courier New" panose="02070309020205020404" pitchFamily="49" charset="0"/>
-              </a:rPr>
-              <a:t>btn_1_d1</a:t>
+              <a:t>initial-&gt;1’b0</a:t>
             </a:r>
             <a:endParaRPr lang="en-US" sz="900" dirty="0">
               <a:solidFill>
@@ -8540,695 +6737,6 @@
               <a:latin typeface="Courier New" panose="02070309020205020404" pitchFamily="49" charset="0"/>
               <a:cs typeface="Courier New" panose="02070309020205020404" pitchFamily="49" charset="0"/>
             </a:endParaRPr>
-          </a:p>
-        </p:txBody>
-      </p:sp>
-      <p:sp>
-        <p:nvSpPr>
-          <p:cNvPr id="831" name="Rectangle 830"/>
-          <p:cNvSpPr/>
-          <p:nvPr/>
-        </p:nvSpPr>
-        <p:spPr>
-          <a:xfrm>
-            <a:off x="2971800" y="4343400"/>
-            <a:ext cx="457200" cy="152400"/>
-          </a:xfrm>
-          <a:prstGeom prst="rect">
-            <a:avLst/>
-          </a:prstGeom>
-          <a:noFill/>
-          <a:ln>
-            <a:noFill/>
-          </a:ln>
-        </p:spPr>
-        <p:style>
-          <a:lnRef idx="2">
-            <a:schemeClr val="accent1">
-              <a:shade val="50000"/>
-            </a:schemeClr>
-          </a:lnRef>
-          <a:fillRef idx="1">
-            <a:schemeClr val="accent1"/>
-          </a:fillRef>
-          <a:effectRef idx="0">
-            <a:schemeClr val="accent1"/>
-          </a:effectRef>
-          <a:fontRef idx="minor">
-            <a:schemeClr val="lt1"/>
-          </a:fontRef>
-        </p:style>
-        <p:txBody>
-          <a:bodyPr wrap="none" lIns="45720" rIns="45720" rtlCol="0" anchor="ctr"/>
-          <a:lstStyle/>
-          <a:p>
-            <a:r>
-              <a:rPr lang="en-US" sz="900" dirty="0">
-                <a:solidFill>
-                  <a:srgbClr val="000000"/>
-                </a:solidFill>
-                <a:latin typeface="Courier New" panose="02070309020205020404" pitchFamily="49" charset="0"/>
-                <a:cs typeface="Courier New" panose="02070309020205020404" pitchFamily="49" charset="0"/>
-              </a:rPr>
-              <a:t>btn_2_d1</a:t>
-            </a:r>
-            <a:endParaRPr lang="en-US" sz="900" dirty="0">
-              <a:solidFill>
-                <a:srgbClr val="000000"/>
-              </a:solidFill>
-              <a:latin typeface="Courier New" panose="02070309020205020404" pitchFamily="49" charset="0"/>
-              <a:cs typeface="Courier New" panose="02070309020205020404" pitchFamily="49" charset="0"/>
-            </a:endParaRPr>
-          </a:p>
-        </p:txBody>
-      </p:sp>
-      <p:sp>
-        <p:nvSpPr>
-          <p:cNvPr id="832" name="Rectangle 831"/>
-          <p:cNvSpPr/>
-          <p:nvPr/>
-        </p:nvSpPr>
-        <p:spPr>
-          <a:xfrm>
-            <a:off x="2971800" y="5562600"/>
-            <a:ext cx="457200" cy="152400"/>
-          </a:xfrm>
-          <a:prstGeom prst="rect">
-            <a:avLst/>
-          </a:prstGeom>
-          <a:noFill/>
-          <a:ln>
-            <a:noFill/>
-          </a:ln>
-        </p:spPr>
-        <p:style>
-          <a:lnRef idx="2">
-            <a:schemeClr val="accent1">
-              <a:shade val="50000"/>
-            </a:schemeClr>
-          </a:lnRef>
-          <a:fillRef idx="1">
-            <a:schemeClr val="accent1"/>
-          </a:fillRef>
-          <a:effectRef idx="0">
-            <a:schemeClr val="accent1"/>
-          </a:effectRef>
-          <a:fontRef idx="minor">
-            <a:schemeClr val="lt1"/>
-          </a:fontRef>
-        </p:style>
-        <p:txBody>
-          <a:bodyPr wrap="none" lIns="45720" rIns="45720" rtlCol="0" anchor="ctr"/>
-          <a:lstStyle/>
-          <a:p>
-            <a:r>
-              <a:rPr lang="en-US" sz="900" dirty="0">
-                <a:solidFill>
-                  <a:srgbClr val="000000"/>
-                </a:solidFill>
-                <a:latin typeface="Courier New" panose="02070309020205020404" pitchFamily="49" charset="0"/>
-                <a:cs typeface="Courier New" panose="02070309020205020404" pitchFamily="49" charset="0"/>
-              </a:rPr>
-              <a:t>btn_3_d1</a:t>
-            </a:r>
-            <a:endParaRPr lang="en-US" sz="900" dirty="0">
-              <a:solidFill>
-                <a:srgbClr val="000000"/>
-              </a:solidFill>
-              <a:latin typeface="Courier New" panose="02070309020205020404" pitchFamily="49" charset="0"/>
-              <a:cs typeface="Courier New" panose="02070309020205020404" pitchFamily="49" charset="0"/>
-            </a:endParaRPr>
-          </a:p>
-        </p:txBody>
-      </p:sp>
-      <p:sp>
-        <p:nvSpPr>
-          <p:cNvPr id="833" name="Rectangle 832"/>
-          <p:cNvSpPr/>
-          <p:nvPr/>
-        </p:nvSpPr>
-        <p:spPr>
-          <a:xfrm>
-            <a:off x="4343400" y="3276600"/>
-            <a:ext cx="457200" cy="152400"/>
-          </a:xfrm>
-          <a:prstGeom prst="rect">
-            <a:avLst/>
-          </a:prstGeom>
-          <a:noFill/>
-          <a:ln>
-            <a:noFill/>
-          </a:ln>
-        </p:spPr>
-        <p:style>
-          <a:lnRef idx="2">
-            <a:schemeClr val="accent1">
-              <a:shade val="50000"/>
-            </a:schemeClr>
-          </a:lnRef>
-          <a:fillRef idx="1">
-            <a:schemeClr val="accent1"/>
-          </a:fillRef>
-          <a:effectRef idx="0">
-            <a:schemeClr val="accent1"/>
-          </a:effectRef>
-          <a:fontRef idx="minor">
-            <a:schemeClr val="lt1"/>
-          </a:fontRef>
-        </p:style>
-        <p:txBody>
-          <a:bodyPr wrap="none" lIns="45720" rIns="45720" rtlCol="0" anchor="ctr"/>
-          <a:lstStyle/>
-          <a:p>
-            <a:r>
-              <a:rPr lang="en-US" sz="900" dirty="0">
-                <a:solidFill>
-                  <a:srgbClr val="000000"/>
-                </a:solidFill>
-                <a:latin typeface="Courier New" panose="02070309020205020404" pitchFamily="49" charset="0"/>
-                <a:cs typeface="Courier New" panose="02070309020205020404" pitchFamily="49" charset="0"/>
-              </a:rPr>
-              <a:t>btn_1_d2</a:t>
-            </a:r>
-            <a:endParaRPr lang="en-US" sz="900" dirty="0">
-              <a:solidFill>
-                <a:srgbClr val="000000"/>
-              </a:solidFill>
-              <a:latin typeface="Courier New" panose="02070309020205020404" pitchFamily="49" charset="0"/>
-              <a:cs typeface="Courier New" panose="02070309020205020404" pitchFamily="49" charset="0"/>
-            </a:endParaRPr>
-          </a:p>
-        </p:txBody>
-      </p:sp>
-      <p:sp>
-        <p:nvSpPr>
-          <p:cNvPr id="834" name="Rectangle 833"/>
-          <p:cNvSpPr/>
-          <p:nvPr/>
-        </p:nvSpPr>
-        <p:spPr>
-          <a:xfrm>
-            <a:off x="4343400" y="4343400"/>
-            <a:ext cx="457200" cy="152400"/>
-          </a:xfrm>
-          <a:prstGeom prst="rect">
-            <a:avLst/>
-          </a:prstGeom>
-          <a:noFill/>
-          <a:ln>
-            <a:noFill/>
-          </a:ln>
-        </p:spPr>
-        <p:style>
-          <a:lnRef idx="2">
-            <a:schemeClr val="accent1">
-              <a:shade val="50000"/>
-            </a:schemeClr>
-          </a:lnRef>
-          <a:fillRef idx="1">
-            <a:schemeClr val="accent1"/>
-          </a:fillRef>
-          <a:effectRef idx="0">
-            <a:schemeClr val="accent1"/>
-          </a:effectRef>
-          <a:fontRef idx="minor">
-            <a:schemeClr val="lt1"/>
-          </a:fontRef>
-        </p:style>
-        <p:txBody>
-          <a:bodyPr wrap="none" lIns="45720" rIns="45720" rtlCol="0" anchor="ctr"/>
-          <a:lstStyle/>
-          <a:p>
-            <a:r>
-              <a:rPr lang="en-US" sz="900" dirty="0">
-                <a:solidFill>
-                  <a:srgbClr val="000000"/>
-                </a:solidFill>
-                <a:latin typeface="Courier New" panose="02070309020205020404" pitchFamily="49" charset="0"/>
-                <a:cs typeface="Courier New" panose="02070309020205020404" pitchFamily="49" charset="0"/>
-              </a:rPr>
-              <a:t>btn_2_d2</a:t>
-            </a:r>
-            <a:endParaRPr lang="en-US" sz="900" dirty="0">
-              <a:solidFill>
-                <a:srgbClr val="000000"/>
-              </a:solidFill>
-              <a:latin typeface="Courier New" panose="02070309020205020404" pitchFamily="49" charset="0"/>
-              <a:cs typeface="Courier New" panose="02070309020205020404" pitchFamily="49" charset="0"/>
-            </a:endParaRPr>
-          </a:p>
-        </p:txBody>
-      </p:sp>
-      <p:sp>
-        <p:nvSpPr>
-          <p:cNvPr id="835" name="Rectangle 834"/>
-          <p:cNvSpPr/>
-          <p:nvPr/>
-        </p:nvSpPr>
-        <p:spPr>
-          <a:xfrm>
-            <a:off x="4343400" y="5562600"/>
-            <a:ext cx="457200" cy="152400"/>
-          </a:xfrm>
-          <a:prstGeom prst="rect">
-            <a:avLst/>
-          </a:prstGeom>
-          <a:noFill/>
-          <a:ln>
-            <a:noFill/>
-          </a:ln>
-        </p:spPr>
-        <p:style>
-          <a:lnRef idx="2">
-            <a:schemeClr val="accent1">
-              <a:shade val="50000"/>
-            </a:schemeClr>
-          </a:lnRef>
-          <a:fillRef idx="1">
-            <a:schemeClr val="accent1"/>
-          </a:fillRef>
-          <a:effectRef idx="0">
-            <a:schemeClr val="accent1"/>
-          </a:effectRef>
-          <a:fontRef idx="minor">
-            <a:schemeClr val="lt1"/>
-          </a:fontRef>
-        </p:style>
-        <p:txBody>
-          <a:bodyPr wrap="none" lIns="45720" rIns="45720" rtlCol="0" anchor="ctr"/>
-          <a:lstStyle/>
-          <a:p>
-            <a:r>
-              <a:rPr lang="en-US" sz="900" dirty="0">
-                <a:solidFill>
-                  <a:srgbClr val="000000"/>
-                </a:solidFill>
-                <a:latin typeface="Courier New" panose="02070309020205020404" pitchFamily="49" charset="0"/>
-                <a:cs typeface="Courier New" panose="02070309020205020404" pitchFamily="49" charset="0"/>
-              </a:rPr>
-              <a:t>btn_3_d2</a:t>
-            </a:r>
-            <a:endParaRPr lang="en-US" sz="900" dirty="0">
-              <a:solidFill>
-                <a:srgbClr val="000000"/>
-              </a:solidFill>
-              <a:latin typeface="Courier New" panose="02070309020205020404" pitchFamily="49" charset="0"/>
-              <a:cs typeface="Courier New" panose="02070309020205020404" pitchFamily="49" charset="0"/>
-            </a:endParaRPr>
-          </a:p>
-        </p:txBody>
-      </p:sp>
-      <p:cxnSp>
-        <p:nvCxnSpPr>
-          <p:cNvPr id="836" name="Straight Connector 835"/>
-          <p:cNvCxnSpPr/>
-          <p:nvPr/>
-        </p:nvCxnSpPr>
-        <p:spPr>
-          <a:xfrm flipV="1">
-            <a:off x="6629400" y="5562600"/>
-            <a:ext cx="152400" cy="152400"/>
-          </a:xfrm>
-          <a:prstGeom prst="line">
-            <a:avLst/>
-          </a:prstGeom>
-          <a:ln w="12700">
-            <a:solidFill>
-              <a:srgbClr val="000000"/>
-            </a:solidFill>
-            <a:headEnd type="none" w="med" len="med"/>
-            <a:tailEnd type="none" w="med" len="med"/>
-          </a:ln>
-        </p:spPr>
-        <p:style>
-          <a:lnRef idx="1">
-            <a:schemeClr val="accent1"/>
-          </a:lnRef>
-          <a:fillRef idx="0">
-            <a:schemeClr val="accent1"/>
-          </a:fillRef>
-          <a:effectRef idx="0">
-            <a:schemeClr val="accent1"/>
-          </a:effectRef>
-          <a:fontRef idx="minor">
-            <a:schemeClr val="tx1"/>
-          </a:fontRef>
-        </p:style>
-      </p:cxnSp>
-      <p:sp>
-        <p:nvSpPr>
-          <p:cNvPr id="837" name="Rectangle 836"/>
-          <p:cNvSpPr/>
-          <p:nvPr/>
-        </p:nvSpPr>
-        <p:spPr>
-          <a:xfrm>
-            <a:off x="6629400" y="5486400"/>
-            <a:ext cx="152400" cy="76200"/>
-          </a:xfrm>
-          <a:prstGeom prst="rect">
-            <a:avLst/>
-          </a:prstGeom>
-          <a:noFill/>
-          <a:ln>
-            <a:noFill/>
-          </a:ln>
-        </p:spPr>
-        <p:style>
-          <a:lnRef idx="2">
-            <a:schemeClr val="accent1">
-              <a:shade val="50000"/>
-            </a:schemeClr>
-          </a:lnRef>
-          <a:fillRef idx="1">
-            <a:schemeClr val="accent1"/>
-          </a:fillRef>
-          <a:effectRef idx="0">
-            <a:schemeClr val="accent1"/>
-          </a:effectRef>
-          <a:fontRef idx="minor">
-            <a:schemeClr val="lt1"/>
-          </a:fontRef>
-        </p:style>
-        <p:txBody>
-          <a:bodyPr wrap="none" lIns="45720" rIns="45720" rtlCol="0" anchor="ctr"/>
-          <a:lstStyle/>
-          <a:p>
-            <a:pPr algn="ctr"/>
-            <a:r>
-              <a:rPr lang="en-US" sz="900" dirty="0">
-                <a:solidFill>
-                  <a:srgbClr val="000000"/>
-                </a:solidFill>
-                <a:latin typeface="Courier New" panose="02070309020205020404" pitchFamily="49" charset="0"/>
-                <a:cs typeface="Courier New" panose="02070309020205020404" pitchFamily="49" charset="0"/>
-              </a:rPr>
-              <a:t>1</a:t>
-            </a:r>
-          </a:p>
-        </p:txBody>
-      </p:sp>
-      <p:sp>
-        <p:nvSpPr>
-          <p:cNvPr id="838" name="Rectangle 837"/>
-          <p:cNvSpPr/>
-          <p:nvPr/>
-        </p:nvSpPr>
-        <p:spPr>
-          <a:xfrm>
-            <a:off x="6858000" y="5486400"/>
-            <a:ext cx="457200" cy="152400"/>
-          </a:xfrm>
-          <a:prstGeom prst="rect">
-            <a:avLst/>
-          </a:prstGeom>
-          <a:noFill/>
-          <a:ln>
-            <a:noFill/>
-          </a:ln>
-        </p:spPr>
-        <p:style>
-          <a:lnRef idx="2">
-            <a:schemeClr val="accent1">
-              <a:shade val="50000"/>
-            </a:schemeClr>
-          </a:lnRef>
-          <a:fillRef idx="1">
-            <a:schemeClr val="accent1"/>
-          </a:fillRef>
-          <a:effectRef idx="0">
-            <a:schemeClr val="accent1"/>
-          </a:effectRef>
-          <a:fontRef idx="minor">
-            <a:schemeClr val="lt1"/>
-          </a:fontRef>
-        </p:style>
-        <p:txBody>
-          <a:bodyPr wrap="none" lIns="45720" rIns="45720" rtlCol="0" anchor="ctr"/>
-          <a:lstStyle/>
-          <a:p>
-            <a:r>
-              <a:rPr lang="en-US" sz="900" dirty="0">
-                <a:solidFill>
-                  <a:srgbClr val="000000"/>
-                </a:solidFill>
-                <a:latin typeface="Courier New" panose="02070309020205020404" pitchFamily="49" charset="0"/>
-                <a:cs typeface="Courier New" panose="02070309020205020404" pitchFamily="49" charset="0"/>
-              </a:rPr>
-              <a:t>all_0</a:t>
-            </a:r>
-            <a:endParaRPr lang="en-US" sz="900" dirty="0">
-              <a:solidFill>
-                <a:srgbClr val="000000"/>
-              </a:solidFill>
-              <a:latin typeface="Courier New" panose="02070309020205020404" pitchFamily="49" charset="0"/>
-              <a:cs typeface="Courier New" panose="02070309020205020404" pitchFamily="49" charset="0"/>
-            </a:endParaRPr>
-          </a:p>
-        </p:txBody>
-      </p:sp>
-      <p:cxnSp>
-        <p:nvCxnSpPr>
-          <p:cNvPr id="857" name="Straight Connector 856"/>
-          <p:cNvCxnSpPr/>
-          <p:nvPr/>
-        </p:nvCxnSpPr>
-        <p:spPr>
-          <a:xfrm>
-            <a:off x="7543800" y="5867400"/>
-            <a:ext cx="304800" cy="0"/>
-          </a:xfrm>
-          <a:prstGeom prst="line">
-            <a:avLst/>
-          </a:prstGeom>
-          <a:ln w="12700">
-            <a:solidFill>
-              <a:srgbClr val="000000"/>
-            </a:solidFill>
-            <a:headEnd type="none" w="med" len="med"/>
-            <a:tailEnd type="triangle" w="med" len="med"/>
-          </a:ln>
-        </p:spPr>
-        <p:style>
-          <a:lnRef idx="1">
-            <a:schemeClr val="accent1"/>
-          </a:lnRef>
-          <a:fillRef idx="0">
-            <a:schemeClr val="accent1"/>
-          </a:fillRef>
-          <a:effectRef idx="0">
-            <a:schemeClr val="accent1"/>
-          </a:effectRef>
-          <a:fontRef idx="minor">
-            <a:schemeClr val="tx1"/>
-          </a:fontRef>
-        </p:style>
-      </p:cxnSp>
-      <p:sp>
-        <p:nvSpPr>
-          <p:cNvPr id="858" name="Rectangle 857"/>
-          <p:cNvSpPr/>
-          <p:nvPr/>
-        </p:nvSpPr>
-        <p:spPr>
-          <a:xfrm>
-            <a:off x="7239000" y="5715000"/>
-            <a:ext cx="457200" cy="152400"/>
-          </a:xfrm>
-          <a:prstGeom prst="rect">
-            <a:avLst/>
-          </a:prstGeom>
-          <a:noFill/>
-          <a:ln>
-            <a:noFill/>
-          </a:ln>
-        </p:spPr>
-        <p:style>
-          <a:lnRef idx="2">
-            <a:schemeClr val="accent1">
-              <a:shade val="50000"/>
-            </a:schemeClr>
-          </a:lnRef>
-          <a:fillRef idx="1">
-            <a:schemeClr val="accent1"/>
-          </a:fillRef>
-          <a:effectRef idx="0">
-            <a:schemeClr val="accent1"/>
-          </a:effectRef>
-          <a:fontRef idx="minor">
-            <a:schemeClr val="lt1"/>
-          </a:fontRef>
-        </p:style>
-        <p:txBody>
-          <a:bodyPr wrap="none" lIns="45720" rIns="45720" rtlCol="0" anchor="ctr"/>
-          <a:lstStyle/>
-          <a:p>
-            <a:r>
-              <a:rPr lang="en-US" sz="900" dirty="0">
-                <a:solidFill>
-                  <a:srgbClr val="000000"/>
-                </a:solidFill>
-                <a:latin typeface="Courier New" panose="02070309020205020404" pitchFamily="49" charset="0"/>
-                <a:cs typeface="Courier New" panose="02070309020205020404" pitchFamily="49" charset="0"/>
-              </a:rPr>
-              <a:t>4’d15</a:t>
-            </a:r>
-            <a:endParaRPr lang="en-US" sz="900" dirty="0">
-              <a:solidFill>
-                <a:srgbClr val="000000"/>
-              </a:solidFill>
-              <a:latin typeface="Courier New" panose="02070309020205020404" pitchFamily="49" charset="0"/>
-              <a:cs typeface="Courier New" panose="02070309020205020404" pitchFamily="49" charset="0"/>
-            </a:endParaRPr>
-          </a:p>
-        </p:txBody>
-      </p:sp>
-      <p:sp>
-        <p:nvSpPr>
-          <p:cNvPr id="859" name="Rectangle 858"/>
-          <p:cNvSpPr/>
-          <p:nvPr/>
-        </p:nvSpPr>
-        <p:spPr>
-          <a:xfrm>
-            <a:off x="9067800" y="5486400"/>
-            <a:ext cx="457200" cy="152400"/>
-          </a:xfrm>
-          <a:prstGeom prst="rect">
-            <a:avLst/>
-          </a:prstGeom>
-          <a:noFill/>
-          <a:ln>
-            <a:noFill/>
-          </a:ln>
-        </p:spPr>
-        <p:style>
-          <a:lnRef idx="2">
-            <a:schemeClr val="accent1">
-              <a:shade val="50000"/>
-            </a:schemeClr>
-          </a:lnRef>
-          <a:fillRef idx="1">
-            <a:schemeClr val="accent1"/>
-          </a:fillRef>
-          <a:effectRef idx="0">
-            <a:schemeClr val="accent1"/>
-          </a:effectRef>
-          <a:fontRef idx="minor">
-            <a:schemeClr val="lt1"/>
-          </a:fontRef>
-        </p:style>
-        <p:txBody>
-          <a:bodyPr wrap="none" lIns="45720" rIns="45720" rtlCol="0" anchor="ctr"/>
-          <a:lstStyle/>
-          <a:p>
-            <a:r>
-              <a:rPr lang="en-US" sz="900" dirty="0">
-                <a:solidFill>
-                  <a:srgbClr val="000000"/>
-                </a:solidFill>
-                <a:latin typeface="Courier New" panose="02070309020205020404" pitchFamily="49" charset="0"/>
-                <a:cs typeface="Courier New" panose="02070309020205020404" pitchFamily="49" charset="0"/>
-              </a:rPr>
-              <a:t>all_0_long</a:t>
-            </a:r>
-            <a:endParaRPr lang="en-US" sz="900" dirty="0">
-              <a:solidFill>
-                <a:srgbClr val="000000"/>
-              </a:solidFill>
-              <a:latin typeface="Courier New" panose="02070309020205020404" pitchFamily="49" charset="0"/>
-              <a:cs typeface="Courier New" panose="02070309020205020404" pitchFamily="49" charset="0"/>
-            </a:endParaRPr>
-          </a:p>
-        </p:txBody>
-      </p:sp>
-      <p:cxnSp>
-        <p:nvCxnSpPr>
-          <p:cNvPr id="860" name="Straight Connector 859"/>
-          <p:cNvCxnSpPr/>
-          <p:nvPr/>
-        </p:nvCxnSpPr>
-        <p:spPr>
-          <a:xfrm flipV="1">
-            <a:off x="8839200" y="5562600"/>
-            <a:ext cx="152400" cy="152400"/>
-          </a:xfrm>
-          <a:prstGeom prst="line">
-            <a:avLst/>
-          </a:prstGeom>
-          <a:ln w="12700">
-            <a:solidFill>
-              <a:srgbClr val="000000"/>
-            </a:solidFill>
-            <a:headEnd type="none" w="med" len="med"/>
-            <a:tailEnd type="none" w="med" len="med"/>
-          </a:ln>
-        </p:spPr>
-        <p:style>
-          <a:lnRef idx="1">
-            <a:schemeClr val="accent1"/>
-          </a:lnRef>
-          <a:fillRef idx="0">
-            <a:schemeClr val="accent1"/>
-          </a:fillRef>
-          <a:effectRef idx="0">
-            <a:schemeClr val="accent1"/>
-          </a:effectRef>
-          <a:fontRef idx="minor">
-            <a:schemeClr val="tx1"/>
-          </a:fontRef>
-        </p:style>
-      </p:cxnSp>
-      <p:sp>
-        <p:nvSpPr>
-          <p:cNvPr id="861" name="Rectangle 860"/>
-          <p:cNvSpPr/>
-          <p:nvPr/>
-        </p:nvSpPr>
-        <p:spPr>
-          <a:xfrm>
-            <a:off x="8839200" y="5486400"/>
-            <a:ext cx="152400" cy="76200"/>
-          </a:xfrm>
-          <a:prstGeom prst="rect">
-            <a:avLst/>
-          </a:prstGeom>
-          <a:noFill/>
-          <a:ln>
-            <a:noFill/>
-          </a:ln>
-        </p:spPr>
-        <p:style>
-          <a:lnRef idx="2">
-            <a:schemeClr val="accent1">
-              <a:shade val="50000"/>
-            </a:schemeClr>
-          </a:lnRef>
-          <a:fillRef idx="1">
-            <a:schemeClr val="accent1"/>
-          </a:fillRef>
-          <a:effectRef idx="0">
-            <a:schemeClr val="accent1"/>
-          </a:effectRef>
-          <a:fontRef idx="minor">
-            <a:schemeClr val="lt1"/>
-          </a:fontRef>
-        </p:style>
-        <p:txBody>
-          <a:bodyPr wrap="none" lIns="45720" rIns="45720" rtlCol="0" anchor="ctr"/>
-          <a:lstStyle/>
-          <a:p>
-            <a:pPr algn="ctr"/>
-            <a:r>
-              <a:rPr lang="en-US" sz="900" dirty="0">
-                <a:solidFill>
-                  <a:srgbClr val="000000"/>
-                </a:solidFill>
-                <a:latin typeface="Courier New" panose="02070309020205020404" pitchFamily="49" charset="0"/>
-                <a:cs typeface="Courier New" panose="02070309020205020404" pitchFamily="49" charset="0"/>
-              </a:rPr>
-              <a:t>1</a:t>
-            </a:r>
           </a:p>
         </p:txBody>
       </p:sp>
